--- a/SDD 관련 자료/작업 결과물/프로그램 구조도(트랜스폼, 트랜젝션)/강의평가 질문 삭제.pptx
+++ b/SDD 관련 자료/작업 결과물/프로그램 구조도(트랜스폼, 트랜젝션)/강의평가 질문 삭제.pptx
@@ -104,6 +104,11 @@
       </a:defRPr>
     </a:lvl9pPr>
   </p:defaultTextStyle>
+  <p:extLst>
+    <p:ext uri="{EFAFB233-063F-42B5-8137-9DF3F51BA10A}">
+      <p15:sldGuideLst xmlns:p15="http://schemas.microsoft.com/office/powerpoint/2012/main"/>
+    </p:ext>
+  </p:extLst>
 </p:presentation>
 </file>
 
@@ -3009,20 +3014,12 @@
           <a:p>
             <a:pPr algn="ctr"/>
             <a:r>
-              <a:rPr lang="ko-KR" altLang="en-US" sz="1100" dirty="0">
-                <a:solidFill>
-                  <a:schemeClr val="tx1"/>
-                </a:solidFill>
-              </a:rPr>
-              <a:t>강의 평가 질문 </a:t>
-            </a:r>
-            <a:r>
               <a:rPr lang="ko-KR" altLang="en-US" sz="1100" dirty="0" smtClean="0">
                 <a:solidFill>
                   <a:schemeClr val="tx1"/>
                 </a:solidFill>
               </a:rPr>
-              <a:t>삭제</a:t>
+              <a:t>강의 평가 관리</a:t>
             </a:r>
             <a:endParaRPr lang="en-US" altLang="ko-KR" sz="1100" dirty="0">
               <a:solidFill>
@@ -3082,7 +3079,7 @@
                   <a:schemeClr val="tx1"/>
                 </a:solidFill>
               </a:rPr>
-              <a:t>강의평가 질문 삭제 정보 입력</a:t>
+              <a:t>강의평가 정보 입력</a:t>
             </a:r>
             <a:endParaRPr lang="en-US" altLang="ko-KR" sz="1100" dirty="0">
               <a:solidFill>
@@ -3137,20 +3134,12 @@
           <a:p>
             <a:pPr algn="ctr"/>
             <a:r>
-              <a:rPr lang="ko-KR" altLang="en-US" sz="1100" dirty="0">
-                <a:solidFill>
-                  <a:schemeClr val="tx1"/>
-                </a:solidFill>
-              </a:rPr>
-              <a:t>강의 평가 질문 </a:t>
-            </a:r>
-            <a:r>
               <a:rPr lang="ko-KR" altLang="en-US" sz="1100" dirty="0" smtClean="0">
                 <a:solidFill>
                   <a:schemeClr val="tx1"/>
                 </a:solidFill>
               </a:rPr>
-              <a:t>삭제 결과 출력</a:t>
+              <a:t>강의평가 정보 출력</a:t>
             </a:r>
             <a:endParaRPr lang="en-US" altLang="ko-KR" sz="1100" dirty="0">
               <a:solidFill>
@@ -3205,20 +3194,12 @@
           <a:p>
             <a:pPr algn="ctr"/>
             <a:r>
-              <a:rPr lang="ko-KR" altLang="en-US" sz="1100" dirty="0">
-                <a:solidFill>
-                  <a:schemeClr val="tx1"/>
-                </a:solidFill>
-              </a:rPr>
-              <a:t>강의 평가 질문 </a:t>
-            </a:r>
-            <a:r>
               <a:rPr lang="ko-KR" altLang="en-US" sz="1100" dirty="0" smtClean="0">
                 <a:solidFill>
                   <a:schemeClr val="tx1"/>
                 </a:solidFill>
               </a:rPr>
-              <a:t>삭제 처리</a:t>
+              <a:t>강의평가 정보 변환</a:t>
             </a:r>
             <a:endParaRPr lang="en-US" altLang="ko-KR" sz="1100" dirty="0">
               <a:solidFill>
@@ -3339,534 +3320,6 @@
           </a:fontRef>
         </p:style>
       </p:cxnSp>
-      <p:grpSp>
-        <p:nvGrpSpPr>
-          <p:cNvPr id="20" name="그룹 19"/>
-          <p:cNvGrpSpPr/>
-          <p:nvPr/>
-        </p:nvGrpSpPr>
-        <p:grpSpPr>
-          <a:xfrm rot="17424334">
-            <a:off x="3536639" y="2322030"/>
-            <a:ext cx="465295" cy="429840"/>
-            <a:chOff x="5764817" y="2081712"/>
-            <a:chExt cx="465295" cy="429840"/>
-          </a:xfrm>
-        </p:grpSpPr>
-        <p:sp>
-          <p:nvSpPr>
-            <p:cNvPr id="21" name="타원 20"/>
-            <p:cNvSpPr/>
-            <p:nvPr/>
-          </p:nvSpPr>
-          <p:spPr>
-            <a:xfrm>
-              <a:off x="5764817" y="2081712"/>
-              <a:ext cx="254984" cy="254984"/>
-            </a:xfrm>
-            <a:prstGeom prst="ellipse">
-              <a:avLst/>
-            </a:prstGeom>
-            <a:noFill/>
-            <a:ln w="38100">
-              <a:solidFill>
-                <a:schemeClr val="accent1"/>
-              </a:solidFill>
-            </a:ln>
-          </p:spPr>
-          <p:style>
-            <a:lnRef idx="2">
-              <a:schemeClr val="accent1">
-                <a:shade val="50000"/>
-              </a:schemeClr>
-            </a:lnRef>
-            <a:fillRef idx="1">
-              <a:schemeClr val="accent1"/>
-            </a:fillRef>
-            <a:effectRef idx="0">
-              <a:schemeClr val="accent1"/>
-            </a:effectRef>
-            <a:fontRef idx="minor">
-              <a:schemeClr val="lt1"/>
-            </a:fontRef>
-          </p:style>
-          <p:txBody>
-            <a:bodyPr rtlCol="0" anchor="ctr"/>
-            <a:lstStyle/>
-            <a:p>
-              <a:pPr algn="ctr"/>
-              <a:endParaRPr lang="ko-KR" altLang="en-US"/>
-            </a:p>
-          </p:txBody>
-        </p:sp>
-        <p:cxnSp>
-          <p:nvCxnSpPr>
-            <p:cNvPr id="22" name="직선 연결선 21"/>
-            <p:cNvCxnSpPr>
-              <a:endCxn id="21" idx="5"/>
-            </p:cNvCxnSpPr>
-            <p:nvPr/>
-          </p:nvCxnSpPr>
-          <p:spPr>
-            <a:xfrm flipH="1" flipV="1">
-              <a:off x="5982459" y="2299354"/>
-              <a:ext cx="247653" cy="212198"/>
-            </a:xfrm>
-            <a:prstGeom prst="line">
-              <a:avLst/>
-            </a:prstGeom>
-            <a:ln w="38100">
-              <a:headEnd type="stealth" w="lg" len="lg"/>
-            </a:ln>
-          </p:spPr>
-          <p:style>
-            <a:lnRef idx="1">
-              <a:schemeClr val="accent1"/>
-            </a:lnRef>
-            <a:fillRef idx="0">
-              <a:schemeClr val="accent1"/>
-            </a:fillRef>
-            <a:effectRef idx="0">
-              <a:schemeClr val="accent1"/>
-            </a:effectRef>
-            <a:fontRef idx="minor">
-              <a:schemeClr val="tx1"/>
-            </a:fontRef>
-          </p:style>
-        </p:cxnSp>
-      </p:grpSp>
-      <p:sp>
-        <p:nvSpPr>
-          <p:cNvPr id="23" name="TextBox 22"/>
-          <p:cNvSpPr txBox="1"/>
-          <p:nvPr/>
-        </p:nvSpPr>
-        <p:spPr>
-          <a:xfrm rot="19759131">
-            <a:off x="2530195" y="2256228"/>
-            <a:ext cx="2064041" cy="261610"/>
-          </a:xfrm>
-          <a:prstGeom prst="rect">
-            <a:avLst/>
-          </a:prstGeom>
-          <a:noFill/>
-        </p:spPr>
-        <p:txBody>
-          <a:bodyPr wrap="square" rtlCol="0">
-            <a:spAutoFit/>
-          </a:bodyPr>
-          <a:lstStyle/>
-          <a:p>
-            <a:r>
-              <a:rPr lang="ko-KR" altLang="en-US" sz="1100" dirty="0"/>
-              <a:t>강의 평가 질문 삭제 정보</a:t>
-            </a:r>
-            <a:endParaRPr lang="ko-KR" altLang="en-US" sz="1600" dirty="0"/>
-          </a:p>
-        </p:txBody>
-      </p:sp>
-      <p:grpSp>
-        <p:nvGrpSpPr>
-          <p:cNvPr id="24" name="그룹 23"/>
-          <p:cNvGrpSpPr/>
-          <p:nvPr/>
-        </p:nvGrpSpPr>
-        <p:grpSpPr>
-          <a:xfrm rot="2886699">
-            <a:off x="5472036" y="2542852"/>
-            <a:ext cx="465295" cy="429840"/>
-            <a:chOff x="5764817" y="2081712"/>
-            <a:chExt cx="465295" cy="429840"/>
-          </a:xfrm>
-        </p:grpSpPr>
-        <p:sp>
-          <p:nvSpPr>
-            <p:cNvPr id="25" name="타원 24"/>
-            <p:cNvSpPr/>
-            <p:nvPr/>
-          </p:nvSpPr>
-          <p:spPr>
-            <a:xfrm>
-              <a:off x="5764817" y="2081712"/>
-              <a:ext cx="254984" cy="254984"/>
-            </a:xfrm>
-            <a:prstGeom prst="ellipse">
-              <a:avLst/>
-            </a:prstGeom>
-            <a:noFill/>
-            <a:ln w="38100">
-              <a:solidFill>
-                <a:schemeClr val="accent1"/>
-              </a:solidFill>
-            </a:ln>
-          </p:spPr>
-          <p:style>
-            <a:lnRef idx="2">
-              <a:schemeClr val="accent1">
-                <a:shade val="50000"/>
-              </a:schemeClr>
-            </a:lnRef>
-            <a:fillRef idx="1">
-              <a:schemeClr val="accent1"/>
-            </a:fillRef>
-            <a:effectRef idx="0">
-              <a:schemeClr val="accent1"/>
-            </a:effectRef>
-            <a:fontRef idx="minor">
-              <a:schemeClr val="lt1"/>
-            </a:fontRef>
-          </p:style>
-          <p:txBody>
-            <a:bodyPr rtlCol="0" anchor="ctr"/>
-            <a:lstStyle/>
-            <a:p>
-              <a:pPr algn="ctr"/>
-              <a:endParaRPr lang="ko-KR" altLang="en-US"/>
-            </a:p>
-          </p:txBody>
-        </p:sp>
-        <p:cxnSp>
-          <p:nvCxnSpPr>
-            <p:cNvPr id="26" name="직선 연결선 25"/>
-            <p:cNvCxnSpPr>
-              <a:endCxn id="25" idx="5"/>
-            </p:cNvCxnSpPr>
-            <p:nvPr/>
-          </p:nvCxnSpPr>
-          <p:spPr>
-            <a:xfrm flipH="1" flipV="1">
-              <a:off x="5982459" y="2299354"/>
-              <a:ext cx="247653" cy="212198"/>
-            </a:xfrm>
-            <a:prstGeom prst="line">
-              <a:avLst/>
-            </a:prstGeom>
-            <a:ln w="38100">
-              <a:headEnd type="stealth" w="lg" len="lg"/>
-            </a:ln>
-          </p:spPr>
-          <p:style>
-            <a:lnRef idx="1">
-              <a:schemeClr val="accent1"/>
-            </a:lnRef>
-            <a:fillRef idx="0">
-              <a:schemeClr val="accent1"/>
-            </a:fillRef>
-            <a:effectRef idx="0">
-              <a:schemeClr val="accent1"/>
-            </a:effectRef>
-            <a:fontRef idx="minor">
-              <a:schemeClr val="tx1"/>
-            </a:fontRef>
-          </p:style>
-        </p:cxnSp>
-      </p:grpSp>
-      <p:sp>
-        <p:nvSpPr>
-          <p:cNvPr id="27" name="TextBox 26"/>
-          <p:cNvSpPr txBox="1"/>
-          <p:nvPr/>
-        </p:nvSpPr>
-        <p:spPr>
-          <a:xfrm rot="16200000">
-            <a:off x="4780003" y="2532974"/>
-            <a:ext cx="1221809" cy="430887"/>
-          </a:xfrm>
-          <a:prstGeom prst="rect">
-            <a:avLst/>
-          </a:prstGeom>
-          <a:noFill/>
-        </p:spPr>
-        <p:txBody>
-          <a:bodyPr wrap="none" rtlCol="0">
-            <a:spAutoFit/>
-          </a:bodyPr>
-          <a:lstStyle/>
-          <a:p>
-            <a:pPr algn="ctr"/>
-            <a:r>
-              <a:rPr lang="ko-KR" altLang="en-US" sz="1100" dirty="0"/>
-              <a:t>삭제할 강의평가</a:t>
-            </a:r>
-            <a:endParaRPr lang="en-US" altLang="ko-KR" sz="1100" dirty="0"/>
-          </a:p>
-          <a:p>
-            <a:pPr algn="ctr"/>
-            <a:r>
-              <a:rPr lang="ko-KR" altLang="en-US" sz="1100" dirty="0"/>
-              <a:t>질문 정보</a:t>
-            </a:r>
-            <a:endParaRPr lang="ko-KR" altLang="en-US" sz="1600" dirty="0"/>
-          </a:p>
-        </p:txBody>
-      </p:sp>
-      <p:grpSp>
-        <p:nvGrpSpPr>
-          <p:cNvPr id="28" name="그룹 27"/>
-          <p:cNvGrpSpPr/>
-          <p:nvPr/>
-        </p:nvGrpSpPr>
-        <p:grpSpPr>
-          <a:xfrm rot="13652400">
-            <a:off x="5901103" y="2586231"/>
-            <a:ext cx="465295" cy="429840"/>
-            <a:chOff x="5764817" y="2081712"/>
-            <a:chExt cx="465295" cy="429840"/>
-          </a:xfrm>
-        </p:grpSpPr>
-        <p:sp>
-          <p:nvSpPr>
-            <p:cNvPr id="29" name="타원 28"/>
-            <p:cNvSpPr/>
-            <p:nvPr/>
-          </p:nvSpPr>
-          <p:spPr>
-            <a:xfrm>
-              <a:off x="5764817" y="2081712"/>
-              <a:ext cx="254984" cy="254984"/>
-            </a:xfrm>
-            <a:prstGeom prst="ellipse">
-              <a:avLst/>
-            </a:prstGeom>
-            <a:solidFill>
-              <a:schemeClr val="accent1"/>
-            </a:solidFill>
-            <a:ln w="38100">
-              <a:solidFill>
-                <a:schemeClr val="accent1"/>
-              </a:solidFill>
-            </a:ln>
-          </p:spPr>
-          <p:style>
-            <a:lnRef idx="2">
-              <a:schemeClr val="accent1">
-                <a:shade val="50000"/>
-              </a:schemeClr>
-            </a:lnRef>
-            <a:fillRef idx="1">
-              <a:schemeClr val="accent1"/>
-            </a:fillRef>
-            <a:effectRef idx="0">
-              <a:schemeClr val="accent1"/>
-            </a:effectRef>
-            <a:fontRef idx="minor">
-              <a:schemeClr val="lt1"/>
-            </a:fontRef>
-          </p:style>
-          <p:txBody>
-            <a:bodyPr rtlCol="0" anchor="ctr"/>
-            <a:lstStyle/>
-            <a:p>
-              <a:pPr algn="ctr"/>
-              <a:endParaRPr lang="ko-KR" altLang="en-US"/>
-            </a:p>
-          </p:txBody>
-        </p:sp>
-        <p:cxnSp>
-          <p:nvCxnSpPr>
-            <p:cNvPr id="30" name="직선 연결선 29"/>
-            <p:cNvCxnSpPr>
-              <a:endCxn id="29" idx="5"/>
-            </p:cNvCxnSpPr>
-            <p:nvPr/>
-          </p:nvCxnSpPr>
-          <p:spPr>
-            <a:xfrm flipH="1" flipV="1">
-              <a:off x="5982459" y="2299354"/>
-              <a:ext cx="247653" cy="212198"/>
-            </a:xfrm>
-            <a:prstGeom prst="line">
-              <a:avLst/>
-            </a:prstGeom>
-            <a:ln w="38100">
-              <a:headEnd type="stealth" w="lg" len="lg"/>
-            </a:ln>
-          </p:spPr>
-          <p:style>
-            <a:lnRef idx="1">
-              <a:schemeClr val="accent1"/>
-            </a:lnRef>
-            <a:fillRef idx="0">
-              <a:schemeClr val="accent1"/>
-            </a:fillRef>
-            <a:effectRef idx="0">
-              <a:schemeClr val="accent1"/>
-            </a:effectRef>
-            <a:fontRef idx="minor">
-              <a:schemeClr val="tx1"/>
-            </a:fontRef>
-          </p:style>
-        </p:cxnSp>
-      </p:grpSp>
-      <p:sp>
-        <p:nvSpPr>
-          <p:cNvPr id="31" name="TextBox 30"/>
-          <p:cNvSpPr txBox="1"/>
-          <p:nvPr/>
-        </p:nvSpPr>
-        <p:spPr>
-          <a:xfrm rot="5400000">
-            <a:off x="5890618" y="2662576"/>
-            <a:ext cx="1180130" cy="430887"/>
-          </a:xfrm>
-          <a:prstGeom prst="rect">
-            <a:avLst/>
-          </a:prstGeom>
-          <a:noFill/>
-        </p:spPr>
-        <p:txBody>
-          <a:bodyPr wrap="none" rtlCol="0">
-            <a:spAutoFit/>
-          </a:bodyPr>
-          <a:lstStyle/>
-          <a:p>
-            <a:pPr algn="ctr"/>
-            <a:r>
-              <a:rPr lang="ko-KR" altLang="en-US" sz="1100" dirty="0"/>
-              <a:t>강의 평가 질문 </a:t>
-            </a:r>
-            <a:endParaRPr lang="en-US" altLang="ko-KR" sz="1100" dirty="0" smtClean="0"/>
-          </a:p>
-          <a:p>
-            <a:pPr algn="ctr"/>
-            <a:r>
-              <a:rPr lang="ko-KR" altLang="en-US" sz="1100" dirty="0" smtClean="0"/>
-              <a:t>삭제 </a:t>
-            </a:r>
-            <a:r>
-              <a:rPr lang="ko-KR" altLang="en-US" sz="1100" dirty="0"/>
-              <a:t>성공 여부</a:t>
-            </a:r>
-            <a:endParaRPr lang="ko-KR" altLang="en-US" sz="1600" dirty="0"/>
-          </a:p>
-        </p:txBody>
-      </p:sp>
-      <p:grpSp>
-        <p:nvGrpSpPr>
-          <p:cNvPr id="32" name="그룹 31"/>
-          <p:cNvGrpSpPr/>
-          <p:nvPr/>
-        </p:nvGrpSpPr>
-        <p:grpSpPr>
-          <a:xfrm rot="21288677">
-            <a:off x="7690178" y="2360384"/>
-            <a:ext cx="465295" cy="429840"/>
-            <a:chOff x="5764817" y="2081712"/>
-            <a:chExt cx="465295" cy="429840"/>
-          </a:xfrm>
-        </p:grpSpPr>
-        <p:sp>
-          <p:nvSpPr>
-            <p:cNvPr id="33" name="타원 32"/>
-            <p:cNvSpPr/>
-            <p:nvPr/>
-          </p:nvSpPr>
-          <p:spPr>
-            <a:xfrm>
-              <a:off x="5764817" y="2081712"/>
-              <a:ext cx="254984" cy="254984"/>
-            </a:xfrm>
-            <a:prstGeom prst="ellipse">
-              <a:avLst/>
-            </a:prstGeom>
-            <a:noFill/>
-            <a:ln w="38100">
-              <a:solidFill>
-                <a:schemeClr val="accent1"/>
-              </a:solidFill>
-            </a:ln>
-          </p:spPr>
-          <p:style>
-            <a:lnRef idx="2">
-              <a:schemeClr val="accent1">
-                <a:shade val="50000"/>
-              </a:schemeClr>
-            </a:lnRef>
-            <a:fillRef idx="1">
-              <a:schemeClr val="accent1"/>
-            </a:fillRef>
-            <a:effectRef idx="0">
-              <a:schemeClr val="accent1"/>
-            </a:effectRef>
-            <a:fontRef idx="minor">
-              <a:schemeClr val="lt1"/>
-            </a:fontRef>
-          </p:style>
-          <p:txBody>
-            <a:bodyPr rtlCol="0" anchor="ctr"/>
-            <a:lstStyle/>
-            <a:p>
-              <a:pPr algn="ctr"/>
-              <a:endParaRPr lang="ko-KR" altLang="en-US"/>
-            </a:p>
-          </p:txBody>
-        </p:sp>
-        <p:cxnSp>
-          <p:nvCxnSpPr>
-            <p:cNvPr id="34" name="직선 연결선 33"/>
-            <p:cNvCxnSpPr>
-              <a:endCxn id="33" idx="5"/>
-            </p:cNvCxnSpPr>
-            <p:nvPr/>
-          </p:nvCxnSpPr>
-          <p:spPr>
-            <a:xfrm flipH="1" flipV="1">
-              <a:off x="5982459" y="2299354"/>
-              <a:ext cx="247653" cy="212198"/>
-            </a:xfrm>
-            <a:prstGeom prst="line">
-              <a:avLst/>
-            </a:prstGeom>
-            <a:ln w="38100">
-              <a:headEnd type="stealth" w="lg" len="lg"/>
-            </a:ln>
-          </p:spPr>
-          <p:style>
-            <a:lnRef idx="1">
-              <a:schemeClr val="accent1"/>
-            </a:lnRef>
-            <a:fillRef idx="0">
-              <a:schemeClr val="accent1"/>
-            </a:fillRef>
-            <a:effectRef idx="0">
-              <a:schemeClr val="accent1"/>
-            </a:effectRef>
-            <a:fontRef idx="minor">
-              <a:schemeClr val="tx1"/>
-            </a:fontRef>
-          </p:style>
-        </p:cxnSp>
-      </p:grpSp>
-      <p:sp>
-        <p:nvSpPr>
-          <p:cNvPr id="35" name="TextBox 34"/>
-          <p:cNvSpPr txBox="1"/>
-          <p:nvPr/>
-        </p:nvSpPr>
-        <p:spPr>
-          <a:xfrm rot="2079433">
-            <a:off x="7722097" y="2284085"/>
-            <a:ext cx="798617" cy="261610"/>
-          </a:xfrm>
-          <a:prstGeom prst="rect">
-            <a:avLst/>
-          </a:prstGeom>
-          <a:noFill/>
-        </p:spPr>
-        <p:txBody>
-          <a:bodyPr wrap="none" rtlCol="0">
-            <a:spAutoFit/>
-          </a:bodyPr>
-          <a:lstStyle/>
-          <a:p>
-            <a:r>
-              <a:rPr lang="ko-KR" altLang="en-US" sz="1100" dirty="0"/>
-              <a:t>삭제 결과</a:t>
-            </a:r>
-            <a:endParaRPr lang="ko-KR" altLang="en-US" sz="1600" dirty="0"/>
-          </a:p>
-        </p:txBody>
-      </p:sp>
     </p:spTree>
     <p:extLst>
       <p:ext uri="{BB962C8B-B14F-4D97-AF65-F5344CB8AC3E}">
@@ -3877,6 +3330,13 @@
   <p:clrMapOvr>
     <a:masterClrMapping/>
   </p:clrMapOvr>
+  <p:timing>
+    <p:tnLst>
+      <p:par>
+        <p:cTn id="1" dur="indefinite" restart="never" nodeType="tmRoot"/>
+      </p:par>
+    </p:tnLst>
+  </p:timing>
 </p:sld>
 </file>
 

--- a/SDD 관련 자료/작업 결과물/프로그램 구조도(트랜스폼, 트랜젝션)/강의평가 질문 삭제.pptx
+++ b/SDD 관련 자료/작업 결과물/프로그램 구조도(트랜스폼, 트랜젝션)/강의평가 질문 삭제.pptx
@@ -5,7 +5,7 @@
     <p:sldMasterId id="2147483648" r:id="rId1"/>
   </p:sldMasterIdLst>
   <p:sldIdLst>
-    <p:sldId id="257" r:id="rId2"/>
+    <p:sldId id="258" r:id="rId2"/>
   </p:sldIdLst>
   <p:sldSz cx="12192000" cy="6858000"/>
   <p:notesSz cx="6858000" cy="9144000"/>
@@ -154,10 +154,9 @@
           </a:lstStyle>
           <a:p>
             <a:r>
-              <a:rPr lang="ko-KR" altLang="en-US" smtClean="0"/>
+              <a:rPr lang="ko-KR" altLang="en-US"/>
               <a:t>마스터 제목 스타일 편집</a:t>
             </a:r>
-            <a:endParaRPr lang="ko-KR" altLang="en-US"/>
           </a:p>
         </p:txBody>
       </p:sp>
@@ -219,10 +218,9 @@
           </a:lstStyle>
           <a:p>
             <a:r>
-              <a:rPr lang="ko-KR" altLang="en-US" smtClean="0"/>
+              <a:rPr lang="ko-KR" altLang="en-US"/>
               <a:t>클릭하여 마스터 부제목 스타일 편집</a:t>
             </a:r>
-            <a:endParaRPr lang="ko-KR" altLang="en-US"/>
           </a:p>
         </p:txBody>
       </p:sp>
@@ -241,7 +239,7 @@
           <a:bodyPr/>
           <a:lstStyle/>
           <a:p>
-            <a:fld id="{30205149-083B-4E52-BE45-474D1FA26F91}" type="datetimeFigureOut">
+            <a:fld id="{AB5AEB98-3777-4085-A3C9-73A6E37CAD33}" type="datetimeFigureOut">
               <a:rPr lang="ko-KR" altLang="en-US" smtClean="0"/>
               <a:t>2016-05-30</a:t>
             </a:fld>
@@ -283,7 +281,7 @@
           <a:bodyPr/>
           <a:lstStyle/>
           <a:p>
-            <a:fld id="{4F3BC03C-EDC1-4EB0-B91E-0EEC7BB4EC00}" type="slidenum">
+            <a:fld id="{4F253A2A-0D46-4CB3-8421-06F7E137B474}" type="slidenum">
               <a:rPr lang="ko-KR" altLang="en-US" smtClean="0"/>
               <a:t>‹#›</a:t>
             </a:fld>
@@ -294,7 +292,7 @@
     </p:spTree>
     <p:extLst>
       <p:ext uri="{BB962C8B-B14F-4D97-AF65-F5344CB8AC3E}">
-        <p14:creationId xmlns:p14="http://schemas.microsoft.com/office/powerpoint/2010/main" val="2890621274"/>
+        <p14:creationId xmlns:p14="http://schemas.microsoft.com/office/powerpoint/2010/main" val="1302020547"/>
       </p:ext>
     </p:extLst>
   </p:cSld>
@@ -337,10 +335,9 @@
           <a:lstStyle/>
           <a:p>
             <a:r>
-              <a:rPr lang="ko-KR" altLang="en-US" smtClean="0"/>
+              <a:rPr lang="ko-KR" altLang="en-US"/>
               <a:t>마스터 제목 스타일 편집</a:t>
             </a:r>
-            <a:endParaRPr lang="ko-KR" altLang="en-US"/>
           </a:p>
         </p:txBody>
       </p:sp>
@@ -361,38 +358,37 @@
           <a:p>
             <a:pPr lvl="0"/>
             <a:r>
-              <a:rPr lang="ko-KR" altLang="en-US" smtClean="0"/>
+              <a:rPr lang="ko-KR" altLang="en-US"/>
               <a:t>마스터 텍스트 스타일 편집</a:t>
             </a:r>
           </a:p>
           <a:p>
             <a:pPr lvl="1"/>
             <a:r>
-              <a:rPr lang="ko-KR" altLang="en-US" smtClean="0"/>
+              <a:rPr lang="ko-KR" altLang="en-US"/>
               <a:t>둘째 수준</a:t>
             </a:r>
           </a:p>
           <a:p>
             <a:pPr lvl="2"/>
             <a:r>
-              <a:rPr lang="ko-KR" altLang="en-US" smtClean="0"/>
+              <a:rPr lang="ko-KR" altLang="en-US"/>
               <a:t>셋째 수준</a:t>
             </a:r>
           </a:p>
           <a:p>
             <a:pPr lvl="3"/>
             <a:r>
-              <a:rPr lang="ko-KR" altLang="en-US" smtClean="0"/>
+              <a:rPr lang="ko-KR" altLang="en-US"/>
               <a:t>넷째 수준</a:t>
             </a:r>
           </a:p>
           <a:p>
             <a:pPr lvl="4"/>
             <a:r>
-              <a:rPr lang="ko-KR" altLang="en-US" smtClean="0"/>
+              <a:rPr lang="ko-KR" altLang="en-US"/>
               <a:t>다섯째 수준</a:t>
             </a:r>
-            <a:endParaRPr lang="ko-KR" altLang="en-US"/>
           </a:p>
         </p:txBody>
       </p:sp>
@@ -411,7 +407,7 @@
           <a:bodyPr/>
           <a:lstStyle/>
           <a:p>
-            <a:fld id="{30205149-083B-4E52-BE45-474D1FA26F91}" type="datetimeFigureOut">
+            <a:fld id="{AB5AEB98-3777-4085-A3C9-73A6E37CAD33}" type="datetimeFigureOut">
               <a:rPr lang="ko-KR" altLang="en-US" smtClean="0"/>
               <a:t>2016-05-30</a:t>
             </a:fld>
@@ -453,7 +449,7 @@
           <a:bodyPr/>
           <a:lstStyle/>
           <a:p>
-            <a:fld id="{4F3BC03C-EDC1-4EB0-B91E-0EEC7BB4EC00}" type="slidenum">
+            <a:fld id="{4F253A2A-0D46-4CB3-8421-06F7E137B474}" type="slidenum">
               <a:rPr lang="ko-KR" altLang="en-US" smtClean="0"/>
               <a:t>‹#›</a:t>
             </a:fld>
@@ -464,7 +460,7 @@
     </p:spTree>
     <p:extLst>
       <p:ext uri="{BB962C8B-B14F-4D97-AF65-F5344CB8AC3E}">
-        <p14:creationId xmlns:p14="http://schemas.microsoft.com/office/powerpoint/2010/main" val="3195455118"/>
+        <p14:creationId xmlns:p14="http://schemas.microsoft.com/office/powerpoint/2010/main" val="1393954493"/>
       </p:ext>
     </p:extLst>
   </p:cSld>
@@ -512,10 +508,9 @@
           <a:lstStyle/>
           <a:p>
             <a:r>
-              <a:rPr lang="ko-KR" altLang="en-US" smtClean="0"/>
+              <a:rPr lang="ko-KR" altLang="en-US"/>
               <a:t>마스터 제목 스타일 편집</a:t>
             </a:r>
-            <a:endParaRPr lang="ko-KR" altLang="en-US"/>
           </a:p>
         </p:txBody>
       </p:sp>
@@ -541,38 +536,37 @@
           <a:p>
             <a:pPr lvl="0"/>
             <a:r>
-              <a:rPr lang="ko-KR" altLang="en-US" smtClean="0"/>
+              <a:rPr lang="ko-KR" altLang="en-US"/>
               <a:t>마스터 텍스트 스타일 편집</a:t>
             </a:r>
           </a:p>
           <a:p>
             <a:pPr lvl="1"/>
             <a:r>
-              <a:rPr lang="ko-KR" altLang="en-US" smtClean="0"/>
+              <a:rPr lang="ko-KR" altLang="en-US"/>
               <a:t>둘째 수준</a:t>
             </a:r>
           </a:p>
           <a:p>
             <a:pPr lvl="2"/>
             <a:r>
-              <a:rPr lang="ko-KR" altLang="en-US" smtClean="0"/>
+              <a:rPr lang="ko-KR" altLang="en-US"/>
               <a:t>셋째 수준</a:t>
             </a:r>
           </a:p>
           <a:p>
             <a:pPr lvl="3"/>
             <a:r>
-              <a:rPr lang="ko-KR" altLang="en-US" smtClean="0"/>
+              <a:rPr lang="ko-KR" altLang="en-US"/>
               <a:t>넷째 수준</a:t>
             </a:r>
           </a:p>
           <a:p>
             <a:pPr lvl="4"/>
             <a:r>
-              <a:rPr lang="ko-KR" altLang="en-US" smtClean="0"/>
+              <a:rPr lang="ko-KR" altLang="en-US"/>
               <a:t>다섯째 수준</a:t>
             </a:r>
-            <a:endParaRPr lang="ko-KR" altLang="en-US"/>
           </a:p>
         </p:txBody>
       </p:sp>
@@ -591,7 +585,7 @@
           <a:bodyPr/>
           <a:lstStyle/>
           <a:p>
-            <a:fld id="{30205149-083B-4E52-BE45-474D1FA26F91}" type="datetimeFigureOut">
+            <a:fld id="{AB5AEB98-3777-4085-A3C9-73A6E37CAD33}" type="datetimeFigureOut">
               <a:rPr lang="ko-KR" altLang="en-US" smtClean="0"/>
               <a:t>2016-05-30</a:t>
             </a:fld>
@@ -633,7 +627,7 @@
           <a:bodyPr/>
           <a:lstStyle/>
           <a:p>
-            <a:fld id="{4F3BC03C-EDC1-4EB0-B91E-0EEC7BB4EC00}" type="slidenum">
+            <a:fld id="{4F253A2A-0D46-4CB3-8421-06F7E137B474}" type="slidenum">
               <a:rPr lang="ko-KR" altLang="en-US" smtClean="0"/>
               <a:t>‹#›</a:t>
             </a:fld>
@@ -644,7 +638,7 @@
     </p:spTree>
     <p:extLst>
       <p:ext uri="{BB962C8B-B14F-4D97-AF65-F5344CB8AC3E}">
-        <p14:creationId xmlns:p14="http://schemas.microsoft.com/office/powerpoint/2010/main" val="4002175761"/>
+        <p14:creationId xmlns:p14="http://schemas.microsoft.com/office/powerpoint/2010/main" val="3796796605"/>
       </p:ext>
     </p:extLst>
   </p:cSld>
@@ -687,10 +681,9 @@
           <a:lstStyle/>
           <a:p>
             <a:r>
-              <a:rPr lang="ko-KR" altLang="en-US" smtClean="0"/>
+              <a:rPr lang="ko-KR" altLang="en-US"/>
               <a:t>마스터 제목 스타일 편집</a:t>
             </a:r>
-            <a:endParaRPr lang="ko-KR" altLang="en-US"/>
           </a:p>
         </p:txBody>
       </p:sp>
@@ -711,38 +704,37 @@
           <a:p>
             <a:pPr lvl="0"/>
             <a:r>
-              <a:rPr lang="ko-KR" altLang="en-US" smtClean="0"/>
+              <a:rPr lang="ko-KR" altLang="en-US"/>
               <a:t>마스터 텍스트 스타일 편집</a:t>
             </a:r>
           </a:p>
           <a:p>
             <a:pPr lvl="1"/>
             <a:r>
-              <a:rPr lang="ko-KR" altLang="en-US" smtClean="0"/>
+              <a:rPr lang="ko-KR" altLang="en-US"/>
               <a:t>둘째 수준</a:t>
             </a:r>
           </a:p>
           <a:p>
             <a:pPr lvl="2"/>
             <a:r>
-              <a:rPr lang="ko-KR" altLang="en-US" smtClean="0"/>
+              <a:rPr lang="ko-KR" altLang="en-US"/>
               <a:t>셋째 수준</a:t>
             </a:r>
           </a:p>
           <a:p>
             <a:pPr lvl="3"/>
             <a:r>
-              <a:rPr lang="ko-KR" altLang="en-US" smtClean="0"/>
+              <a:rPr lang="ko-KR" altLang="en-US"/>
               <a:t>넷째 수준</a:t>
             </a:r>
           </a:p>
           <a:p>
             <a:pPr lvl="4"/>
             <a:r>
-              <a:rPr lang="ko-KR" altLang="en-US" smtClean="0"/>
+              <a:rPr lang="ko-KR" altLang="en-US"/>
               <a:t>다섯째 수준</a:t>
             </a:r>
-            <a:endParaRPr lang="ko-KR" altLang="en-US"/>
           </a:p>
         </p:txBody>
       </p:sp>
@@ -761,7 +753,7 @@
           <a:bodyPr/>
           <a:lstStyle/>
           <a:p>
-            <a:fld id="{30205149-083B-4E52-BE45-474D1FA26F91}" type="datetimeFigureOut">
+            <a:fld id="{AB5AEB98-3777-4085-A3C9-73A6E37CAD33}" type="datetimeFigureOut">
               <a:rPr lang="ko-KR" altLang="en-US" smtClean="0"/>
               <a:t>2016-05-30</a:t>
             </a:fld>
@@ -803,7 +795,7 @@
           <a:bodyPr/>
           <a:lstStyle/>
           <a:p>
-            <a:fld id="{4F3BC03C-EDC1-4EB0-B91E-0EEC7BB4EC00}" type="slidenum">
+            <a:fld id="{4F253A2A-0D46-4CB3-8421-06F7E137B474}" type="slidenum">
               <a:rPr lang="ko-KR" altLang="en-US" smtClean="0"/>
               <a:t>‹#›</a:t>
             </a:fld>
@@ -814,7 +806,7 @@
     </p:spTree>
     <p:extLst>
       <p:ext uri="{BB962C8B-B14F-4D97-AF65-F5344CB8AC3E}">
-        <p14:creationId xmlns:p14="http://schemas.microsoft.com/office/powerpoint/2010/main" val="4108581278"/>
+        <p14:creationId xmlns:p14="http://schemas.microsoft.com/office/powerpoint/2010/main" val="3194792398"/>
       </p:ext>
     </p:extLst>
   </p:cSld>
@@ -866,10 +858,9 @@
           </a:lstStyle>
           <a:p>
             <a:r>
-              <a:rPr lang="ko-KR" altLang="en-US" smtClean="0"/>
+              <a:rPr lang="ko-KR" altLang="en-US"/>
               <a:t>마스터 제목 스타일 편집</a:t>
             </a:r>
-            <a:endParaRPr lang="ko-KR" altLang="en-US"/>
           </a:p>
         </p:txBody>
       </p:sp>
@@ -986,7 +977,7 @@
           <a:p>
             <a:pPr lvl="0"/>
             <a:r>
-              <a:rPr lang="ko-KR" altLang="en-US" smtClean="0"/>
+              <a:rPr lang="ko-KR" altLang="en-US"/>
               <a:t>마스터 텍스트 스타일 편집</a:t>
             </a:r>
           </a:p>
@@ -1007,7 +998,7 @@
           <a:bodyPr/>
           <a:lstStyle/>
           <a:p>
-            <a:fld id="{30205149-083B-4E52-BE45-474D1FA26F91}" type="datetimeFigureOut">
+            <a:fld id="{AB5AEB98-3777-4085-A3C9-73A6E37CAD33}" type="datetimeFigureOut">
               <a:rPr lang="ko-KR" altLang="en-US" smtClean="0"/>
               <a:t>2016-05-30</a:t>
             </a:fld>
@@ -1049,7 +1040,7 @@
           <a:bodyPr/>
           <a:lstStyle/>
           <a:p>
-            <a:fld id="{4F3BC03C-EDC1-4EB0-B91E-0EEC7BB4EC00}" type="slidenum">
+            <a:fld id="{4F253A2A-0D46-4CB3-8421-06F7E137B474}" type="slidenum">
               <a:rPr lang="ko-KR" altLang="en-US" smtClean="0"/>
               <a:t>‹#›</a:t>
             </a:fld>
@@ -1060,7 +1051,7 @@
     </p:spTree>
     <p:extLst>
       <p:ext uri="{BB962C8B-B14F-4D97-AF65-F5344CB8AC3E}">
-        <p14:creationId xmlns:p14="http://schemas.microsoft.com/office/powerpoint/2010/main" val="3230380503"/>
+        <p14:creationId xmlns:p14="http://schemas.microsoft.com/office/powerpoint/2010/main" val="2298329613"/>
       </p:ext>
     </p:extLst>
   </p:cSld>
@@ -1103,10 +1094,9 @@
           <a:lstStyle/>
           <a:p>
             <a:r>
-              <a:rPr lang="ko-KR" altLang="en-US" smtClean="0"/>
+              <a:rPr lang="ko-KR" altLang="en-US"/>
               <a:t>마스터 제목 스타일 편집</a:t>
             </a:r>
-            <a:endParaRPr lang="ko-KR" altLang="en-US"/>
           </a:p>
         </p:txBody>
       </p:sp>
@@ -1132,38 +1122,37 @@
           <a:p>
             <a:pPr lvl="0"/>
             <a:r>
-              <a:rPr lang="ko-KR" altLang="en-US" smtClean="0"/>
+              <a:rPr lang="ko-KR" altLang="en-US"/>
               <a:t>마스터 텍스트 스타일 편집</a:t>
             </a:r>
           </a:p>
           <a:p>
             <a:pPr lvl="1"/>
             <a:r>
-              <a:rPr lang="ko-KR" altLang="en-US" smtClean="0"/>
+              <a:rPr lang="ko-KR" altLang="en-US"/>
               <a:t>둘째 수준</a:t>
             </a:r>
           </a:p>
           <a:p>
             <a:pPr lvl="2"/>
             <a:r>
-              <a:rPr lang="ko-KR" altLang="en-US" smtClean="0"/>
+              <a:rPr lang="ko-KR" altLang="en-US"/>
               <a:t>셋째 수준</a:t>
             </a:r>
           </a:p>
           <a:p>
             <a:pPr lvl="3"/>
             <a:r>
-              <a:rPr lang="ko-KR" altLang="en-US" smtClean="0"/>
+              <a:rPr lang="ko-KR" altLang="en-US"/>
               <a:t>넷째 수준</a:t>
             </a:r>
           </a:p>
           <a:p>
             <a:pPr lvl="4"/>
             <a:r>
-              <a:rPr lang="ko-KR" altLang="en-US" smtClean="0"/>
+              <a:rPr lang="ko-KR" altLang="en-US"/>
               <a:t>다섯째 수준</a:t>
             </a:r>
-            <a:endParaRPr lang="ko-KR" altLang="en-US"/>
           </a:p>
         </p:txBody>
       </p:sp>
@@ -1189,38 +1178,37 @@
           <a:p>
             <a:pPr lvl="0"/>
             <a:r>
-              <a:rPr lang="ko-KR" altLang="en-US" smtClean="0"/>
+              <a:rPr lang="ko-KR" altLang="en-US"/>
               <a:t>마스터 텍스트 스타일 편집</a:t>
             </a:r>
           </a:p>
           <a:p>
             <a:pPr lvl="1"/>
             <a:r>
-              <a:rPr lang="ko-KR" altLang="en-US" smtClean="0"/>
+              <a:rPr lang="ko-KR" altLang="en-US"/>
               <a:t>둘째 수준</a:t>
             </a:r>
           </a:p>
           <a:p>
             <a:pPr lvl="2"/>
             <a:r>
-              <a:rPr lang="ko-KR" altLang="en-US" smtClean="0"/>
+              <a:rPr lang="ko-KR" altLang="en-US"/>
               <a:t>셋째 수준</a:t>
             </a:r>
           </a:p>
           <a:p>
             <a:pPr lvl="3"/>
             <a:r>
-              <a:rPr lang="ko-KR" altLang="en-US" smtClean="0"/>
+              <a:rPr lang="ko-KR" altLang="en-US"/>
               <a:t>넷째 수준</a:t>
             </a:r>
           </a:p>
           <a:p>
             <a:pPr lvl="4"/>
             <a:r>
-              <a:rPr lang="ko-KR" altLang="en-US" smtClean="0"/>
+              <a:rPr lang="ko-KR" altLang="en-US"/>
               <a:t>다섯째 수준</a:t>
             </a:r>
-            <a:endParaRPr lang="ko-KR" altLang="en-US"/>
           </a:p>
         </p:txBody>
       </p:sp>
@@ -1239,7 +1227,7 @@
           <a:bodyPr/>
           <a:lstStyle/>
           <a:p>
-            <a:fld id="{30205149-083B-4E52-BE45-474D1FA26F91}" type="datetimeFigureOut">
+            <a:fld id="{AB5AEB98-3777-4085-A3C9-73A6E37CAD33}" type="datetimeFigureOut">
               <a:rPr lang="ko-KR" altLang="en-US" smtClean="0"/>
               <a:t>2016-05-30</a:t>
             </a:fld>
@@ -1281,7 +1269,7 @@
           <a:bodyPr/>
           <a:lstStyle/>
           <a:p>
-            <a:fld id="{4F3BC03C-EDC1-4EB0-B91E-0EEC7BB4EC00}" type="slidenum">
+            <a:fld id="{4F253A2A-0D46-4CB3-8421-06F7E137B474}" type="slidenum">
               <a:rPr lang="ko-KR" altLang="en-US" smtClean="0"/>
               <a:t>‹#›</a:t>
             </a:fld>
@@ -1292,7 +1280,7 @@
     </p:spTree>
     <p:extLst>
       <p:ext uri="{BB962C8B-B14F-4D97-AF65-F5344CB8AC3E}">
-        <p14:creationId xmlns:p14="http://schemas.microsoft.com/office/powerpoint/2010/main" val="2099394712"/>
+        <p14:creationId xmlns:p14="http://schemas.microsoft.com/office/powerpoint/2010/main" val="39743233"/>
       </p:ext>
     </p:extLst>
   </p:cSld>
@@ -1340,10 +1328,9 @@
           <a:lstStyle/>
           <a:p>
             <a:r>
-              <a:rPr lang="ko-KR" altLang="en-US" smtClean="0"/>
+              <a:rPr lang="ko-KR" altLang="en-US"/>
               <a:t>마스터 제목 스타일 편집</a:t>
             </a:r>
-            <a:endParaRPr lang="ko-KR" altLang="en-US"/>
           </a:p>
         </p:txBody>
       </p:sp>
@@ -1406,7 +1393,7 @@
           <a:p>
             <a:pPr lvl="0"/>
             <a:r>
-              <a:rPr lang="ko-KR" altLang="en-US" smtClean="0"/>
+              <a:rPr lang="ko-KR" altLang="en-US"/>
               <a:t>마스터 텍스트 스타일 편집</a:t>
             </a:r>
           </a:p>
@@ -1434,38 +1421,37 @@
           <a:p>
             <a:pPr lvl="0"/>
             <a:r>
-              <a:rPr lang="ko-KR" altLang="en-US" smtClean="0"/>
+              <a:rPr lang="ko-KR" altLang="en-US"/>
               <a:t>마스터 텍스트 스타일 편집</a:t>
             </a:r>
           </a:p>
           <a:p>
             <a:pPr lvl="1"/>
             <a:r>
-              <a:rPr lang="ko-KR" altLang="en-US" smtClean="0"/>
+              <a:rPr lang="ko-KR" altLang="en-US"/>
               <a:t>둘째 수준</a:t>
             </a:r>
           </a:p>
           <a:p>
             <a:pPr lvl="2"/>
             <a:r>
-              <a:rPr lang="ko-KR" altLang="en-US" smtClean="0"/>
+              <a:rPr lang="ko-KR" altLang="en-US"/>
               <a:t>셋째 수준</a:t>
             </a:r>
           </a:p>
           <a:p>
             <a:pPr lvl="3"/>
             <a:r>
-              <a:rPr lang="ko-KR" altLang="en-US" smtClean="0"/>
+              <a:rPr lang="ko-KR" altLang="en-US"/>
               <a:t>넷째 수준</a:t>
             </a:r>
           </a:p>
           <a:p>
             <a:pPr lvl="4"/>
             <a:r>
-              <a:rPr lang="ko-KR" altLang="en-US" smtClean="0"/>
+              <a:rPr lang="ko-KR" altLang="en-US"/>
               <a:t>다섯째 수준</a:t>
             </a:r>
-            <a:endParaRPr lang="ko-KR" altLang="en-US"/>
           </a:p>
         </p:txBody>
       </p:sp>
@@ -1528,7 +1514,7 @@
           <a:p>
             <a:pPr lvl="0"/>
             <a:r>
-              <a:rPr lang="ko-KR" altLang="en-US" smtClean="0"/>
+              <a:rPr lang="ko-KR" altLang="en-US"/>
               <a:t>마스터 텍스트 스타일 편집</a:t>
             </a:r>
           </a:p>
@@ -1556,38 +1542,37 @@
           <a:p>
             <a:pPr lvl="0"/>
             <a:r>
-              <a:rPr lang="ko-KR" altLang="en-US" smtClean="0"/>
+              <a:rPr lang="ko-KR" altLang="en-US"/>
               <a:t>마스터 텍스트 스타일 편집</a:t>
             </a:r>
           </a:p>
           <a:p>
             <a:pPr lvl="1"/>
             <a:r>
-              <a:rPr lang="ko-KR" altLang="en-US" smtClean="0"/>
+              <a:rPr lang="ko-KR" altLang="en-US"/>
               <a:t>둘째 수준</a:t>
             </a:r>
           </a:p>
           <a:p>
             <a:pPr lvl="2"/>
             <a:r>
-              <a:rPr lang="ko-KR" altLang="en-US" smtClean="0"/>
+              <a:rPr lang="ko-KR" altLang="en-US"/>
               <a:t>셋째 수준</a:t>
             </a:r>
           </a:p>
           <a:p>
             <a:pPr lvl="3"/>
             <a:r>
-              <a:rPr lang="ko-KR" altLang="en-US" smtClean="0"/>
+              <a:rPr lang="ko-KR" altLang="en-US"/>
               <a:t>넷째 수준</a:t>
             </a:r>
           </a:p>
           <a:p>
             <a:pPr lvl="4"/>
             <a:r>
-              <a:rPr lang="ko-KR" altLang="en-US" smtClean="0"/>
+              <a:rPr lang="ko-KR" altLang="en-US"/>
               <a:t>다섯째 수준</a:t>
             </a:r>
-            <a:endParaRPr lang="ko-KR" altLang="en-US"/>
           </a:p>
         </p:txBody>
       </p:sp>
@@ -1606,7 +1591,7 @@
           <a:bodyPr/>
           <a:lstStyle/>
           <a:p>
-            <a:fld id="{30205149-083B-4E52-BE45-474D1FA26F91}" type="datetimeFigureOut">
+            <a:fld id="{AB5AEB98-3777-4085-A3C9-73A6E37CAD33}" type="datetimeFigureOut">
               <a:rPr lang="ko-KR" altLang="en-US" smtClean="0"/>
               <a:t>2016-05-30</a:t>
             </a:fld>
@@ -1648,7 +1633,7 @@
           <a:bodyPr/>
           <a:lstStyle/>
           <a:p>
-            <a:fld id="{4F3BC03C-EDC1-4EB0-B91E-0EEC7BB4EC00}" type="slidenum">
+            <a:fld id="{4F253A2A-0D46-4CB3-8421-06F7E137B474}" type="slidenum">
               <a:rPr lang="ko-KR" altLang="en-US" smtClean="0"/>
               <a:t>‹#›</a:t>
             </a:fld>
@@ -1659,7 +1644,7 @@
     </p:spTree>
     <p:extLst>
       <p:ext uri="{BB962C8B-B14F-4D97-AF65-F5344CB8AC3E}">
-        <p14:creationId xmlns:p14="http://schemas.microsoft.com/office/powerpoint/2010/main" val="3427806016"/>
+        <p14:creationId xmlns:p14="http://schemas.microsoft.com/office/powerpoint/2010/main" val="523229682"/>
       </p:ext>
     </p:extLst>
   </p:cSld>
@@ -1702,10 +1687,9 @@
           <a:lstStyle/>
           <a:p>
             <a:r>
-              <a:rPr lang="ko-KR" altLang="en-US" smtClean="0"/>
+              <a:rPr lang="ko-KR" altLang="en-US"/>
               <a:t>마스터 제목 스타일 편집</a:t>
             </a:r>
-            <a:endParaRPr lang="ko-KR" altLang="en-US"/>
           </a:p>
         </p:txBody>
       </p:sp>
@@ -1724,7 +1708,7 @@
           <a:bodyPr/>
           <a:lstStyle/>
           <a:p>
-            <a:fld id="{30205149-083B-4E52-BE45-474D1FA26F91}" type="datetimeFigureOut">
+            <a:fld id="{AB5AEB98-3777-4085-A3C9-73A6E37CAD33}" type="datetimeFigureOut">
               <a:rPr lang="ko-KR" altLang="en-US" smtClean="0"/>
               <a:t>2016-05-30</a:t>
             </a:fld>
@@ -1766,7 +1750,7 @@
           <a:bodyPr/>
           <a:lstStyle/>
           <a:p>
-            <a:fld id="{4F3BC03C-EDC1-4EB0-B91E-0EEC7BB4EC00}" type="slidenum">
+            <a:fld id="{4F253A2A-0D46-4CB3-8421-06F7E137B474}" type="slidenum">
               <a:rPr lang="ko-KR" altLang="en-US" smtClean="0"/>
               <a:t>‹#›</a:t>
             </a:fld>
@@ -1777,7 +1761,7 @@
     </p:spTree>
     <p:extLst>
       <p:ext uri="{BB962C8B-B14F-4D97-AF65-F5344CB8AC3E}">
-        <p14:creationId xmlns:p14="http://schemas.microsoft.com/office/powerpoint/2010/main" val="3909853067"/>
+        <p14:creationId xmlns:p14="http://schemas.microsoft.com/office/powerpoint/2010/main" val="3171081874"/>
       </p:ext>
     </p:extLst>
   </p:cSld>
@@ -1819,7 +1803,7 @@
           <a:bodyPr/>
           <a:lstStyle/>
           <a:p>
-            <a:fld id="{30205149-083B-4E52-BE45-474D1FA26F91}" type="datetimeFigureOut">
+            <a:fld id="{AB5AEB98-3777-4085-A3C9-73A6E37CAD33}" type="datetimeFigureOut">
               <a:rPr lang="ko-KR" altLang="en-US" smtClean="0"/>
               <a:t>2016-05-30</a:t>
             </a:fld>
@@ -1861,7 +1845,7 @@
           <a:bodyPr/>
           <a:lstStyle/>
           <a:p>
-            <a:fld id="{4F3BC03C-EDC1-4EB0-B91E-0EEC7BB4EC00}" type="slidenum">
+            <a:fld id="{4F253A2A-0D46-4CB3-8421-06F7E137B474}" type="slidenum">
               <a:rPr lang="ko-KR" altLang="en-US" smtClean="0"/>
               <a:t>‹#›</a:t>
             </a:fld>
@@ -1872,7 +1856,7 @@
     </p:spTree>
     <p:extLst>
       <p:ext uri="{BB962C8B-B14F-4D97-AF65-F5344CB8AC3E}">
-        <p14:creationId xmlns:p14="http://schemas.microsoft.com/office/powerpoint/2010/main" val="4109677765"/>
+        <p14:creationId xmlns:p14="http://schemas.microsoft.com/office/powerpoint/2010/main" val="1768886815"/>
       </p:ext>
     </p:extLst>
   </p:cSld>
@@ -1924,10 +1908,9 @@
           </a:lstStyle>
           <a:p>
             <a:r>
-              <a:rPr lang="ko-KR" altLang="en-US" smtClean="0"/>
+              <a:rPr lang="ko-KR" altLang="en-US"/>
               <a:t>마스터 제목 스타일 편집</a:t>
             </a:r>
-            <a:endParaRPr lang="ko-KR" altLang="en-US"/>
           </a:p>
         </p:txBody>
       </p:sp>
@@ -1981,38 +1964,37 @@
           <a:p>
             <a:pPr lvl="0"/>
             <a:r>
-              <a:rPr lang="ko-KR" altLang="en-US" smtClean="0"/>
+              <a:rPr lang="ko-KR" altLang="en-US"/>
               <a:t>마스터 텍스트 스타일 편집</a:t>
             </a:r>
           </a:p>
           <a:p>
             <a:pPr lvl="1"/>
             <a:r>
-              <a:rPr lang="ko-KR" altLang="en-US" smtClean="0"/>
+              <a:rPr lang="ko-KR" altLang="en-US"/>
               <a:t>둘째 수준</a:t>
             </a:r>
           </a:p>
           <a:p>
             <a:pPr lvl="2"/>
             <a:r>
-              <a:rPr lang="ko-KR" altLang="en-US" smtClean="0"/>
+              <a:rPr lang="ko-KR" altLang="en-US"/>
               <a:t>셋째 수준</a:t>
             </a:r>
           </a:p>
           <a:p>
             <a:pPr lvl="3"/>
             <a:r>
-              <a:rPr lang="ko-KR" altLang="en-US" smtClean="0"/>
+              <a:rPr lang="ko-KR" altLang="en-US"/>
               <a:t>넷째 수준</a:t>
             </a:r>
           </a:p>
           <a:p>
             <a:pPr lvl="4"/>
             <a:r>
-              <a:rPr lang="ko-KR" altLang="en-US" smtClean="0"/>
+              <a:rPr lang="ko-KR" altLang="en-US"/>
               <a:t>다섯째 수준</a:t>
             </a:r>
-            <a:endParaRPr lang="ko-KR" altLang="en-US"/>
           </a:p>
         </p:txBody>
       </p:sp>
@@ -2075,7 +2057,7 @@
           <a:p>
             <a:pPr lvl="0"/>
             <a:r>
-              <a:rPr lang="ko-KR" altLang="en-US" smtClean="0"/>
+              <a:rPr lang="ko-KR" altLang="en-US"/>
               <a:t>마스터 텍스트 스타일 편집</a:t>
             </a:r>
           </a:p>
@@ -2096,7 +2078,7 @@
           <a:bodyPr/>
           <a:lstStyle/>
           <a:p>
-            <a:fld id="{30205149-083B-4E52-BE45-474D1FA26F91}" type="datetimeFigureOut">
+            <a:fld id="{AB5AEB98-3777-4085-A3C9-73A6E37CAD33}" type="datetimeFigureOut">
               <a:rPr lang="ko-KR" altLang="en-US" smtClean="0"/>
               <a:t>2016-05-30</a:t>
             </a:fld>
@@ -2138,7 +2120,7 @@
           <a:bodyPr/>
           <a:lstStyle/>
           <a:p>
-            <a:fld id="{4F3BC03C-EDC1-4EB0-B91E-0EEC7BB4EC00}" type="slidenum">
+            <a:fld id="{4F253A2A-0D46-4CB3-8421-06F7E137B474}" type="slidenum">
               <a:rPr lang="ko-KR" altLang="en-US" smtClean="0"/>
               <a:t>‹#›</a:t>
             </a:fld>
@@ -2149,7 +2131,7 @@
     </p:spTree>
     <p:extLst>
       <p:ext uri="{BB962C8B-B14F-4D97-AF65-F5344CB8AC3E}">
-        <p14:creationId xmlns:p14="http://schemas.microsoft.com/office/powerpoint/2010/main" val="3995861707"/>
+        <p14:creationId xmlns:p14="http://schemas.microsoft.com/office/powerpoint/2010/main" val="2384089050"/>
       </p:ext>
     </p:extLst>
   </p:cSld>
@@ -2201,10 +2183,9 @@
           </a:lstStyle>
           <a:p>
             <a:r>
-              <a:rPr lang="ko-KR" altLang="en-US" smtClean="0"/>
+              <a:rPr lang="ko-KR" altLang="en-US"/>
               <a:t>마스터 제목 스타일 편집</a:t>
             </a:r>
-            <a:endParaRPr lang="ko-KR" altLang="en-US"/>
           </a:p>
         </p:txBody>
       </p:sp>
@@ -2328,7 +2309,7 @@
           <a:p>
             <a:pPr lvl="0"/>
             <a:r>
-              <a:rPr lang="ko-KR" altLang="en-US" smtClean="0"/>
+              <a:rPr lang="ko-KR" altLang="en-US"/>
               <a:t>마스터 텍스트 스타일 편집</a:t>
             </a:r>
           </a:p>
@@ -2349,7 +2330,7 @@
           <a:bodyPr/>
           <a:lstStyle/>
           <a:p>
-            <a:fld id="{30205149-083B-4E52-BE45-474D1FA26F91}" type="datetimeFigureOut">
+            <a:fld id="{AB5AEB98-3777-4085-A3C9-73A6E37CAD33}" type="datetimeFigureOut">
               <a:rPr lang="ko-KR" altLang="en-US" smtClean="0"/>
               <a:t>2016-05-30</a:t>
             </a:fld>
@@ -2391,7 +2372,7 @@
           <a:bodyPr/>
           <a:lstStyle/>
           <a:p>
-            <a:fld id="{4F3BC03C-EDC1-4EB0-B91E-0EEC7BB4EC00}" type="slidenum">
+            <a:fld id="{4F253A2A-0D46-4CB3-8421-06F7E137B474}" type="slidenum">
               <a:rPr lang="ko-KR" altLang="en-US" smtClean="0"/>
               <a:t>‹#›</a:t>
             </a:fld>
@@ -2402,7 +2383,7 @@
     </p:spTree>
     <p:extLst>
       <p:ext uri="{BB962C8B-B14F-4D97-AF65-F5344CB8AC3E}">
-        <p14:creationId xmlns:p14="http://schemas.microsoft.com/office/powerpoint/2010/main" val="76588660"/>
+        <p14:creationId xmlns:p14="http://schemas.microsoft.com/office/powerpoint/2010/main" val="3430187489"/>
       </p:ext>
     </p:extLst>
   </p:cSld>
@@ -2460,10 +2441,9 @@
           <a:lstStyle/>
           <a:p>
             <a:r>
-              <a:rPr lang="ko-KR" altLang="en-US" smtClean="0"/>
+              <a:rPr lang="ko-KR" altLang="en-US"/>
               <a:t>마스터 제목 스타일 편집</a:t>
             </a:r>
-            <a:endParaRPr lang="ko-KR" altLang="en-US"/>
           </a:p>
         </p:txBody>
       </p:sp>
@@ -2494,38 +2474,37 @@
           <a:p>
             <a:pPr lvl="0"/>
             <a:r>
-              <a:rPr lang="ko-KR" altLang="en-US" smtClean="0"/>
+              <a:rPr lang="ko-KR" altLang="en-US"/>
               <a:t>마스터 텍스트 스타일 편집</a:t>
             </a:r>
           </a:p>
           <a:p>
             <a:pPr lvl="1"/>
             <a:r>
-              <a:rPr lang="ko-KR" altLang="en-US" smtClean="0"/>
+              <a:rPr lang="ko-KR" altLang="en-US"/>
               <a:t>둘째 수준</a:t>
             </a:r>
           </a:p>
           <a:p>
             <a:pPr lvl="2"/>
             <a:r>
-              <a:rPr lang="ko-KR" altLang="en-US" smtClean="0"/>
+              <a:rPr lang="ko-KR" altLang="en-US"/>
               <a:t>셋째 수준</a:t>
             </a:r>
           </a:p>
           <a:p>
             <a:pPr lvl="3"/>
             <a:r>
-              <a:rPr lang="ko-KR" altLang="en-US" smtClean="0"/>
+              <a:rPr lang="ko-KR" altLang="en-US"/>
               <a:t>넷째 수준</a:t>
             </a:r>
           </a:p>
           <a:p>
             <a:pPr lvl="4"/>
             <a:r>
-              <a:rPr lang="ko-KR" altLang="en-US" smtClean="0"/>
+              <a:rPr lang="ko-KR" altLang="en-US"/>
               <a:t>다섯째 수준</a:t>
             </a:r>
-            <a:endParaRPr lang="ko-KR" altLang="en-US"/>
           </a:p>
         </p:txBody>
       </p:sp>
@@ -2562,7 +2541,7 @@
             </a:lvl1pPr>
           </a:lstStyle>
           <a:p>
-            <a:fld id="{30205149-083B-4E52-BE45-474D1FA26F91}" type="datetimeFigureOut">
+            <a:fld id="{AB5AEB98-3777-4085-A3C9-73A6E37CAD33}" type="datetimeFigureOut">
               <a:rPr lang="ko-KR" altLang="en-US" smtClean="0"/>
               <a:t>2016-05-30</a:t>
             </a:fld>
@@ -2640,7 +2619,7 @@
             </a:lvl1pPr>
           </a:lstStyle>
           <a:p>
-            <a:fld id="{4F3BC03C-EDC1-4EB0-B91E-0EEC7BB4EC00}" type="slidenum">
+            <a:fld id="{4F253A2A-0D46-4CB3-8421-06F7E137B474}" type="slidenum">
               <a:rPr lang="ko-KR" altLang="en-US" smtClean="0"/>
               <a:t>‹#›</a:t>
             </a:fld>
@@ -2651,7 +2630,7 @@
     </p:spTree>
     <p:extLst>
       <p:ext uri="{BB962C8B-B14F-4D97-AF65-F5344CB8AC3E}">
-        <p14:creationId xmlns:p14="http://schemas.microsoft.com/office/powerpoint/2010/main" val="3834721640"/>
+        <p14:creationId xmlns:p14="http://schemas.microsoft.com/office/powerpoint/2010/main" val="790902814"/>
       </p:ext>
     </p:extLst>
   </p:cSld>
@@ -2977,7 +2956,7 @@
         </p:nvSpPr>
         <p:spPr>
           <a:xfrm>
-            <a:off x="5122913" y="1159478"/>
+            <a:off x="5442402" y="212028"/>
             <a:ext cx="1556992" cy="726131"/>
           </a:xfrm>
           <a:prstGeom prst="rect">
@@ -3014,12 +2993,20 @@
           <a:p>
             <a:pPr algn="ctr"/>
             <a:r>
+              <a:rPr lang="ko-KR" altLang="en-US" sz="1100" dirty="0">
+                <a:solidFill>
+                  <a:schemeClr val="tx1"/>
+                </a:solidFill>
+              </a:rPr>
+              <a:t>강의 평가 질문 </a:t>
+            </a:r>
+            <a:r>
               <a:rPr lang="ko-KR" altLang="en-US" sz="1100" dirty="0" smtClean="0">
                 <a:solidFill>
                   <a:schemeClr val="tx1"/>
                 </a:solidFill>
               </a:rPr>
-              <a:t>강의 평가 관리</a:t>
+              <a:t>삭제</a:t>
             </a:r>
             <a:endParaRPr lang="en-US" altLang="ko-KR" sz="1100" dirty="0">
               <a:solidFill>
@@ -3037,7 +3024,7 @@
         </p:nvSpPr>
         <p:spPr>
           <a:xfrm>
-            <a:off x="1829363" y="3407491"/>
+            <a:off x="2148852" y="2460041"/>
             <a:ext cx="1556992" cy="726131"/>
           </a:xfrm>
           <a:prstGeom prst="rect">
@@ -3079,7 +3066,15 @@
                   <a:schemeClr val="tx1"/>
                 </a:solidFill>
               </a:rPr>
-              <a:t>강의평가 정보 입력</a:t>
+              <a:t>강의평가 질문 삭제 </a:t>
+            </a:r>
+            <a:r>
+              <a:rPr lang="ko-KR" altLang="en-US" sz="1100" dirty="0" smtClean="0">
+                <a:solidFill>
+                  <a:schemeClr val="tx1"/>
+                </a:solidFill>
+              </a:rPr>
+              <a:t>입력</a:t>
             </a:r>
             <a:endParaRPr lang="en-US" altLang="ko-KR" sz="1100" dirty="0">
               <a:solidFill>
@@ -3097,7 +3092,7 @@
         </p:nvSpPr>
         <p:spPr>
           <a:xfrm>
-            <a:off x="8416463" y="3468084"/>
+            <a:off x="8735952" y="2520634"/>
             <a:ext cx="1556992" cy="726131"/>
           </a:xfrm>
           <a:prstGeom prst="rect">
@@ -3134,12 +3129,28 @@
           <a:p>
             <a:pPr algn="ctr"/>
             <a:r>
+              <a:rPr lang="ko-KR" altLang="en-US" sz="1100" dirty="0">
+                <a:solidFill>
+                  <a:schemeClr val="tx1"/>
+                </a:solidFill>
+              </a:rPr>
+              <a:t>강의 평가 질문 </a:t>
+            </a:r>
+            <a:r>
               <a:rPr lang="ko-KR" altLang="en-US" sz="1100" dirty="0" smtClean="0">
                 <a:solidFill>
                   <a:schemeClr val="tx1"/>
                 </a:solidFill>
               </a:rPr>
-              <a:t>강의평가 정보 출력</a:t>
+              <a:t>삭제 </a:t>
+            </a:r>
+            <a:r>
+              <a:rPr lang="ko-KR" altLang="en-US" sz="1100" dirty="0" smtClean="0">
+                <a:solidFill>
+                  <a:schemeClr val="tx1"/>
+                </a:solidFill>
+              </a:rPr>
+              <a:t>출력</a:t>
             </a:r>
             <a:endParaRPr lang="en-US" altLang="ko-KR" sz="1100" dirty="0">
               <a:solidFill>
@@ -3157,7 +3168,7 @@
         </p:nvSpPr>
         <p:spPr>
           <a:xfrm>
-            <a:off x="5122913" y="3468085"/>
+            <a:off x="5442402" y="2520635"/>
             <a:ext cx="1556992" cy="726131"/>
           </a:xfrm>
           <a:prstGeom prst="rect">
@@ -3194,12 +3205,20 @@
           <a:p>
             <a:pPr algn="ctr"/>
             <a:r>
+              <a:rPr lang="ko-KR" altLang="en-US" sz="1100" dirty="0">
+                <a:solidFill>
+                  <a:schemeClr val="tx1"/>
+                </a:solidFill>
+              </a:rPr>
+              <a:t>강의 평가 질문 </a:t>
+            </a:r>
+            <a:r>
               <a:rPr lang="ko-KR" altLang="en-US" sz="1100" dirty="0" smtClean="0">
                 <a:solidFill>
                   <a:schemeClr val="tx1"/>
                 </a:solidFill>
               </a:rPr>
-              <a:t>강의평가 정보 변환</a:t>
+              <a:t>삭제 처리</a:t>
             </a:r>
             <a:endParaRPr lang="en-US" altLang="ko-KR" sz="1100" dirty="0">
               <a:solidFill>
@@ -3220,7 +3239,7 @@
         </p:nvCxnSpPr>
         <p:spPr>
           <a:xfrm flipH="1">
-            <a:off x="2607859" y="1885609"/>
+            <a:off x="2927348" y="938159"/>
             <a:ext cx="3293550" cy="1521882"/>
           </a:xfrm>
           <a:prstGeom prst="straightConnector1">
@@ -3257,7 +3276,7 @@
         </p:nvCxnSpPr>
         <p:spPr>
           <a:xfrm>
-            <a:off x="5901409" y="1885609"/>
+            <a:off x="6220898" y="938159"/>
             <a:ext cx="0" cy="1582476"/>
           </a:xfrm>
           <a:prstGeom prst="straightConnector1">
@@ -3294,7 +3313,7 @@
         </p:nvCxnSpPr>
         <p:spPr>
           <a:xfrm>
-            <a:off x="5901409" y="1885609"/>
+            <a:off x="6220898" y="938159"/>
             <a:ext cx="3293550" cy="1582475"/>
           </a:xfrm>
           <a:prstGeom prst="straightConnector1">
@@ -3320,23 +3339,2888 @@
           </a:fontRef>
         </p:style>
       </p:cxnSp>
+      <p:grpSp>
+        <p:nvGrpSpPr>
+          <p:cNvPr id="20" name="그룹 19"/>
+          <p:cNvGrpSpPr/>
+          <p:nvPr/>
+        </p:nvGrpSpPr>
+        <p:grpSpPr>
+          <a:xfrm rot="17424334">
+            <a:off x="3856128" y="1374580"/>
+            <a:ext cx="465295" cy="429840"/>
+            <a:chOff x="5764817" y="2081712"/>
+            <a:chExt cx="465295" cy="429840"/>
+          </a:xfrm>
+        </p:grpSpPr>
+        <p:sp>
+          <p:nvSpPr>
+            <p:cNvPr id="21" name="타원 20"/>
+            <p:cNvSpPr/>
+            <p:nvPr/>
+          </p:nvSpPr>
+          <p:spPr>
+            <a:xfrm>
+              <a:off x="5764817" y="2081712"/>
+              <a:ext cx="254984" cy="254984"/>
+            </a:xfrm>
+            <a:prstGeom prst="ellipse">
+              <a:avLst/>
+            </a:prstGeom>
+            <a:noFill/>
+            <a:ln w="38100">
+              <a:solidFill>
+                <a:schemeClr val="accent1"/>
+              </a:solidFill>
+            </a:ln>
+          </p:spPr>
+          <p:style>
+            <a:lnRef idx="2">
+              <a:schemeClr val="accent1">
+                <a:shade val="50000"/>
+              </a:schemeClr>
+            </a:lnRef>
+            <a:fillRef idx="1">
+              <a:schemeClr val="accent1"/>
+            </a:fillRef>
+            <a:effectRef idx="0">
+              <a:schemeClr val="accent1"/>
+            </a:effectRef>
+            <a:fontRef idx="minor">
+              <a:schemeClr val="lt1"/>
+            </a:fontRef>
+          </p:style>
+          <p:txBody>
+            <a:bodyPr rtlCol="0" anchor="ctr"/>
+            <a:lstStyle/>
+            <a:p>
+              <a:pPr algn="ctr"/>
+              <a:endParaRPr lang="ko-KR" altLang="en-US"/>
+            </a:p>
+          </p:txBody>
+        </p:sp>
+        <p:cxnSp>
+          <p:nvCxnSpPr>
+            <p:cNvPr id="22" name="직선 연결선 21"/>
+            <p:cNvCxnSpPr>
+              <a:endCxn id="21" idx="5"/>
+            </p:cNvCxnSpPr>
+            <p:nvPr/>
+          </p:nvCxnSpPr>
+          <p:spPr>
+            <a:xfrm flipH="1" flipV="1">
+              <a:off x="5982459" y="2299354"/>
+              <a:ext cx="247653" cy="212198"/>
+            </a:xfrm>
+            <a:prstGeom prst="line">
+              <a:avLst/>
+            </a:prstGeom>
+            <a:ln w="38100">
+              <a:headEnd type="stealth" w="lg" len="lg"/>
+            </a:ln>
+          </p:spPr>
+          <p:style>
+            <a:lnRef idx="1">
+              <a:schemeClr val="accent1"/>
+            </a:lnRef>
+            <a:fillRef idx="0">
+              <a:schemeClr val="accent1"/>
+            </a:fillRef>
+            <a:effectRef idx="0">
+              <a:schemeClr val="accent1"/>
+            </a:effectRef>
+            <a:fontRef idx="minor">
+              <a:schemeClr val="tx1"/>
+            </a:fontRef>
+          </p:style>
+        </p:cxnSp>
+      </p:grpSp>
+      <p:sp>
+        <p:nvSpPr>
+          <p:cNvPr id="23" name="TextBox 22"/>
+          <p:cNvSpPr txBox="1"/>
+          <p:nvPr/>
+        </p:nvSpPr>
+        <p:spPr>
+          <a:xfrm rot="19759131">
+            <a:off x="2849684" y="1308778"/>
+            <a:ext cx="2064041" cy="261610"/>
+          </a:xfrm>
+          <a:prstGeom prst="rect">
+            <a:avLst/>
+          </a:prstGeom>
+          <a:noFill/>
+        </p:spPr>
+        <p:txBody>
+          <a:bodyPr wrap="square" rtlCol="0">
+            <a:spAutoFit/>
+          </a:bodyPr>
+          <a:lstStyle/>
+          <a:p>
+            <a:r>
+              <a:rPr lang="ko-KR" altLang="en-US" sz="1100" dirty="0"/>
+              <a:t>강의 평가 질문 삭제 정보</a:t>
+            </a:r>
+            <a:endParaRPr lang="ko-KR" altLang="en-US" sz="1600" dirty="0"/>
+          </a:p>
+        </p:txBody>
+      </p:sp>
+      <p:grpSp>
+        <p:nvGrpSpPr>
+          <p:cNvPr id="24" name="그룹 23"/>
+          <p:cNvGrpSpPr/>
+          <p:nvPr/>
+        </p:nvGrpSpPr>
+        <p:grpSpPr>
+          <a:xfrm rot="2886699">
+            <a:off x="6551744" y="1804725"/>
+            <a:ext cx="465295" cy="429840"/>
+            <a:chOff x="5764817" y="2081712"/>
+            <a:chExt cx="465295" cy="429840"/>
+          </a:xfrm>
+        </p:grpSpPr>
+        <p:sp>
+          <p:nvSpPr>
+            <p:cNvPr id="25" name="타원 24"/>
+            <p:cNvSpPr/>
+            <p:nvPr/>
+          </p:nvSpPr>
+          <p:spPr>
+            <a:xfrm>
+              <a:off x="5764817" y="2081712"/>
+              <a:ext cx="254984" cy="254984"/>
+            </a:xfrm>
+            <a:prstGeom prst="ellipse">
+              <a:avLst/>
+            </a:prstGeom>
+            <a:noFill/>
+            <a:ln w="38100">
+              <a:solidFill>
+                <a:schemeClr val="accent1"/>
+              </a:solidFill>
+            </a:ln>
+          </p:spPr>
+          <p:style>
+            <a:lnRef idx="2">
+              <a:schemeClr val="accent1">
+                <a:shade val="50000"/>
+              </a:schemeClr>
+            </a:lnRef>
+            <a:fillRef idx="1">
+              <a:schemeClr val="accent1"/>
+            </a:fillRef>
+            <a:effectRef idx="0">
+              <a:schemeClr val="accent1"/>
+            </a:effectRef>
+            <a:fontRef idx="minor">
+              <a:schemeClr val="lt1"/>
+            </a:fontRef>
+          </p:style>
+          <p:txBody>
+            <a:bodyPr rtlCol="0" anchor="ctr"/>
+            <a:lstStyle/>
+            <a:p>
+              <a:pPr algn="ctr"/>
+              <a:endParaRPr lang="ko-KR" altLang="en-US"/>
+            </a:p>
+          </p:txBody>
+        </p:sp>
+        <p:cxnSp>
+          <p:nvCxnSpPr>
+            <p:cNvPr id="26" name="직선 연결선 25"/>
+            <p:cNvCxnSpPr>
+              <a:endCxn id="25" idx="5"/>
+            </p:cNvCxnSpPr>
+            <p:nvPr/>
+          </p:nvCxnSpPr>
+          <p:spPr>
+            <a:xfrm flipH="1" flipV="1">
+              <a:off x="5982459" y="2299354"/>
+              <a:ext cx="247653" cy="212198"/>
+            </a:xfrm>
+            <a:prstGeom prst="line">
+              <a:avLst/>
+            </a:prstGeom>
+            <a:ln w="38100">
+              <a:headEnd type="stealth" w="lg" len="lg"/>
+            </a:ln>
+          </p:spPr>
+          <p:style>
+            <a:lnRef idx="1">
+              <a:schemeClr val="accent1"/>
+            </a:lnRef>
+            <a:fillRef idx="0">
+              <a:schemeClr val="accent1"/>
+            </a:fillRef>
+            <a:effectRef idx="0">
+              <a:schemeClr val="accent1"/>
+            </a:effectRef>
+            <a:fontRef idx="minor">
+              <a:schemeClr val="tx1"/>
+            </a:fontRef>
+          </p:style>
+        </p:cxnSp>
+      </p:grpSp>
+      <p:sp>
+        <p:nvSpPr>
+          <p:cNvPr id="27" name="TextBox 26"/>
+          <p:cNvSpPr txBox="1"/>
+          <p:nvPr/>
+        </p:nvSpPr>
+        <p:spPr>
+          <a:xfrm rot="16200000">
+            <a:off x="5859711" y="1794847"/>
+            <a:ext cx="1221809" cy="430887"/>
+          </a:xfrm>
+          <a:prstGeom prst="rect">
+            <a:avLst/>
+          </a:prstGeom>
+          <a:noFill/>
+        </p:spPr>
+        <p:txBody>
+          <a:bodyPr wrap="none" rtlCol="0">
+            <a:spAutoFit/>
+          </a:bodyPr>
+          <a:lstStyle/>
+          <a:p>
+            <a:pPr algn="ctr"/>
+            <a:r>
+              <a:rPr lang="ko-KR" altLang="en-US" sz="1100" dirty="0"/>
+              <a:t>삭제할 강의평가</a:t>
+            </a:r>
+            <a:endParaRPr lang="en-US" altLang="ko-KR" sz="1100" dirty="0"/>
+          </a:p>
+          <a:p>
+            <a:pPr algn="ctr"/>
+            <a:r>
+              <a:rPr lang="ko-KR" altLang="en-US" sz="1100" dirty="0"/>
+              <a:t>질문 정보</a:t>
+            </a:r>
+            <a:endParaRPr lang="ko-KR" altLang="en-US" sz="1600" dirty="0"/>
+          </a:p>
+        </p:txBody>
+      </p:sp>
+      <p:grpSp>
+        <p:nvGrpSpPr>
+          <p:cNvPr id="28" name="그룹 27"/>
+          <p:cNvGrpSpPr/>
+          <p:nvPr/>
+        </p:nvGrpSpPr>
+        <p:grpSpPr>
+          <a:xfrm rot="13652400">
+            <a:off x="6980811" y="1848104"/>
+            <a:ext cx="465295" cy="429840"/>
+            <a:chOff x="5764817" y="2081712"/>
+            <a:chExt cx="465295" cy="429840"/>
+          </a:xfrm>
+        </p:grpSpPr>
+        <p:sp>
+          <p:nvSpPr>
+            <p:cNvPr id="29" name="타원 28"/>
+            <p:cNvSpPr/>
+            <p:nvPr/>
+          </p:nvSpPr>
+          <p:spPr>
+            <a:xfrm>
+              <a:off x="5764817" y="2081712"/>
+              <a:ext cx="254984" cy="254984"/>
+            </a:xfrm>
+            <a:prstGeom prst="ellipse">
+              <a:avLst/>
+            </a:prstGeom>
+            <a:solidFill>
+              <a:schemeClr val="accent1"/>
+            </a:solidFill>
+            <a:ln w="38100">
+              <a:solidFill>
+                <a:schemeClr val="accent1"/>
+              </a:solidFill>
+            </a:ln>
+          </p:spPr>
+          <p:style>
+            <a:lnRef idx="2">
+              <a:schemeClr val="accent1">
+                <a:shade val="50000"/>
+              </a:schemeClr>
+            </a:lnRef>
+            <a:fillRef idx="1">
+              <a:schemeClr val="accent1"/>
+            </a:fillRef>
+            <a:effectRef idx="0">
+              <a:schemeClr val="accent1"/>
+            </a:effectRef>
+            <a:fontRef idx="minor">
+              <a:schemeClr val="lt1"/>
+            </a:fontRef>
+          </p:style>
+          <p:txBody>
+            <a:bodyPr rtlCol="0" anchor="ctr"/>
+            <a:lstStyle/>
+            <a:p>
+              <a:pPr algn="ctr"/>
+              <a:endParaRPr lang="ko-KR" altLang="en-US"/>
+            </a:p>
+          </p:txBody>
+        </p:sp>
+        <p:cxnSp>
+          <p:nvCxnSpPr>
+            <p:cNvPr id="30" name="직선 연결선 29"/>
+            <p:cNvCxnSpPr>
+              <a:endCxn id="29" idx="5"/>
+            </p:cNvCxnSpPr>
+            <p:nvPr/>
+          </p:nvCxnSpPr>
+          <p:spPr>
+            <a:xfrm flipH="1" flipV="1">
+              <a:off x="5982459" y="2299354"/>
+              <a:ext cx="247653" cy="212198"/>
+            </a:xfrm>
+            <a:prstGeom prst="line">
+              <a:avLst/>
+            </a:prstGeom>
+            <a:ln w="38100">
+              <a:headEnd type="stealth" w="lg" len="lg"/>
+            </a:ln>
+          </p:spPr>
+          <p:style>
+            <a:lnRef idx="1">
+              <a:schemeClr val="accent1"/>
+            </a:lnRef>
+            <a:fillRef idx="0">
+              <a:schemeClr val="accent1"/>
+            </a:fillRef>
+            <a:effectRef idx="0">
+              <a:schemeClr val="accent1"/>
+            </a:effectRef>
+            <a:fontRef idx="minor">
+              <a:schemeClr val="tx1"/>
+            </a:fontRef>
+          </p:style>
+        </p:cxnSp>
+      </p:grpSp>
+      <p:sp>
+        <p:nvSpPr>
+          <p:cNvPr id="31" name="TextBox 30"/>
+          <p:cNvSpPr txBox="1"/>
+          <p:nvPr/>
+        </p:nvSpPr>
+        <p:spPr>
+          <a:xfrm rot="5400000">
+            <a:off x="6970326" y="1924449"/>
+            <a:ext cx="1180130" cy="430887"/>
+          </a:xfrm>
+          <a:prstGeom prst="rect">
+            <a:avLst/>
+          </a:prstGeom>
+          <a:noFill/>
+        </p:spPr>
+        <p:txBody>
+          <a:bodyPr wrap="none" rtlCol="0">
+            <a:spAutoFit/>
+          </a:bodyPr>
+          <a:lstStyle/>
+          <a:p>
+            <a:pPr algn="ctr"/>
+            <a:r>
+              <a:rPr lang="ko-KR" altLang="en-US" sz="1100" dirty="0"/>
+              <a:t>강의 평가 질문 </a:t>
+            </a:r>
+            <a:endParaRPr lang="en-US" altLang="ko-KR" sz="1100" dirty="0" smtClean="0"/>
+          </a:p>
+          <a:p>
+            <a:pPr algn="ctr"/>
+            <a:r>
+              <a:rPr lang="ko-KR" altLang="en-US" sz="1100" dirty="0" smtClean="0"/>
+              <a:t>삭제 </a:t>
+            </a:r>
+            <a:r>
+              <a:rPr lang="ko-KR" altLang="en-US" sz="1100" dirty="0"/>
+              <a:t>성공 여부</a:t>
+            </a:r>
+            <a:endParaRPr lang="ko-KR" altLang="en-US" sz="1600" dirty="0"/>
+          </a:p>
+        </p:txBody>
+      </p:sp>
+      <p:sp>
+        <p:nvSpPr>
+          <p:cNvPr id="36" name="직사각형 35"/>
+          <p:cNvSpPr/>
+          <p:nvPr/>
+        </p:nvSpPr>
+        <p:spPr>
+          <a:xfrm>
+            <a:off x="124887" y="5003398"/>
+            <a:ext cx="1556992" cy="726131"/>
+          </a:xfrm>
+          <a:prstGeom prst="rect">
+            <a:avLst/>
+          </a:prstGeom>
+          <a:noFill/>
+          <a:ln w="31750">
+            <a:solidFill>
+              <a:schemeClr val="accent1">
+                <a:shade val="50000"/>
+              </a:schemeClr>
+            </a:solidFill>
+          </a:ln>
+        </p:spPr>
+        <p:style>
+          <a:lnRef idx="2">
+            <a:schemeClr val="accent1">
+              <a:shade val="50000"/>
+            </a:schemeClr>
+          </a:lnRef>
+          <a:fillRef idx="1">
+            <a:schemeClr val="accent1"/>
+          </a:fillRef>
+          <a:effectRef idx="0">
+            <a:schemeClr val="accent1"/>
+          </a:effectRef>
+          <a:fontRef idx="minor">
+            <a:schemeClr val="lt1"/>
+          </a:fontRef>
+        </p:style>
+        <p:txBody>
+          <a:bodyPr rtlCol="0" anchor="ctr"/>
+          <a:lstStyle/>
+          <a:p>
+            <a:pPr algn="ctr"/>
+            <a:r>
+              <a:rPr lang="ko-KR" altLang="en-US" sz="1100" dirty="0">
+                <a:solidFill>
+                  <a:sysClr val="windowText" lastClr="000000"/>
+                </a:solidFill>
+              </a:rPr>
+              <a:t>강의평가 질문 </a:t>
+            </a:r>
+            <a:r>
+              <a:rPr lang="ko-KR" altLang="en-US" sz="1100" dirty="0" smtClean="0">
+                <a:solidFill>
+                  <a:sysClr val="windowText" lastClr="000000"/>
+                </a:solidFill>
+              </a:rPr>
+              <a:t>삭제 대상</a:t>
+            </a:r>
+            <a:r>
+              <a:rPr lang="en-US" altLang="ko-KR" sz="1100" dirty="0">
+                <a:solidFill>
+                  <a:sysClr val="windowText" lastClr="000000"/>
+                </a:solidFill>
+              </a:rPr>
+              <a:t> </a:t>
+            </a:r>
+            <a:r>
+              <a:rPr lang="ko-KR" altLang="en-US" sz="1100" dirty="0" smtClean="0">
+                <a:solidFill>
+                  <a:sysClr val="windowText" lastClr="000000"/>
+                </a:solidFill>
+              </a:rPr>
+              <a:t>정보 </a:t>
+            </a:r>
+            <a:r>
+              <a:rPr lang="ko-KR" altLang="en-US" sz="1100" dirty="0">
+                <a:solidFill>
+                  <a:sysClr val="windowText" lastClr="000000"/>
+                </a:solidFill>
+              </a:rPr>
+              <a:t>입력</a:t>
+            </a:r>
+          </a:p>
+        </p:txBody>
+      </p:sp>
+      <p:sp>
+        <p:nvSpPr>
+          <p:cNvPr id="37" name="직사각형 36"/>
+          <p:cNvSpPr/>
+          <p:nvPr/>
+        </p:nvSpPr>
+        <p:spPr>
+          <a:xfrm>
+            <a:off x="2148852" y="5003399"/>
+            <a:ext cx="1556992" cy="726131"/>
+          </a:xfrm>
+          <a:prstGeom prst="rect">
+            <a:avLst/>
+          </a:prstGeom>
+          <a:noFill/>
+          <a:ln w="31750">
+            <a:solidFill>
+              <a:schemeClr val="accent1">
+                <a:shade val="50000"/>
+              </a:schemeClr>
+            </a:solidFill>
+          </a:ln>
+        </p:spPr>
+        <p:style>
+          <a:lnRef idx="2">
+            <a:schemeClr val="accent1">
+              <a:shade val="50000"/>
+            </a:schemeClr>
+          </a:lnRef>
+          <a:fillRef idx="1">
+            <a:schemeClr val="accent1"/>
+          </a:fillRef>
+          <a:effectRef idx="0">
+            <a:schemeClr val="accent1"/>
+          </a:effectRef>
+          <a:fontRef idx="minor">
+            <a:schemeClr val="lt1"/>
+          </a:fontRef>
+        </p:style>
+        <p:txBody>
+          <a:bodyPr rtlCol="0" anchor="ctr"/>
+          <a:lstStyle/>
+          <a:p>
+            <a:pPr algn="ctr"/>
+            <a:r>
+              <a:rPr lang="ko-KR" altLang="en-US" sz="1100" dirty="0">
+                <a:solidFill>
+                  <a:sysClr val="windowText" lastClr="000000"/>
+                </a:solidFill>
+              </a:rPr>
+              <a:t>강의평가 </a:t>
+            </a:r>
+            <a:r>
+              <a:rPr lang="ko-KR" altLang="en-US" sz="1100" dirty="0" smtClean="0">
+                <a:solidFill>
+                  <a:sysClr val="windowText" lastClr="000000"/>
+                </a:solidFill>
+              </a:rPr>
+              <a:t>질문 리스트</a:t>
+            </a:r>
+            <a:r>
+              <a:rPr lang="en-US" altLang="ko-KR" sz="1100" dirty="0" smtClean="0">
+                <a:solidFill>
+                  <a:sysClr val="windowText" lastClr="000000"/>
+                </a:solidFill>
+              </a:rPr>
+              <a:t> </a:t>
+            </a:r>
+            <a:r>
+              <a:rPr lang="ko-KR" altLang="en-US" sz="1100" dirty="0" smtClean="0">
+                <a:solidFill>
+                  <a:sysClr val="windowText" lastClr="000000"/>
+                </a:solidFill>
+              </a:rPr>
+              <a:t>정보 읽음</a:t>
+            </a:r>
+            <a:endParaRPr lang="ko-KR" altLang="en-US" sz="1100" dirty="0">
+              <a:solidFill>
+                <a:sysClr val="windowText" lastClr="000000"/>
+              </a:solidFill>
+            </a:endParaRPr>
+          </a:p>
+        </p:txBody>
+      </p:sp>
+      <p:sp>
+        <p:nvSpPr>
+          <p:cNvPr id="38" name="직사각형 37"/>
+          <p:cNvSpPr/>
+          <p:nvPr/>
+        </p:nvSpPr>
+        <p:spPr>
+          <a:xfrm>
+            <a:off x="4172817" y="5003397"/>
+            <a:ext cx="1556992" cy="726131"/>
+          </a:xfrm>
+          <a:prstGeom prst="rect">
+            <a:avLst/>
+          </a:prstGeom>
+          <a:noFill/>
+          <a:ln w="31750">
+            <a:solidFill>
+              <a:schemeClr val="accent1">
+                <a:shade val="50000"/>
+              </a:schemeClr>
+            </a:solidFill>
+          </a:ln>
+        </p:spPr>
+        <p:style>
+          <a:lnRef idx="2">
+            <a:schemeClr val="accent1">
+              <a:shade val="50000"/>
+            </a:schemeClr>
+          </a:lnRef>
+          <a:fillRef idx="1">
+            <a:schemeClr val="accent1"/>
+          </a:fillRef>
+          <a:effectRef idx="0">
+            <a:schemeClr val="accent1"/>
+          </a:effectRef>
+          <a:fontRef idx="minor">
+            <a:schemeClr val="lt1"/>
+          </a:fontRef>
+        </p:style>
+        <p:txBody>
+          <a:bodyPr rtlCol="0" anchor="ctr"/>
+          <a:lstStyle/>
+          <a:p>
+            <a:pPr algn="ctr"/>
+            <a:r>
+              <a:rPr lang="ko-KR" altLang="en-US" sz="1100" dirty="0" smtClean="0">
+                <a:solidFill>
+                  <a:sysClr val="windowText" lastClr="000000"/>
+                </a:solidFill>
+              </a:rPr>
+              <a:t>권한 체크</a:t>
+            </a:r>
+            <a:endParaRPr lang="ko-KR" altLang="en-US" sz="1100" dirty="0">
+              <a:solidFill>
+                <a:sysClr val="windowText" lastClr="000000"/>
+              </a:solidFill>
+            </a:endParaRPr>
+          </a:p>
+        </p:txBody>
+      </p:sp>
+      <p:cxnSp>
+        <p:nvCxnSpPr>
+          <p:cNvPr id="39" name="직선 화살표 연결선 38"/>
+          <p:cNvCxnSpPr>
+            <a:stCxn id="5" idx="2"/>
+            <a:endCxn id="36" idx="0"/>
+          </p:cNvCxnSpPr>
+          <p:nvPr/>
+        </p:nvCxnSpPr>
+        <p:spPr>
+          <a:xfrm flipH="1">
+            <a:off x="903383" y="3186172"/>
+            <a:ext cx="2023965" cy="1817226"/>
+          </a:xfrm>
+          <a:prstGeom prst="straightConnector1">
+            <a:avLst/>
+          </a:prstGeom>
+          <a:ln w="38100">
+            <a:headEnd w="lg" len="lg"/>
+            <a:tailEnd type="triangle"/>
+          </a:ln>
+        </p:spPr>
+        <p:style>
+          <a:lnRef idx="1">
+            <a:schemeClr val="accent1"/>
+          </a:lnRef>
+          <a:fillRef idx="0">
+            <a:schemeClr val="accent1"/>
+          </a:fillRef>
+          <a:effectRef idx="0">
+            <a:schemeClr val="accent1"/>
+          </a:effectRef>
+          <a:fontRef idx="minor">
+            <a:schemeClr val="tx1"/>
+          </a:fontRef>
+        </p:style>
+      </p:cxnSp>
+      <p:cxnSp>
+        <p:nvCxnSpPr>
+          <p:cNvPr id="40" name="직선 화살표 연결선 39"/>
+          <p:cNvCxnSpPr>
+            <a:stCxn id="7" idx="2"/>
+            <a:endCxn id="37" idx="0"/>
+          </p:cNvCxnSpPr>
+          <p:nvPr/>
+        </p:nvCxnSpPr>
+        <p:spPr>
+          <a:xfrm flipH="1">
+            <a:off x="2927348" y="3246766"/>
+            <a:ext cx="3293550" cy="1756633"/>
+          </a:xfrm>
+          <a:prstGeom prst="straightConnector1">
+            <a:avLst/>
+          </a:prstGeom>
+          <a:ln w="38100">
+            <a:headEnd w="lg" len="lg"/>
+            <a:tailEnd type="triangle"/>
+          </a:ln>
+        </p:spPr>
+        <p:style>
+          <a:lnRef idx="1">
+            <a:schemeClr val="accent1"/>
+          </a:lnRef>
+          <a:fillRef idx="0">
+            <a:schemeClr val="accent1"/>
+          </a:fillRef>
+          <a:effectRef idx="0">
+            <a:schemeClr val="accent1"/>
+          </a:effectRef>
+          <a:fontRef idx="minor">
+            <a:schemeClr val="tx1"/>
+          </a:fontRef>
+        </p:style>
+      </p:cxnSp>
+      <p:cxnSp>
+        <p:nvCxnSpPr>
+          <p:cNvPr id="41" name="직선 화살표 연결선 40"/>
+          <p:cNvCxnSpPr>
+            <a:stCxn id="7" idx="2"/>
+            <a:endCxn id="38" idx="0"/>
+          </p:cNvCxnSpPr>
+          <p:nvPr/>
+        </p:nvCxnSpPr>
+        <p:spPr>
+          <a:xfrm flipH="1">
+            <a:off x="4951313" y="3246766"/>
+            <a:ext cx="1269585" cy="1756631"/>
+          </a:xfrm>
+          <a:prstGeom prst="straightConnector1">
+            <a:avLst/>
+          </a:prstGeom>
+          <a:ln w="38100">
+            <a:headEnd w="lg" len="lg"/>
+            <a:tailEnd type="triangle"/>
+          </a:ln>
+        </p:spPr>
+        <p:style>
+          <a:lnRef idx="1">
+            <a:schemeClr val="accent1"/>
+          </a:lnRef>
+          <a:fillRef idx="0">
+            <a:schemeClr val="accent1"/>
+          </a:fillRef>
+          <a:effectRef idx="0">
+            <a:schemeClr val="accent1"/>
+          </a:effectRef>
+          <a:fontRef idx="minor">
+            <a:schemeClr val="tx1"/>
+          </a:fontRef>
+        </p:style>
+      </p:cxnSp>
+      <p:sp>
+        <p:nvSpPr>
+          <p:cNvPr id="44" name="직사각형 43"/>
+          <p:cNvSpPr/>
+          <p:nvPr/>
+        </p:nvSpPr>
+        <p:spPr>
+          <a:xfrm>
+            <a:off x="6674820" y="5003396"/>
+            <a:ext cx="1556992" cy="726131"/>
+          </a:xfrm>
+          <a:prstGeom prst="rect">
+            <a:avLst/>
+          </a:prstGeom>
+          <a:noFill/>
+          <a:ln w="31750">
+            <a:solidFill>
+              <a:schemeClr val="accent1">
+                <a:shade val="50000"/>
+              </a:schemeClr>
+            </a:solidFill>
+          </a:ln>
+        </p:spPr>
+        <p:style>
+          <a:lnRef idx="2">
+            <a:schemeClr val="accent1">
+              <a:shade val="50000"/>
+            </a:schemeClr>
+          </a:lnRef>
+          <a:fillRef idx="1">
+            <a:schemeClr val="accent1"/>
+          </a:fillRef>
+          <a:effectRef idx="0">
+            <a:schemeClr val="accent1"/>
+          </a:effectRef>
+          <a:fontRef idx="minor">
+            <a:schemeClr val="lt1"/>
+          </a:fontRef>
+        </p:style>
+        <p:txBody>
+          <a:bodyPr rtlCol="0" anchor="ctr"/>
+          <a:lstStyle/>
+          <a:p>
+            <a:pPr algn="ctr"/>
+            <a:r>
+              <a:rPr lang="ko-KR" altLang="en-US" sz="1100" dirty="0">
+                <a:solidFill>
+                  <a:sysClr val="windowText" lastClr="000000"/>
+                </a:solidFill>
+              </a:rPr>
+              <a:t>삭제할 강의평가 질문  정보 </a:t>
+            </a:r>
+            <a:r>
+              <a:rPr lang="ko-KR" altLang="en-US" sz="1100" dirty="0" smtClean="0">
+                <a:solidFill>
+                  <a:sysClr val="windowText" lastClr="000000"/>
+                </a:solidFill>
+              </a:rPr>
+              <a:t>삭제</a:t>
+            </a:r>
+            <a:endParaRPr lang="ko-KR" altLang="en-US" sz="1100" dirty="0">
+              <a:solidFill>
+                <a:sysClr val="windowText" lastClr="000000"/>
+              </a:solidFill>
+            </a:endParaRPr>
+          </a:p>
+        </p:txBody>
+      </p:sp>
+      <p:cxnSp>
+        <p:nvCxnSpPr>
+          <p:cNvPr id="45" name="직선 화살표 연결선 44"/>
+          <p:cNvCxnSpPr>
+            <a:stCxn id="7" idx="2"/>
+            <a:endCxn id="44" idx="0"/>
+          </p:cNvCxnSpPr>
+          <p:nvPr/>
+        </p:nvCxnSpPr>
+        <p:spPr>
+          <a:xfrm>
+            <a:off x="6220898" y="3246766"/>
+            <a:ext cx="1232418" cy="1756630"/>
+          </a:xfrm>
+          <a:prstGeom prst="straightConnector1">
+            <a:avLst/>
+          </a:prstGeom>
+          <a:ln w="38100">
+            <a:headEnd w="lg" len="lg"/>
+            <a:tailEnd type="triangle"/>
+          </a:ln>
+        </p:spPr>
+        <p:style>
+          <a:lnRef idx="1">
+            <a:schemeClr val="accent1"/>
+          </a:lnRef>
+          <a:fillRef idx="0">
+            <a:schemeClr val="accent1"/>
+          </a:fillRef>
+          <a:effectRef idx="0">
+            <a:schemeClr val="accent1"/>
+          </a:effectRef>
+          <a:fontRef idx="minor">
+            <a:schemeClr val="tx1"/>
+          </a:fontRef>
+        </p:style>
+      </p:cxnSp>
+      <p:sp>
+        <p:nvSpPr>
+          <p:cNvPr id="50" name="직사각형 49"/>
+          <p:cNvSpPr/>
+          <p:nvPr/>
+        </p:nvSpPr>
+        <p:spPr>
+          <a:xfrm>
+            <a:off x="10292944" y="5003396"/>
+            <a:ext cx="1556992" cy="726131"/>
+          </a:xfrm>
+          <a:prstGeom prst="rect">
+            <a:avLst/>
+          </a:prstGeom>
+          <a:noFill/>
+          <a:ln w="31750">
+            <a:solidFill>
+              <a:schemeClr val="accent1">
+                <a:shade val="50000"/>
+              </a:schemeClr>
+            </a:solidFill>
+          </a:ln>
+        </p:spPr>
+        <p:style>
+          <a:lnRef idx="2">
+            <a:schemeClr val="accent1">
+              <a:shade val="50000"/>
+            </a:schemeClr>
+          </a:lnRef>
+          <a:fillRef idx="1">
+            <a:schemeClr val="accent1"/>
+          </a:fillRef>
+          <a:effectRef idx="0">
+            <a:schemeClr val="accent1"/>
+          </a:effectRef>
+          <a:fontRef idx="minor">
+            <a:schemeClr val="lt1"/>
+          </a:fontRef>
+        </p:style>
+        <p:txBody>
+          <a:bodyPr rtlCol="0" anchor="ctr"/>
+          <a:lstStyle/>
+          <a:p>
+            <a:pPr algn="ctr"/>
+            <a:r>
+              <a:rPr lang="ko-KR" altLang="en-US" sz="1100" dirty="0" smtClean="0">
+                <a:solidFill>
+                  <a:sysClr val="windowText" lastClr="000000"/>
+                </a:solidFill>
+              </a:rPr>
+              <a:t>삭제 결과 출력</a:t>
+            </a:r>
+            <a:endParaRPr lang="ko-KR" altLang="en-US" sz="1100" dirty="0">
+              <a:solidFill>
+                <a:sysClr val="windowText" lastClr="000000"/>
+              </a:solidFill>
+            </a:endParaRPr>
+          </a:p>
+        </p:txBody>
+      </p:sp>
+      <p:cxnSp>
+        <p:nvCxnSpPr>
+          <p:cNvPr id="52" name="직선 화살표 연결선 51"/>
+          <p:cNvCxnSpPr>
+            <a:stCxn id="6" idx="2"/>
+            <a:endCxn id="50" idx="0"/>
+          </p:cNvCxnSpPr>
+          <p:nvPr/>
+        </p:nvCxnSpPr>
+        <p:spPr>
+          <a:xfrm>
+            <a:off x="9514448" y="3246765"/>
+            <a:ext cx="1556992" cy="1756631"/>
+          </a:xfrm>
+          <a:prstGeom prst="straightConnector1">
+            <a:avLst/>
+          </a:prstGeom>
+          <a:ln w="38100">
+            <a:headEnd w="lg" len="lg"/>
+            <a:tailEnd type="triangle"/>
+          </a:ln>
+        </p:spPr>
+        <p:style>
+          <a:lnRef idx="1">
+            <a:schemeClr val="accent1"/>
+          </a:lnRef>
+          <a:fillRef idx="0">
+            <a:schemeClr val="accent1"/>
+          </a:fillRef>
+          <a:effectRef idx="0">
+            <a:schemeClr val="accent1"/>
+          </a:effectRef>
+          <a:fontRef idx="minor">
+            <a:schemeClr val="tx1"/>
+          </a:fontRef>
+        </p:style>
+      </p:cxnSp>
+      <p:grpSp>
+        <p:nvGrpSpPr>
+          <p:cNvPr id="61" name="그룹 60"/>
+          <p:cNvGrpSpPr/>
+          <p:nvPr/>
+        </p:nvGrpSpPr>
+        <p:grpSpPr>
+          <a:xfrm rot="653509">
+            <a:off x="6499566" y="4085675"/>
+            <a:ext cx="465295" cy="429840"/>
+            <a:chOff x="5764817" y="2081712"/>
+            <a:chExt cx="465295" cy="429840"/>
+          </a:xfrm>
+        </p:grpSpPr>
+        <p:sp>
+          <p:nvSpPr>
+            <p:cNvPr id="62" name="타원 61"/>
+            <p:cNvSpPr/>
+            <p:nvPr/>
+          </p:nvSpPr>
+          <p:spPr>
+            <a:xfrm>
+              <a:off x="5764817" y="2081712"/>
+              <a:ext cx="254984" cy="254984"/>
+            </a:xfrm>
+            <a:prstGeom prst="ellipse">
+              <a:avLst/>
+            </a:prstGeom>
+            <a:noFill/>
+            <a:ln w="38100">
+              <a:solidFill>
+                <a:schemeClr val="accent1"/>
+              </a:solidFill>
+            </a:ln>
+          </p:spPr>
+          <p:style>
+            <a:lnRef idx="2">
+              <a:schemeClr val="accent1">
+                <a:shade val="50000"/>
+              </a:schemeClr>
+            </a:lnRef>
+            <a:fillRef idx="1">
+              <a:schemeClr val="accent1"/>
+            </a:fillRef>
+            <a:effectRef idx="0">
+              <a:schemeClr val="accent1"/>
+            </a:effectRef>
+            <a:fontRef idx="minor">
+              <a:schemeClr val="lt1"/>
+            </a:fontRef>
+          </p:style>
+          <p:txBody>
+            <a:bodyPr rtlCol="0" anchor="ctr"/>
+            <a:lstStyle/>
+            <a:p>
+              <a:pPr algn="ctr"/>
+              <a:endParaRPr lang="ko-KR" altLang="en-US"/>
+            </a:p>
+          </p:txBody>
+        </p:sp>
+        <p:cxnSp>
+          <p:nvCxnSpPr>
+            <p:cNvPr id="63" name="직선 연결선 62"/>
+            <p:cNvCxnSpPr>
+              <a:endCxn id="62" idx="5"/>
+            </p:cNvCxnSpPr>
+            <p:nvPr/>
+          </p:nvCxnSpPr>
+          <p:spPr>
+            <a:xfrm flipH="1" flipV="1">
+              <a:off x="5982459" y="2299354"/>
+              <a:ext cx="247653" cy="212198"/>
+            </a:xfrm>
+            <a:prstGeom prst="line">
+              <a:avLst/>
+            </a:prstGeom>
+            <a:ln w="38100">
+              <a:headEnd type="stealth" w="lg" len="lg"/>
+            </a:ln>
+          </p:spPr>
+          <p:style>
+            <a:lnRef idx="1">
+              <a:schemeClr val="accent1"/>
+            </a:lnRef>
+            <a:fillRef idx="0">
+              <a:schemeClr val="accent1"/>
+            </a:fillRef>
+            <a:effectRef idx="0">
+              <a:schemeClr val="accent1"/>
+            </a:effectRef>
+            <a:fontRef idx="minor">
+              <a:schemeClr val="tx1"/>
+            </a:fontRef>
+          </p:style>
+        </p:cxnSp>
+      </p:grpSp>
+      <p:sp>
+        <p:nvSpPr>
+          <p:cNvPr id="64" name="TextBox 63"/>
+          <p:cNvSpPr txBox="1"/>
+          <p:nvPr/>
+        </p:nvSpPr>
+        <p:spPr>
+          <a:xfrm rot="13966810">
+            <a:off x="5773139" y="4171163"/>
+            <a:ext cx="1221809" cy="430887"/>
+          </a:xfrm>
+          <a:prstGeom prst="rect">
+            <a:avLst/>
+          </a:prstGeom>
+          <a:noFill/>
+        </p:spPr>
+        <p:txBody>
+          <a:bodyPr wrap="none" rtlCol="0">
+            <a:spAutoFit/>
+          </a:bodyPr>
+          <a:lstStyle/>
+          <a:p>
+            <a:pPr algn="ctr"/>
+            <a:r>
+              <a:rPr lang="ko-KR" altLang="en-US" sz="1100" dirty="0"/>
+              <a:t>삭제할 강의평가</a:t>
+            </a:r>
+            <a:endParaRPr lang="en-US" altLang="ko-KR" sz="1100" dirty="0"/>
+          </a:p>
+          <a:p>
+            <a:pPr algn="ctr"/>
+            <a:r>
+              <a:rPr lang="ko-KR" altLang="en-US" sz="1100" dirty="0"/>
+              <a:t>질문 정보</a:t>
+            </a:r>
+            <a:endParaRPr lang="ko-KR" altLang="en-US" sz="1600" dirty="0"/>
+          </a:p>
+        </p:txBody>
+      </p:sp>
+      <p:grpSp>
+        <p:nvGrpSpPr>
+          <p:cNvPr id="65" name="그룹 64"/>
+          <p:cNvGrpSpPr/>
+          <p:nvPr/>
+        </p:nvGrpSpPr>
+        <p:grpSpPr>
+          <a:xfrm rot="11419210">
+            <a:off x="7222584" y="4336775"/>
+            <a:ext cx="465295" cy="429840"/>
+            <a:chOff x="5764817" y="2081712"/>
+            <a:chExt cx="465295" cy="429840"/>
+          </a:xfrm>
+        </p:grpSpPr>
+        <p:sp>
+          <p:nvSpPr>
+            <p:cNvPr id="66" name="타원 65"/>
+            <p:cNvSpPr/>
+            <p:nvPr/>
+          </p:nvSpPr>
+          <p:spPr>
+            <a:xfrm>
+              <a:off x="5764817" y="2081712"/>
+              <a:ext cx="254984" cy="254984"/>
+            </a:xfrm>
+            <a:prstGeom prst="ellipse">
+              <a:avLst/>
+            </a:prstGeom>
+            <a:solidFill>
+              <a:schemeClr val="accent1"/>
+            </a:solidFill>
+            <a:ln w="38100">
+              <a:solidFill>
+                <a:schemeClr val="accent1"/>
+              </a:solidFill>
+            </a:ln>
+          </p:spPr>
+          <p:style>
+            <a:lnRef idx="2">
+              <a:schemeClr val="accent1">
+                <a:shade val="50000"/>
+              </a:schemeClr>
+            </a:lnRef>
+            <a:fillRef idx="1">
+              <a:schemeClr val="accent1"/>
+            </a:fillRef>
+            <a:effectRef idx="0">
+              <a:schemeClr val="accent1"/>
+            </a:effectRef>
+            <a:fontRef idx="minor">
+              <a:schemeClr val="lt1"/>
+            </a:fontRef>
+          </p:style>
+          <p:txBody>
+            <a:bodyPr rtlCol="0" anchor="ctr"/>
+            <a:lstStyle/>
+            <a:p>
+              <a:pPr algn="ctr"/>
+              <a:endParaRPr lang="ko-KR" altLang="en-US"/>
+            </a:p>
+          </p:txBody>
+        </p:sp>
+        <p:cxnSp>
+          <p:nvCxnSpPr>
+            <p:cNvPr id="67" name="직선 연결선 66"/>
+            <p:cNvCxnSpPr>
+              <a:endCxn id="66" idx="5"/>
+            </p:cNvCxnSpPr>
+            <p:nvPr/>
+          </p:nvCxnSpPr>
+          <p:spPr>
+            <a:xfrm flipH="1" flipV="1">
+              <a:off x="5982459" y="2299354"/>
+              <a:ext cx="247653" cy="212198"/>
+            </a:xfrm>
+            <a:prstGeom prst="line">
+              <a:avLst/>
+            </a:prstGeom>
+            <a:ln w="38100">
+              <a:headEnd type="stealth" w="lg" len="lg"/>
+            </a:ln>
+          </p:spPr>
+          <p:style>
+            <a:lnRef idx="1">
+              <a:schemeClr val="accent1"/>
+            </a:lnRef>
+            <a:fillRef idx="0">
+              <a:schemeClr val="accent1"/>
+            </a:fillRef>
+            <a:effectRef idx="0">
+              <a:schemeClr val="accent1"/>
+            </a:effectRef>
+            <a:fontRef idx="minor">
+              <a:schemeClr val="tx1"/>
+            </a:fontRef>
+          </p:style>
+        </p:cxnSp>
+      </p:grpSp>
+      <p:sp>
+        <p:nvSpPr>
+          <p:cNvPr id="68" name="TextBox 67"/>
+          <p:cNvSpPr txBox="1"/>
+          <p:nvPr/>
+        </p:nvSpPr>
+        <p:spPr>
+          <a:xfrm rot="3166810">
+            <a:off x="7076169" y="4288608"/>
+            <a:ext cx="1180130" cy="430887"/>
+          </a:xfrm>
+          <a:prstGeom prst="rect">
+            <a:avLst/>
+          </a:prstGeom>
+          <a:noFill/>
+        </p:spPr>
+        <p:txBody>
+          <a:bodyPr wrap="none" rtlCol="0">
+            <a:spAutoFit/>
+          </a:bodyPr>
+          <a:lstStyle/>
+          <a:p>
+            <a:pPr algn="ctr"/>
+            <a:r>
+              <a:rPr lang="ko-KR" altLang="en-US" sz="1100" dirty="0"/>
+              <a:t>강의 평가 질문 </a:t>
+            </a:r>
+            <a:endParaRPr lang="en-US" altLang="ko-KR" sz="1100" dirty="0" smtClean="0"/>
+          </a:p>
+          <a:p>
+            <a:pPr algn="ctr"/>
+            <a:r>
+              <a:rPr lang="ko-KR" altLang="en-US" sz="1100" dirty="0" smtClean="0"/>
+              <a:t>삭제 </a:t>
+            </a:r>
+            <a:r>
+              <a:rPr lang="ko-KR" altLang="en-US" sz="1100" dirty="0"/>
+              <a:t>성공 여부</a:t>
+            </a:r>
+            <a:endParaRPr lang="ko-KR" altLang="en-US" sz="1600" dirty="0"/>
+          </a:p>
+        </p:txBody>
+      </p:sp>
+      <p:grpSp>
+        <p:nvGrpSpPr>
+          <p:cNvPr id="69" name="그룹 68"/>
+          <p:cNvGrpSpPr/>
+          <p:nvPr/>
+        </p:nvGrpSpPr>
+        <p:grpSpPr>
+          <a:xfrm rot="5224410">
+            <a:off x="4896364" y="4108719"/>
+            <a:ext cx="465295" cy="429840"/>
+            <a:chOff x="5764817" y="2081712"/>
+            <a:chExt cx="465295" cy="429840"/>
+          </a:xfrm>
+        </p:grpSpPr>
+        <p:sp>
+          <p:nvSpPr>
+            <p:cNvPr id="70" name="타원 69"/>
+            <p:cNvSpPr/>
+            <p:nvPr/>
+          </p:nvSpPr>
+          <p:spPr>
+            <a:xfrm>
+              <a:off x="5764817" y="2081712"/>
+              <a:ext cx="254984" cy="254984"/>
+            </a:xfrm>
+            <a:prstGeom prst="ellipse">
+              <a:avLst/>
+            </a:prstGeom>
+            <a:noFill/>
+            <a:ln w="38100">
+              <a:solidFill>
+                <a:schemeClr val="accent1"/>
+              </a:solidFill>
+            </a:ln>
+          </p:spPr>
+          <p:style>
+            <a:lnRef idx="2">
+              <a:schemeClr val="accent1">
+                <a:shade val="50000"/>
+              </a:schemeClr>
+            </a:lnRef>
+            <a:fillRef idx="1">
+              <a:schemeClr val="accent1"/>
+            </a:fillRef>
+            <a:effectRef idx="0">
+              <a:schemeClr val="accent1"/>
+            </a:effectRef>
+            <a:fontRef idx="minor">
+              <a:schemeClr val="lt1"/>
+            </a:fontRef>
+          </p:style>
+          <p:txBody>
+            <a:bodyPr rtlCol="0" anchor="ctr"/>
+            <a:lstStyle/>
+            <a:p>
+              <a:pPr algn="ctr"/>
+              <a:endParaRPr lang="ko-KR" altLang="en-US"/>
+            </a:p>
+          </p:txBody>
+        </p:sp>
+        <p:cxnSp>
+          <p:nvCxnSpPr>
+            <p:cNvPr id="71" name="직선 연결선 70"/>
+            <p:cNvCxnSpPr>
+              <a:endCxn id="70" idx="5"/>
+            </p:cNvCxnSpPr>
+            <p:nvPr/>
+          </p:nvCxnSpPr>
+          <p:spPr>
+            <a:xfrm flipH="1" flipV="1">
+              <a:off x="5982459" y="2299354"/>
+              <a:ext cx="247653" cy="212198"/>
+            </a:xfrm>
+            <a:prstGeom prst="line">
+              <a:avLst/>
+            </a:prstGeom>
+            <a:ln w="38100">
+              <a:headEnd type="stealth" w="lg" len="lg"/>
+            </a:ln>
+          </p:spPr>
+          <p:style>
+            <a:lnRef idx="1">
+              <a:schemeClr val="accent1"/>
+            </a:lnRef>
+            <a:fillRef idx="0">
+              <a:schemeClr val="accent1"/>
+            </a:fillRef>
+            <a:effectRef idx="0">
+              <a:schemeClr val="accent1"/>
+            </a:effectRef>
+            <a:fontRef idx="minor">
+              <a:schemeClr val="tx1"/>
+            </a:fontRef>
+          </p:style>
+        </p:cxnSp>
+      </p:grpSp>
+      <p:sp>
+        <p:nvSpPr>
+          <p:cNvPr id="72" name="TextBox 71"/>
+          <p:cNvSpPr txBox="1"/>
+          <p:nvPr/>
+        </p:nvSpPr>
+        <p:spPr>
+          <a:xfrm rot="18537711">
+            <a:off x="4524774" y="4031748"/>
+            <a:ext cx="798617" cy="261610"/>
+          </a:xfrm>
+          <a:prstGeom prst="rect">
+            <a:avLst/>
+          </a:prstGeom>
+          <a:noFill/>
+        </p:spPr>
+        <p:txBody>
+          <a:bodyPr wrap="none" rtlCol="0">
+            <a:spAutoFit/>
+          </a:bodyPr>
+          <a:lstStyle/>
+          <a:p>
+            <a:pPr algn="ctr"/>
+            <a:r>
+              <a:rPr lang="ko-KR" altLang="en-US" sz="1100" smtClean="0"/>
+              <a:t>권한 정보</a:t>
+            </a:r>
+            <a:endParaRPr lang="ko-KR" altLang="en-US" sz="1600" dirty="0"/>
+          </a:p>
+        </p:txBody>
+      </p:sp>
+      <p:grpSp>
+        <p:nvGrpSpPr>
+          <p:cNvPr id="73" name="그룹 72"/>
+          <p:cNvGrpSpPr/>
+          <p:nvPr/>
+        </p:nvGrpSpPr>
+        <p:grpSpPr>
+          <a:xfrm rot="15990111">
+            <a:off x="5402306" y="4231626"/>
+            <a:ext cx="465295" cy="429840"/>
+            <a:chOff x="5764817" y="2081712"/>
+            <a:chExt cx="465295" cy="429840"/>
+          </a:xfrm>
+        </p:grpSpPr>
+        <p:sp>
+          <p:nvSpPr>
+            <p:cNvPr id="74" name="타원 73"/>
+            <p:cNvSpPr/>
+            <p:nvPr/>
+          </p:nvSpPr>
+          <p:spPr>
+            <a:xfrm>
+              <a:off x="5764817" y="2081712"/>
+              <a:ext cx="254984" cy="254984"/>
+            </a:xfrm>
+            <a:prstGeom prst="ellipse">
+              <a:avLst/>
+            </a:prstGeom>
+            <a:solidFill>
+              <a:schemeClr val="accent1"/>
+            </a:solidFill>
+            <a:ln w="38100">
+              <a:solidFill>
+                <a:schemeClr val="accent1"/>
+              </a:solidFill>
+            </a:ln>
+          </p:spPr>
+          <p:style>
+            <a:lnRef idx="2">
+              <a:schemeClr val="accent1">
+                <a:shade val="50000"/>
+              </a:schemeClr>
+            </a:lnRef>
+            <a:fillRef idx="1">
+              <a:schemeClr val="accent1"/>
+            </a:fillRef>
+            <a:effectRef idx="0">
+              <a:schemeClr val="accent1"/>
+            </a:effectRef>
+            <a:fontRef idx="minor">
+              <a:schemeClr val="lt1"/>
+            </a:fontRef>
+          </p:style>
+          <p:txBody>
+            <a:bodyPr rtlCol="0" anchor="ctr"/>
+            <a:lstStyle/>
+            <a:p>
+              <a:pPr algn="ctr"/>
+              <a:endParaRPr lang="ko-KR" altLang="en-US"/>
+            </a:p>
+          </p:txBody>
+        </p:sp>
+        <p:cxnSp>
+          <p:nvCxnSpPr>
+            <p:cNvPr id="75" name="직선 연결선 74"/>
+            <p:cNvCxnSpPr>
+              <a:endCxn id="74" idx="5"/>
+            </p:cNvCxnSpPr>
+            <p:nvPr/>
+          </p:nvCxnSpPr>
+          <p:spPr>
+            <a:xfrm flipH="1" flipV="1">
+              <a:off x="5982459" y="2299354"/>
+              <a:ext cx="247653" cy="212198"/>
+            </a:xfrm>
+            <a:prstGeom prst="line">
+              <a:avLst/>
+            </a:prstGeom>
+            <a:ln w="38100">
+              <a:headEnd type="stealth" w="lg" len="lg"/>
+            </a:ln>
+          </p:spPr>
+          <p:style>
+            <a:lnRef idx="1">
+              <a:schemeClr val="accent1"/>
+            </a:lnRef>
+            <a:fillRef idx="0">
+              <a:schemeClr val="accent1"/>
+            </a:fillRef>
+            <a:effectRef idx="0">
+              <a:schemeClr val="accent1"/>
+            </a:effectRef>
+            <a:fontRef idx="minor">
+              <a:schemeClr val="tx1"/>
+            </a:fontRef>
+          </p:style>
+        </p:cxnSp>
+      </p:grpSp>
+      <p:sp>
+        <p:nvSpPr>
+          <p:cNvPr id="76" name="TextBox 75"/>
+          <p:cNvSpPr txBox="1"/>
+          <p:nvPr/>
+        </p:nvSpPr>
+        <p:spPr>
+          <a:xfrm rot="18633785">
+            <a:off x="5335699" y="4446320"/>
+            <a:ext cx="848309" cy="430887"/>
+          </a:xfrm>
+          <a:prstGeom prst="rect">
+            <a:avLst/>
+          </a:prstGeom>
+          <a:noFill/>
+        </p:spPr>
+        <p:txBody>
+          <a:bodyPr wrap="none" rtlCol="0">
+            <a:spAutoFit/>
+          </a:bodyPr>
+          <a:lstStyle/>
+          <a:p>
+            <a:pPr algn="ctr"/>
+            <a:r>
+              <a:rPr lang="ko-KR" altLang="en-US" sz="1100" dirty="0" smtClean="0"/>
+              <a:t>권한 체크 </a:t>
+            </a:r>
+            <a:endParaRPr lang="en-US" altLang="ko-KR" sz="1100" dirty="0" smtClean="0"/>
+          </a:p>
+          <a:p>
+            <a:pPr algn="ctr"/>
+            <a:r>
+              <a:rPr lang="ko-KR" altLang="en-US" sz="1100" dirty="0" smtClean="0"/>
+              <a:t>정보</a:t>
+            </a:r>
+            <a:endParaRPr lang="ko-KR" altLang="en-US" sz="1600" dirty="0"/>
+          </a:p>
+        </p:txBody>
+      </p:sp>
+      <p:grpSp>
+        <p:nvGrpSpPr>
+          <p:cNvPr id="85" name="그룹 84"/>
+          <p:cNvGrpSpPr/>
+          <p:nvPr/>
+        </p:nvGrpSpPr>
+        <p:grpSpPr>
+          <a:xfrm rot="2886699">
+            <a:off x="5009328" y="1705572"/>
+            <a:ext cx="465295" cy="429840"/>
+            <a:chOff x="5764817" y="2081712"/>
+            <a:chExt cx="465295" cy="429840"/>
+          </a:xfrm>
+        </p:grpSpPr>
+        <p:sp>
+          <p:nvSpPr>
+            <p:cNvPr id="86" name="타원 85"/>
+            <p:cNvSpPr/>
+            <p:nvPr/>
+          </p:nvSpPr>
+          <p:spPr>
+            <a:xfrm>
+              <a:off x="5764817" y="2081712"/>
+              <a:ext cx="254984" cy="254984"/>
+            </a:xfrm>
+            <a:prstGeom prst="ellipse">
+              <a:avLst/>
+            </a:prstGeom>
+            <a:noFill/>
+            <a:ln w="38100">
+              <a:solidFill>
+                <a:schemeClr val="accent1"/>
+              </a:solidFill>
+            </a:ln>
+          </p:spPr>
+          <p:style>
+            <a:lnRef idx="2">
+              <a:schemeClr val="accent1">
+                <a:shade val="50000"/>
+              </a:schemeClr>
+            </a:lnRef>
+            <a:fillRef idx="1">
+              <a:schemeClr val="accent1"/>
+            </a:fillRef>
+            <a:effectRef idx="0">
+              <a:schemeClr val="accent1"/>
+            </a:effectRef>
+            <a:fontRef idx="minor">
+              <a:schemeClr val="lt1"/>
+            </a:fontRef>
+          </p:style>
+          <p:txBody>
+            <a:bodyPr rtlCol="0" anchor="ctr"/>
+            <a:lstStyle/>
+            <a:p>
+              <a:pPr algn="ctr"/>
+              <a:endParaRPr lang="ko-KR" altLang="en-US"/>
+            </a:p>
+          </p:txBody>
+        </p:sp>
+        <p:cxnSp>
+          <p:nvCxnSpPr>
+            <p:cNvPr id="87" name="직선 연결선 86"/>
+            <p:cNvCxnSpPr>
+              <a:endCxn id="86" idx="5"/>
+            </p:cNvCxnSpPr>
+            <p:nvPr/>
+          </p:nvCxnSpPr>
+          <p:spPr>
+            <a:xfrm flipH="1" flipV="1">
+              <a:off x="5982459" y="2299354"/>
+              <a:ext cx="247653" cy="212198"/>
+            </a:xfrm>
+            <a:prstGeom prst="line">
+              <a:avLst/>
+            </a:prstGeom>
+            <a:ln w="38100">
+              <a:headEnd type="stealth" w="lg" len="lg"/>
+            </a:ln>
+          </p:spPr>
+          <p:style>
+            <a:lnRef idx="1">
+              <a:schemeClr val="accent1"/>
+            </a:lnRef>
+            <a:fillRef idx="0">
+              <a:schemeClr val="accent1"/>
+            </a:fillRef>
+            <a:effectRef idx="0">
+              <a:schemeClr val="accent1"/>
+            </a:effectRef>
+            <a:fontRef idx="minor">
+              <a:schemeClr val="tx1"/>
+            </a:fontRef>
+          </p:style>
+        </p:cxnSp>
+      </p:grpSp>
+      <p:sp>
+        <p:nvSpPr>
+          <p:cNvPr id="88" name="TextBox 87"/>
+          <p:cNvSpPr txBox="1"/>
+          <p:nvPr/>
+        </p:nvSpPr>
+        <p:spPr>
+          <a:xfrm rot="16200000">
+            <a:off x="4528892" y="1780332"/>
+            <a:ext cx="798617" cy="261610"/>
+          </a:xfrm>
+          <a:prstGeom prst="rect">
+            <a:avLst/>
+          </a:prstGeom>
+          <a:noFill/>
+        </p:spPr>
+        <p:txBody>
+          <a:bodyPr wrap="none" rtlCol="0">
+            <a:spAutoFit/>
+          </a:bodyPr>
+          <a:lstStyle/>
+          <a:p>
+            <a:pPr algn="ctr"/>
+            <a:r>
+              <a:rPr lang="ko-KR" altLang="en-US" sz="1100" dirty="0" smtClean="0"/>
+              <a:t>권한 정보</a:t>
+            </a:r>
+            <a:endParaRPr lang="ko-KR" altLang="en-US" sz="1600" dirty="0"/>
+          </a:p>
+        </p:txBody>
+      </p:sp>
+      <p:grpSp>
+        <p:nvGrpSpPr>
+          <p:cNvPr id="89" name="그룹 88"/>
+          <p:cNvGrpSpPr/>
+          <p:nvPr/>
+        </p:nvGrpSpPr>
+        <p:grpSpPr>
+          <a:xfrm rot="13652400">
+            <a:off x="5438395" y="1748951"/>
+            <a:ext cx="465295" cy="429840"/>
+            <a:chOff x="5764817" y="2081712"/>
+            <a:chExt cx="465295" cy="429840"/>
+          </a:xfrm>
+        </p:grpSpPr>
+        <p:sp>
+          <p:nvSpPr>
+            <p:cNvPr id="90" name="타원 89"/>
+            <p:cNvSpPr/>
+            <p:nvPr/>
+          </p:nvSpPr>
+          <p:spPr>
+            <a:xfrm>
+              <a:off x="5764817" y="2081712"/>
+              <a:ext cx="254984" cy="254984"/>
+            </a:xfrm>
+            <a:prstGeom prst="ellipse">
+              <a:avLst/>
+            </a:prstGeom>
+            <a:solidFill>
+              <a:schemeClr val="accent1"/>
+            </a:solidFill>
+            <a:ln w="38100">
+              <a:solidFill>
+                <a:schemeClr val="accent1"/>
+              </a:solidFill>
+            </a:ln>
+          </p:spPr>
+          <p:style>
+            <a:lnRef idx="2">
+              <a:schemeClr val="accent1">
+                <a:shade val="50000"/>
+              </a:schemeClr>
+            </a:lnRef>
+            <a:fillRef idx="1">
+              <a:schemeClr val="accent1"/>
+            </a:fillRef>
+            <a:effectRef idx="0">
+              <a:schemeClr val="accent1"/>
+            </a:effectRef>
+            <a:fontRef idx="minor">
+              <a:schemeClr val="lt1"/>
+            </a:fontRef>
+          </p:style>
+          <p:txBody>
+            <a:bodyPr rtlCol="0" anchor="ctr"/>
+            <a:lstStyle/>
+            <a:p>
+              <a:pPr algn="ctr"/>
+              <a:endParaRPr lang="ko-KR" altLang="en-US"/>
+            </a:p>
+          </p:txBody>
+        </p:sp>
+        <p:cxnSp>
+          <p:nvCxnSpPr>
+            <p:cNvPr id="91" name="직선 연결선 90"/>
+            <p:cNvCxnSpPr>
+              <a:endCxn id="90" idx="5"/>
+            </p:cNvCxnSpPr>
+            <p:nvPr/>
+          </p:nvCxnSpPr>
+          <p:spPr>
+            <a:xfrm flipH="1" flipV="1">
+              <a:off x="5982459" y="2299354"/>
+              <a:ext cx="247653" cy="212198"/>
+            </a:xfrm>
+            <a:prstGeom prst="line">
+              <a:avLst/>
+            </a:prstGeom>
+            <a:ln w="38100">
+              <a:headEnd type="stealth" w="lg" len="lg"/>
+            </a:ln>
+          </p:spPr>
+          <p:style>
+            <a:lnRef idx="1">
+              <a:schemeClr val="accent1"/>
+            </a:lnRef>
+            <a:fillRef idx="0">
+              <a:schemeClr val="accent1"/>
+            </a:fillRef>
+            <a:effectRef idx="0">
+              <a:schemeClr val="accent1"/>
+            </a:effectRef>
+            <a:fontRef idx="minor">
+              <a:schemeClr val="tx1"/>
+            </a:fontRef>
+          </p:style>
+        </p:cxnSp>
+      </p:grpSp>
+      <p:sp>
+        <p:nvSpPr>
+          <p:cNvPr id="92" name="TextBox 91"/>
+          <p:cNvSpPr txBox="1"/>
+          <p:nvPr/>
+        </p:nvSpPr>
+        <p:spPr>
+          <a:xfrm rot="5400000">
+            <a:off x="5452758" y="1909934"/>
+            <a:ext cx="1130439" cy="261610"/>
+          </a:xfrm>
+          <a:prstGeom prst="rect">
+            <a:avLst/>
+          </a:prstGeom>
+          <a:noFill/>
+        </p:spPr>
+        <p:txBody>
+          <a:bodyPr wrap="none" rtlCol="0">
+            <a:spAutoFit/>
+          </a:bodyPr>
+          <a:lstStyle/>
+          <a:p>
+            <a:pPr algn="ctr"/>
+            <a:r>
+              <a:rPr lang="ko-KR" altLang="en-US" sz="1100" dirty="0" smtClean="0"/>
+              <a:t>권한 체크 정보</a:t>
+            </a:r>
+            <a:endParaRPr lang="ko-KR" altLang="en-US" sz="1600" dirty="0"/>
+          </a:p>
+        </p:txBody>
+      </p:sp>
+      <p:grpSp>
+        <p:nvGrpSpPr>
+          <p:cNvPr id="97" name="그룹 96"/>
+          <p:cNvGrpSpPr/>
+          <p:nvPr/>
+        </p:nvGrpSpPr>
+        <p:grpSpPr>
+          <a:xfrm rot="21101436">
+            <a:off x="8843986" y="1863757"/>
+            <a:ext cx="465295" cy="429840"/>
+            <a:chOff x="5764817" y="2081712"/>
+            <a:chExt cx="465295" cy="429840"/>
+          </a:xfrm>
+        </p:grpSpPr>
+        <p:sp>
+          <p:nvSpPr>
+            <p:cNvPr id="98" name="타원 97"/>
+            <p:cNvSpPr/>
+            <p:nvPr/>
+          </p:nvSpPr>
+          <p:spPr>
+            <a:xfrm>
+              <a:off x="5764817" y="2081712"/>
+              <a:ext cx="254984" cy="254984"/>
+            </a:xfrm>
+            <a:prstGeom prst="ellipse">
+              <a:avLst/>
+            </a:prstGeom>
+            <a:solidFill>
+              <a:schemeClr val="accent1"/>
+            </a:solidFill>
+            <a:ln w="38100">
+              <a:solidFill>
+                <a:schemeClr val="accent1"/>
+              </a:solidFill>
+            </a:ln>
+          </p:spPr>
+          <p:style>
+            <a:lnRef idx="2">
+              <a:schemeClr val="accent1">
+                <a:shade val="50000"/>
+              </a:schemeClr>
+            </a:lnRef>
+            <a:fillRef idx="1">
+              <a:schemeClr val="accent1"/>
+            </a:fillRef>
+            <a:effectRef idx="0">
+              <a:schemeClr val="accent1"/>
+            </a:effectRef>
+            <a:fontRef idx="minor">
+              <a:schemeClr val="lt1"/>
+            </a:fontRef>
+          </p:style>
+          <p:txBody>
+            <a:bodyPr rtlCol="0" anchor="ctr"/>
+            <a:lstStyle/>
+            <a:p>
+              <a:pPr algn="ctr"/>
+              <a:endParaRPr lang="ko-KR" altLang="en-US"/>
+            </a:p>
+          </p:txBody>
+        </p:sp>
+        <p:cxnSp>
+          <p:nvCxnSpPr>
+            <p:cNvPr id="99" name="직선 연결선 98"/>
+            <p:cNvCxnSpPr>
+              <a:endCxn id="98" idx="5"/>
+            </p:cNvCxnSpPr>
+            <p:nvPr/>
+          </p:nvCxnSpPr>
+          <p:spPr>
+            <a:xfrm flipH="1" flipV="1">
+              <a:off x="5982459" y="2299354"/>
+              <a:ext cx="247653" cy="212198"/>
+            </a:xfrm>
+            <a:prstGeom prst="line">
+              <a:avLst/>
+            </a:prstGeom>
+            <a:ln w="38100">
+              <a:headEnd type="stealth" w="lg" len="lg"/>
+            </a:ln>
+          </p:spPr>
+          <p:style>
+            <a:lnRef idx="1">
+              <a:schemeClr val="accent1"/>
+            </a:lnRef>
+            <a:fillRef idx="0">
+              <a:schemeClr val="accent1"/>
+            </a:fillRef>
+            <a:effectRef idx="0">
+              <a:schemeClr val="accent1"/>
+            </a:effectRef>
+            <a:fontRef idx="minor">
+              <a:schemeClr val="tx1"/>
+            </a:fontRef>
+          </p:style>
+        </p:cxnSp>
+      </p:grpSp>
+      <p:sp>
+        <p:nvSpPr>
+          <p:cNvPr id="100" name="TextBox 99"/>
+          <p:cNvSpPr txBox="1"/>
+          <p:nvPr/>
+        </p:nvSpPr>
+        <p:spPr>
+          <a:xfrm rot="1750004">
+            <a:off x="8675090" y="1730775"/>
+            <a:ext cx="1130439" cy="261610"/>
+          </a:xfrm>
+          <a:prstGeom prst="rect">
+            <a:avLst/>
+          </a:prstGeom>
+          <a:noFill/>
+        </p:spPr>
+        <p:txBody>
+          <a:bodyPr wrap="none" rtlCol="0">
+            <a:spAutoFit/>
+          </a:bodyPr>
+          <a:lstStyle/>
+          <a:p>
+            <a:pPr algn="ctr"/>
+            <a:r>
+              <a:rPr lang="ko-KR" altLang="en-US" sz="1100" dirty="0" smtClean="0"/>
+              <a:t>권한 체크 정보</a:t>
+            </a:r>
+            <a:endParaRPr lang="ko-KR" altLang="en-US" sz="1600" dirty="0"/>
+          </a:p>
+        </p:txBody>
+      </p:sp>
+      <p:sp>
+        <p:nvSpPr>
+          <p:cNvPr id="101" name="직사각형 100"/>
+          <p:cNvSpPr/>
+          <p:nvPr/>
+        </p:nvSpPr>
+        <p:spPr>
+          <a:xfrm>
+            <a:off x="12029502" y="4994525"/>
+            <a:ext cx="1556992" cy="726131"/>
+          </a:xfrm>
+          <a:prstGeom prst="rect">
+            <a:avLst/>
+          </a:prstGeom>
+          <a:noFill/>
+          <a:ln w="31750">
+            <a:solidFill>
+              <a:schemeClr val="accent1">
+                <a:shade val="50000"/>
+              </a:schemeClr>
+            </a:solidFill>
+          </a:ln>
+        </p:spPr>
+        <p:style>
+          <a:lnRef idx="2">
+            <a:schemeClr val="accent1">
+              <a:shade val="50000"/>
+            </a:schemeClr>
+          </a:lnRef>
+          <a:fillRef idx="1">
+            <a:schemeClr val="accent1"/>
+          </a:fillRef>
+          <a:effectRef idx="0">
+            <a:schemeClr val="accent1"/>
+          </a:effectRef>
+          <a:fontRef idx="minor">
+            <a:schemeClr val="lt1"/>
+          </a:fontRef>
+        </p:style>
+        <p:txBody>
+          <a:bodyPr rtlCol="0" anchor="ctr"/>
+          <a:lstStyle/>
+          <a:p>
+            <a:pPr algn="ctr"/>
+            <a:r>
+              <a:rPr lang="ko-KR" altLang="en-US" sz="1100" dirty="0" smtClean="0">
+                <a:solidFill>
+                  <a:sysClr val="windowText" lastClr="000000"/>
+                </a:solidFill>
+              </a:rPr>
+              <a:t>권한 체크 결과 출력</a:t>
+            </a:r>
+            <a:endParaRPr lang="ko-KR" altLang="en-US" sz="1100" dirty="0">
+              <a:solidFill>
+                <a:sysClr val="windowText" lastClr="000000"/>
+              </a:solidFill>
+            </a:endParaRPr>
+          </a:p>
+        </p:txBody>
+      </p:sp>
+      <p:cxnSp>
+        <p:nvCxnSpPr>
+          <p:cNvPr id="102" name="직선 화살표 연결선 101"/>
+          <p:cNvCxnSpPr>
+            <a:stCxn id="6" idx="2"/>
+            <a:endCxn id="101" idx="0"/>
+          </p:cNvCxnSpPr>
+          <p:nvPr/>
+        </p:nvCxnSpPr>
+        <p:spPr>
+          <a:xfrm>
+            <a:off x="9514448" y="3246765"/>
+            <a:ext cx="3293550" cy="1747760"/>
+          </a:xfrm>
+          <a:prstGeom prst="straightConnector1">
+            <a:avLst/>
+          </a:prstGeom>
+          <a:ln w="38100">
+            <a:headEnd w="lg" len="lg"/>
+            <a:tailEnd type="triangle"/>
+          </a:ln>
+        </p:spPr>
+        <p:style>
+          <a:lnRef idx="1">
+            <a:schemeClr val="accent1"/>
+          </a:lnRef>
+          <a:fillRef idx="0">
+            <a:schemeClr val="accent1"/>
+          </a:fillRef>
+          <a:effectRef idx="0">
+            <a:schemeClr val="accent1"/>
+          </a:effectRef>
+          <a:fontRef idx="minor">
+            <a:schemeClr val="tx1"/>
+          </a:fontRef>
+        </p:style>
+      </p:cxnSp>
+      <p:grpSp>
+        <p:nvGrpSpPr>
+          <p:cNvPr id="108" name="그룹 107"/>
+          <p:cNvGrpSpPr/>
+          <p:nvPr/>
+        </p:nvGrpSpPr>
+        <p:grpSpPr>
+          <a:xfrm rot="21018302">
+            <a:off x="11266510" y="3819678"/>
+            <a:ext cx="465295" cy="429840"/>
+            <a:chOff x="5764817" y="2081712"/>
+            <a:chExt cx="465295" cy="429840"/>
+          </a:xfrm>
+        </p:grpSpPr>
+        <p:sp>
+          <p:nvSpPr>
+            <p:cNvPr id="109" name="타원 108"/>
+            <p:cNvSpPr/>
+            <p:nvPr/>
+          </p:nvSpPr>
+          <p:spPr>
+            <a:xfrm>
+              <a:off x="5764817" y="2081712"/>
+              <a:ext cx="254984" cy="254984"/>
+            </a:xfrm>
+            <a:prstGeom prst="ellipse">
+              <a:avLst/>
+            </a:prstGeom>
+            <a:solidFill>
+              <a:schemeClr val="accent1"/>
+            </a:solidFill>
+            <a:ln w="38100">
+              <a:solidFill>
+                <a:schemeClr val="accent1"/>
+              </a:solidFill>
+            </a:ln>
+          </p:spPr>
+          <p:style>
+            <a:lnRef idx="2">
+              <a:schemeClr val="accent1">
+                <a:shade val="50000"/>
+              </a:schemeClr>
+            </a:lnRef>
+            <a:fillRef idx="1">
+              <a:schemeClr val="accent1"/>
+            </a:fillRef>
+            <a:effectRef idx="0">
+              <a:schemeClr val="accent1"/>
+            </a:effectRef>
+            <a:fontRef idx="minor">
+              <a:schemeClr val="lt1"/>
+            </a:fontRef>
+          </p:style>
+          <p:txBody>
+            <a:bodyPr rtlCol="0" anchor="ctr"/>
+            <a:lstStyle/>
+            <a:p>
+              <a:pPr algn="ctr"/>
+              <a:endParaRPr lang="ko-KR" altLang="en-US"/>
+            </a:p>
+          </p:txBody>
+        </p:sp>
+        <p:cxnSp>
+          <p:nvCxnSpPr>
+            <p:cNvPr id="110" name="직선 연결선 109"/>
+            <p:cNvCxnSpPr>
+              <a:endCxn id="109" idx="5"/>
+            </p:cNvCxnSpPr>
+            <p:nvPr/>
+          </p:nvCxnSpPr>
+          <p:spPr>
+            <a:xfrm flipH="1" flipV="1">
+              <a:off x="5982459" y="2299354"/>
+              <a:ext cx="247653" cy="212198"/>
+            </a:xfrm>
+            <a:prstGeom prst="line">
+              <a:avLst/>
+            </a:prstGeom>
+            <a:ln w="38100">
+              <a:headEnd type="stealth" w="lg" len="lg"/>
+            </a:ln>
+          </p:spPr>
+          <p:style>
+            <a:lnRef idx="1">
+              <a:schemeClr val="accent1"/>
+            </a:lnRef>
+            <a:fillRef idx="0">
+              <a:schemeClr val="accent1"/>
+            </a:fillRef>
+            <a:effectRef idx="0">
+              <a:schemeClr val="accent1"/>
+            </a:effectRef>
+            <a:fontRef idx="minor">
+              <a:schemeClr val="tx1"/>
+            </a:fontRef>
+          </p:style>
+        </p:cxnSp>
+      </p:grpSp>
+      <p:sp>
+        <p:nvSpPr>
+          <p:cNvPr id="111" name="TextBox 110"/>
+          <p:cNvSpPr txBox="1"/>
+          <p:nvPr/>
+        </p:nvSpPr>
+        <p:spPr>
+          <a:xfrm rot="1994022">
+            <a:off x="11174989" y="3744838"/>
+            <a:ext cx="1130439" cy="261610"/>
+          </a:xfrm>
+          <a:prstGeom prst="rect">
+            <a:avLst/>
+          </a:prstGeom>
+          <a:noFill/>
+        </p:spPr>
+        <p:txBody>
+          <a:bodyPr wrap="none" rtlCol="0">
+            <a:spAutoFit/>
+          </a:bodyPr>
+          <a:lstStyle/>
+          <a:p>
+            <a:pPr algn="ctr"/>
+            <a:r>
+              <a:rPr lang="ko-KR" altLang="en-US" sz="1100" dirty="0" smtClean="0"/>
+              <a:t>권한 체크 정보</a:t>
+            </a:r>
+            <a:endParaRPr lang="ko-KR" altLang="en-US" sz="1600" dirty="0"/>
+          </a:p>
+        </p:txBody>
+      </p:sp>
+      <p:grpSp>
+        <p:nvGrpSpPr>
+          <p:cNvPr id="112" name="그룹 111"/>
+          <p:cNvGrpSpPr/>
+          <p:nvPr/>
+        </p:nvGrpSpPr>
+        <p:grpSpPr>
+          <a:xfrm rot="479651">
+            <a:off x="10662498" y="4340372"/>
+            <a:ext cx="465295" cy="429840"/>
+            <a:chOff x="5764817" y="2081712"/>
+            <a:chExt cx="465295" cy="429840"/>
+          </a:xfrm>
+        </p:grpSpPr>
+        <p:sp>
+          <p:nvSpPr>
+            <p:cNvPr id="113" name="타원 112"/>
+            <p:cNvSpPr/>
+            <p:nvPr/>
+          </p:nvSpPr>
+          <p:spPr>
+            <a:xfrm>
+              <a:off x="5764817" y="2081712"/>
+              <a:ext cx="254984" cy="254984"/>
+            </a:xfrm>
+            <a:prstGeom prst="ellipse">
+              <a:avLst/>
+            </a:prstGeom>
+            <a:noFill/>
+            <a:ln w="38100">
+              <a:solidFill>
+                <a:schemeClr val="accent1"/>
+              </a:solidFill>
+            </a:ln>
+          </p:spPr>
+          <p:style>
+            <a:lnRef idx="2">
+              <a:schemeClr val="accent1">
+                <a:shade val="50000"/>
+              </a:schemeClr>
+            </a:lnRef>
+            <a:fillRef idx="1">
+              <a:schemeClr val="accent1"/>
+            </a:fillRef>
+            <a:effectRef idx="0">
+              <a:schemeClr val="accent1"/>
+            </a:effectRef>
+            <a:fontRef idx="minor">
+              <a:schemeClr val="lt1"/>
+            </a:fontRef>
+          </p:style>
+          <p:txBody>
+            <a:bodyPr rtlCol="0" anchor="ctr"/>
+            <a:lstStyle/>
+            <a:p>
+              <a:pPr algn="ctr"/>
+              <a:endParaRPr lang="ko-KR" altLang="en-US"/>
+            </a:p>
+          </p:txBody>
+        </p:sp>
+        <p:cxnSp>
+          <p:nvCxnSpPr>
+            <p:cNvPr id="114" name="직선 연결선 113"/>
+            <p:cNvCxnSpPr>
+              <a:endCxn id="113" idx="5"/>
+            </p:cNvCxnSpPr>
+            <p:nvPr/>
+          </p:nvCxnSpPr>
+          <p:spPr>
+            <a:xfrm flipH="1" flipV="1">
+              <a:off x="5982459" y="2299354"/>
+              <a:ext cx="247653" cy="212198"/>
+            </a:xfrm>
+            <a:prstGeom prst="line">
+              <a:avLst/>
+            </a:prstGeom>
+            <a:ln w="38100">
+              <a:headEnd type="stealth" w="lg" len="lg"/>
+            </a:ln>
+          </p:spPr>
+          <p:style>
+            <a:lnRef idx="1">
+              <a:schemeClr val="accent1"/>
+            </a:lnRef>
+            <a:fillRef idx="0">
+              <a:schemeClr val="accent1"/>
+            </a:fillRef>
+            <a:effectRef idx="0">
+              <a:schemeClr val="accent1"/>
+            </a:effectRef>
+            <a:fontRef idx="minor">
+              <a:schemeClr val="tx1"/>
+            </a:fontRef>
+          </p:style>
+        </p:cxnSp>
+      </p:grpSp>
+      <p:sp>
+        <p:nvSpPr>
+          <p:cNvPr id="115" name="TextBox 114"/>
+          <p:cNvSpPr txBox="1"/>
+          <p:nvPr/>
+        </p:nvSpPr>
+        <p:spPr>
+          <a:xfrm rot="2729697">
+            <a:off x="10682778" y="4197547"/>
+            <a:ext cx="798617" cy="261610"/>
+          </a:xfrm>
+          <a:prstGeom prst="rect">
+            <a:avLst/>
+          </a:prstGeom>
+          <a:noFill/>
+        </p:spPr>
+        <p:txBody>
+          <a:bodyPr wrap="none" rtlCol="0">
+            <a:spAutoFit/>
+          </a:bodyPr>
+          <a:lstStyle/>
+          <a:p>
+            <a:r>
+              <a:rPr lang="ko-KR" altLang="en-US" sz="1100" dirty="0"/>
+              <a:t>삭제 결과</a:t>
+            </a:r>
+            <a:endParaRPr lang="ko-KR" altLang="en-US" sz="1600" dirty="0"/>
+          </a:p>
+        </p:txBody>
+      </p:sp>
+      <p:grpSp>
+        <p:nvGrpSpPr>
+          <p:cNvPr id="116" name="그룹 115"/>
+          <p:cNvGrpSpPr/>
+          <p:nvPr/>
+        </p:nvGrpSpPr>
+        <p:grpSpPr>
+          <a:xfrm rot="20532059">
+            <a:off x="7770092" y="1346444"/>
+            <a:ext cx="465295" cy="429840"/>
+            <a:chOff x="5764817" y="2081712"/>
+            <a:chExt cx="465295" cy="429840"/>
+          </a:xfrm>
+        </p:grpSpPr>
+        <p:sp>
+          <p:nvSpPr>
+            <p:cNvPr id="117" name="타원 116"/>
+            <p:cNvSpPr/>
+            <p:nvPr/>
+          </p:nvSpPr>
+          <p:spPr>
+            <a:xfrm>
+              <a:off x="5764817" y="2081712"/>
+              <a:ext cx="254984" cy="254984"/>
+            </a:xfrm>
+            <a:prstGeom prst="ellipse">
+              <a:avLst/>
+            </a:prstGeom>
+            <a:solidFill>
+              <a:schemeClr val="accent1"/>
+            </a:solidFill>
+            <a:ln w="38100">
+              <a:solidFill>
+                <a:schemeClr val="accent1"/>
+              </a:solidFill>
+            </a:ln>
+          </p:spPr>
+          <p:style>
+            <a:lnRef idx="2">
+              <a:schemeClr val="accent1">
+                <a:shade val="50000"/>
+              </a:schemeClr>
+            </a:lnRef>
+            <a:fillRef idx="1">
+              <a:schemeClr val="accent1"/>
+            </a:fillRef>
+            <a:effectRef idx="0">
+              <a:schemeClr val="accent1"/>
+            </a:effectRef>
+            <a:fontRef idx="minor">
+              <a:schemeClr val="lt1"/>
+            </a:fontRef>
+          </p:style>
+          <p:txBody>
+            <a:bodyPr rtlCol="0" anchor="ctr"/>
+            <a:lstStyle/>
+            <a:p>
+              <a:pPr algn="ctr"/>
+              <a:endParaRPr lang="ko-KR" altLang="en-US"/>
+            </a:p>
+          </p:txBody>
+        </p:sp>
+        <p:cxnSp>
+          <p:nvCxnSpPr>
+            <p:cNvPr id="118" name="직선 연결선 117"/>
+            <p:cNvCxnSpPr>
+              <a:endCxn id="117" idx="5"/>
+            </p:cNvCxnSpPr>
+            <p:nvPr/>
+          </p:nvCxnSpPr>
+          <p:spPr>
+            <a:xfrm flipH="1" flipV="1">
+              <a:off x="5982459" y="2299354"/>
+              <a:ext cx="247653" cy="212198"/>
+            </a:xfrm>
+            <a:prstGeom prst="line">
+              <a:avLst/>
+            </a:prstGeom>
+            <a:ln w="38100">
+              <a:headEnd type="stealth" w="lg" len="lg"/>
+            </a:ln>
+          </p:spPr>
+          <p:style>
+            <a:lnRef idx="1">
+              <a:schemeClr val="accent1"/>
+            </a:lnRef>
+            <a:fillRef idx="0">
+              <a:schemeClr val="accent1"/>
+            </a:fillRef>
+            <a:effectRef idx="0">
+              <a:schemeClr val="accent1"/>
+            </a:effectRef>
+            <a:fontRef idx="minor">
+              <a:schemeClr val="tx1"/>
+            </a:fontRef>
+          </p:style>
+        </p:cxnSp>
+      </p:grpSp>
+      <p:sp>
+        <p:nvSpPr>
+          <p:cNvPr id="119" name="TextBox 118"/>
+          <p:cNvSpPr txBox="1"/>
+          <p:nvPr/>
+        </p:nvSpPr>
+        <p:spPr>
+          <a:xfrm rot="1670708">
+            <a:off x="7577022" y="1046270"/>
+            <a:ext cx="1180130" cy="430887"/>
+          </a:xfrm>
+          <a:prstGeom prst="rect">
+            <a:avLst/>
+          </a:prstGeom>
+          <a:noFill/>
+        </p:spPr>
+        <p:txBody>
+          <a:bodyPr wrap="none" rtlCol="0">
+            <a:spAutoFit/>
+          </a:bodyPr>
+          <a:lstStyle/>
+          <a:p>
+            <a:pPr algn="ctr"/>
+            <a:r>
+              <a:rPr lang="ko-KR" altLang="en-US" sz="1100" dirty="0"/>
+              <a:t>강의 평가 질문 </a:t>
+            </a:r>
+            <a:endParaRPr lang="en-US" altLang="ko-KR" sz="1100" dirty="0" smtClean="0"/>
+          </a:p>
+          <a:p>
+            <a:pPr algn="ctr"/>
+            <a:r>
+              <a:rPr lang="ko-KR" altLang="en-US" sz="1100" dirty="0" smtClean="0"/>
+              <a:t>삭제 </a:t>
+            </a:r>
+            <a:r>
+              <a:rPr lang="ko-KR" altLang="en-US" sz="1100" dirty="0"/>
+              <a:t>성공 여부</a:t>
+            </a:r>
+            <a:endParaRPr lang="ko-KR" altLang="en-US" sz="1600" dirty="0"/>
+          </a:p>
+        </p:txBody>
+      </p:sp>
+      <p:grpSp>
+        <p:nvGrpSpPr>
+          <p:cNvPr id="120" name="그룹 119"/>
+          <p:cNvGrpSpPr/>
+          <p:nvPr/>
+        </p:nvGrpSpPr>
+        <p:grpSpPr>
+          <a:xfrm rot="16827953">
+            <a:off x="1304368" y="3970113"/>
+            <a:ext cx="465295" cy="429840"/>
+            <a:chOff x="5764817" y="2081712"/>
+            <a:chExt cx="465295" cy="429840"/>
+          </a:xfrm>
+        </p:grpSpPr>
+        <p:sp>
+          <p:nvSpPr>
+            <p:cNvPr id="121" name="타원 120"/>
+            <p:cNvSpPr/>
+            <p:nvPr/>
+          </p:nvSpPr>
+          <p:spPr>
+            <a:xfrm>
+              <a:off x="5764817" y="2081712"/>
+              <a:ext cx="254984" cy="254984"/>
+            </a:xfrm>
+            <a:prstGeom prst="ellipse">
+              <a:avLst/>
+            </a:prstGeom>
+            <a:noFill/>
+            <a:ln w="38100">
+              <a:solidFill>
+                <a:schemeClr val="accent1"/>
+              </a:solidFill>
+            </a:ln>
+          </p:spPr>
+          <p:style>
+            <a:lnRef idx="2">
+              <a:schemeClr val="accent1">
+                <a:shade val="50000"/>
+              </a:schemeClr>
+            </a:lnRef>
+            <a:fillRef idx="1">
+              <a:schemeClr val="accent1"/>
+            </a:fillRef>
+            <a:effectRef idx="0">
+              <a:schemeClr val="accent1"/>
+            </a:effectRef>
+            <a:fontRef idx="minor">
+              <a:schemeClr val="lt1"/>
+            </a:fontRef>
+          </p:style>
+          <p:txBody>
+            <a:bodyPr rtlCol="0" anchor="ctr"/>
+            <a:lstStyle/>
+            <a:p>
+              <a:pPr algn="ctr"/>
+              <a:endParaRPr lang="ko-KR" altLang="en-US"/>
+            </a:p>
+          </p:txBody>
+        </p:sp>
+        <p:cxnSp>
+          <p:nvCxnSpPr>
+            <p:cNvPr id="122" name="직선 연결선 121"/>
+            <p:cNvCxnSpPr>
+              <a:endCxn id="121" idx="5"/>
+            </p:cNvCxnSpPr>
+            <p:nvPr/>
+          </p:nvCxnSpPr>
+          <p:spPr>
+            <a:xfrm flipH="1" flipV="1">
+              <a:off x="5982459" y="2299354"/>
+              <a:ext cx="247653" cy="212198"/>
+            </a:xfrm>
+            <a:prstGeom prst="line">
+              <a:avLst/>
+            </a:prstGeom>
+            <a:ln w="38100">
+              <a:headEnd type="stealth" w="lg" len="lg"/>
+            </a:ln>
+          </p:spPr>
+          <p:style>
+            <a:lnRef idx="1">
+              <a:schemeClr val="accent1"/>
+            </a:lnRef>
+            <a:fillRef idx="0">
+              <a:schemeClr val="accent1"/>
+            </a:fillRef>
+            <a:effectRef idx="0">
+              <a:schemeClr val="accent1"/>
+            </a:effectRef>
+            <a:fontRef idx="minor">
+              <a:schemeClr val="tx1"/>
+            </a:fontRef>
+          </p:style>
+        </p:cxnSp>
+      </p:grpSp>
+      <p:sp>
+        <p:nvSpPr>
+          <p:cNvPr id="123" name="TextBox 122"/>
+          <p:cNvSpPr txBox="1"/>
+          <p:nvPr/>
+        </p:nvSpPr>
+        <p:spPr>
+          <a:xfrm rot="19142948">
+            <a:off x="336061" y="3841948"/>
+            <a:ext cx="2064041" cy="261610"/>
+          </a:xfrm>
+          <a:prstGeom prst="rect">
+            <a:avLst/>
+          </a:prstGeom>
+          <a:noFill/>
+        </p:spPr>
+        <p:txBody>
+          <a:bodyPr wrap="square" rtlCol="0">
+            <a:spAutoFit/>
+          </a:bodyPr>
+          <a:lstStyle/>
+          <a:p>
+            <a:r>
+              <a:rPr lang="ko-KR" altLang="en-US" sz="1100" dirty="0" smtClean="0"/>
+              <a:t>강의평가 질문 삭제 대상 정보</a:t>
+            </a:r>
+            <a:endParaRPr lang="ko-KR" altLang="en-US" sz="1600" dirty="0"/>
+          </a:p>
+        </p:txBody>
+      </p:sp>
+      <p:grpSp>
+        <p:nvGrpSpPr>
+          <p:cNvPr id="124" name="그룹 123"/>
+          <p:cNvGrpSpPr/>
+          <p:nvPr/>
+        </p:nvGrpSpPr>
+        <p:grpSpPr>
+          <a:xfrm rot="17411251">
+            <a:off x="3759862" y="3976332"/>
+            <a:ext cx="465295" cy="429840"/>
+            <a:chOff x="5764817" y="2081712"/>
+            <a:chExt cx="465295" cy="429840"/>
+          </a:xfrm>
+        </p:grpSpPr>
+        <p:sp>
+          <p:nvSpPr>
+            <p:cNvPr id="125" name="타원 124"/>
+            <p:cNvSpPr/>
+            <p:nvPr/>
+          </p:nvSpPr>
+          <p:spPr>
+            <a:xfrm>
+              <a:off x="5764817" y="2081712"/>
+              <a:ext cx="254984" cy="254984"/>
+            </a:xfrm>
+            <a:prstGeom prst="ellipse">
+              <a:avLst/>
+            </a:prstGeom>
+            <a:noFill/>
+            <a:ln w="38100">
+              <a:solidFill>
+                <a:schemeClr val="accent1"/>
+              </a:solidFill>
+            </a:ln>
+          </p:spPr>
+          <p:style>
+            <a:lnRef idx="2">
+              <a:schemeClr val="accent1">
+                <a:shade val="50000"/>
+              </a:schemeClr>
+            </a:lnRef>
+            <a:fillRef idx="1">
+              <a:schemeClr val="accent1"/>
+            </a:fillRef>
+            <a:effectRef idx="0">
+              <a:schemeClr val="accent1"/>
+            </a:effectRef>
+            <a:fontRef idx="minor">
+              <a:schemeClr val="lt1"/>
+            </a:fontRef>
+          </p:style>
+          <p:txBody>
+            <a:bodyPr rtlCol="0" anchor="ctr"/>
+            <a:lstStyle/>
+            <a:p>
+              <a:pPr algn="ctr"/>
+              <a:endParaRPr lang="ko-KR" altLang="en-US"/>
+            </a:p>
+          </p:txBody>
+        </p:sp>
+        <p:cxnSp>
+          <p:nvCxnSpPr>
+            <p:cNvPr id="126" name="직선 연결선 125"/>
+            <p:cNvCxnSpPr>
+              <a:endCxn id="125" idx="5"/>
+            </p:cNvCxnSpPr>
+            <p:nvPr/>
+          </p:nvCxnSpPr>
+          <p:spPr>
+            <a:xfrm flipH="1" flipV="1">
+              <a:off x="5982459" y="2299354"/>
+              <a:ext cx="247653" cy="212198"/>
+            </a:xfrm>
+            <a:prstGeom prst="line">
+              <a:avLst/>
+            </a:prstGeom>
+            <a:ln w="38100">
+              <a:headEnd type="stealth" w="lg" len="lg"/>
+            </a:ln>
+          </p:spPr>
+          <p:style>
+            <a:lnRef idx="1">
+              <a:schemeClr val="accent1"/>
+            </a:lnRef>
+            <a:fillRef idx="0">
+              <a:schemeClr val="accent1"/>
+            </a:fillRef>
+            <a:effectRef idx="0">
+              <a:schemeClr val="accent1"/>
+            </a:effectRef>
+            <a:fontRef idx="minor">
+              <a:schemeClr val="tx1"/>
+            </a:fontRef>
+          </p:style>
+        </p:cxnSp>
+      </p:grpSp>
+      <p:sp>
+        <p:nvSpPr>
+          <p:cNvPr id="127" name="TextBox 126"/>
+          <p:cNvSpPr txBox="1"/>
+          <p:nvPr/>
+        </p:nvSpPr>
+        <p:spPr>
+          <a:xfrm rot="19681464">
+            <a:off x="2858335" y="3821073"/>
+            <a:ext cx="2064041" cy="261610"/>
+          </a:xfrm>
+          <a:prstGeom prst="rect">
+            <a:avLst/>
+          </a:prstGeom>
+          <a:noFill/>
+        </p:spPr>
+        <p:txBody>
+          <a:bodyPr wrap="square" rtlCol="0">
+            <a:spAutoFit/>
+          </a:bodyPr>
+          <a:lstStyle/>
+          <a:p>
+            <a:r>
+              <a:rPr lang="ko-KR" altLang="en-US" sz="1100" dirty="0" smtClean="0"/>
+              <a:t>강의평가 질문 리스트 정보</a:t>
+            </a:r>
+            <a:endParaRPr lang="ko-KR" altLang="en-US" sz="1600" dirty="0"/>
+          </a:p>
+        </p:txBody>
+      </p:sp>
+      <p:sp>
+        <p:nvSpPr>
+          <p:cNvPr id="139" name="직사각형 138"/>
+          <p:cNvSpPr/>
+          <p:nvPr/>
+        </p:nvSpPr>
+        <p:spPr>
+          <a:xfrm>
+            <a:off x="8556386" y="4994524"/>
+            <a:ext cx="1556992" cy="726131"/>
+          </a:xfrm>
+          <a:prstGeom prst="rect">
+            <a:avLst/>
+          </a:prstGeom>
+          <a:noFill/>
+          <a:ln w="31750">
+            <a:solidFill>
+              <a:schemeClr val="accent1">
+                <a:shade val="50000"/>
+              </a:schemeClr>
+            </a:solidFill>
+          </a:ln>
+        </p:spPr>
+        <p:style>
+          <a:lnRef idx="2">
+            <a:schemeClr val="accent1">
+              <a:shade val="50000"/>
+            </a:schemeClr>
+          </a:lnRef>
+          <a:fillRef idx="1">
+            <a:schemeClr val="accent1"/>
+          </a:fillRef>
+          <a:effectRef idx="0">
+            <a:schemeClr val="accent1"/>
+          </a:effectRef>
+          <a:fontRef idx="minor">
+            <a:schemeClr val="lt1"/>
+          </a:fontRef>
+        </p:style>
+        <p:txBody>
+          <a:bodyPr rtlCol="0" anchor="ctr"/>
+          <a:lstStyle/>
+          <a:p>
+            <a:pPr algn="ctr"/>
+            <a:r>
+              <a:rPr lang="ko-KR" altLang="en-US" sz="1100" dirty="0">
+                <a:solidFill>
+                  <a:sysClr val="windowText" lastClr="000000"/>
+                </a:solidFill>
+              </a:rPr>
+              <a:t>강의평가 </a:t>
+            </a:r>
+            <a:r>
+              <a:rPr lang="ko-KR" altLang="en-US" sz="1100" dirty="0" smtClean="0">
+                <a:solidFill>
+                  <a:sysClr val="windowText" lastClr="000000"/>
+                </a:solidFill>
+              </a:rPr>
+              <a:t>질문 리스트</a:t>
+            </a:r>
+            <a:r>
+              <a:rPr lang="en-US" altLang="ko-KR" sz="1100" dirty="0" smtClean="0">
+                <a:solidFill>
+                  <a:sysClr val="windowText" lastClr="000000"/>
+                </a:solidFill>
+              </a:rPr>
+              <a:t> </a:t>
+            </a:r>
+            <a:r>
+              <a:rPr lang="ko-KR" altLang="en-US" sz="1100" dirty="0" smtClean="0">
+                <a:solidFill>
+                  <a:sysClr val="windowText" lastClr="000000"/>
+                </a:solidFill>
+              </a:rPr>
+              <a:t>정보 읽음</a:t>
+            </a:r>
+            <a:endParaRPr lang="ko-KR" altLang="en-US" sz="1100" dirty="0">
+              <a:solidFill>
+                <a:sysClr val="windowText" lastClr="000000"/>
+              </a:solidFill>
+            </a:endParaRPr>
+          </a:p>
+        </p:txBody>
+      </p:sp>
+      <p:cxnSp>
+        <p:nvCxnSpPr>
+          <p:cNvPr id="140" name="직선 화살표 연결선 139"/>
+          <p:cNvCxnSpPr>
+            <a:stCxn id="7" idx="2"/>
+            <a:endCxn id="139" idx="0"/>
+          </p:cNvCxnSpPr>
+          <p:nvPr/>
+        </p:nvCxnSpPr>
+        <p:spPr>
+          <a:xfrm>
+            <a:off x="6220898" y="3246766"/>
+            <a:ext cx="3113984" cy="1747758"/>
+          </a:xfrm>
+          <a:prstGeom prst="straightConnector1">
+            <a:avLst/>
+          </a:prstGeom>
+          <a:ln w="38100">
+            <a:headEnd w="lg" len="lg"/>
+            <a:tailEnd type="triangle"/>
+          </a:ln>
+        </p:spPr>
+        <p:style>
+          <a:lnRef idx="1">
+            <a:schemeClr val="accent1"/>
+          </a:lnRef>
+          <a:fillRef idx="0">
+            <a:schemeClr val="accent1"/>
+          </a:fillRef>
+          <a:effectRef idx="0">
+            <a:schemeClr val="accent1"/>
+          </a:effectRef>
+          <a:fontRef idx="minor">
+            <a:schemeClr val="tx1"/>
+          </a:fontRef>
+        </p:style>
+      </p:cxnSp>
+      <p:grpSp>
+        <p:nvGrpSpPr>
+          <p:cNvPr id="141" name="그룹 140"/>
+          <p:cNvGrpSpPr/>
+          <p:nvPr/>
+        </p:nvGrpSpPr>
+        <p:grpSpPr>
+          <a:xfrm rot="10598248">
+            <a:off x="7847793" y="3853777"/>
+            <a:ext cx="465295" cy="429840"/>
+            <a:chOff x="5764817" y="2081712"/>
+            <a:chExt cx="465295" cy="429840"/>
+          </a:xfrm>
+        </p:grpSpPr>
+        <p:sp>
+          <p:nvSpPr>
+            <p:cNvPr id="142" name="타원 141"/>
+            <p:cNvSpPr/>
+            <p:nvPr/>
+          </p:nvSpPr>
+          <p:spPr>
+            <a:xfrm>
+              <a:off x="5764817" y="2081712"/>
+              <a:ext cx="254984" cy="254984"/>
+            </a:xfrm>
+            <a:prstGeom prst="ellipse">
+              <a:avLst/>
+            </a:prstGeom>
+            <a:noFill/>
+            <a:ln w="38100">
+              <a:solidFill>
+                <a:schemeClr val="accent1"/>
+              </a:solidFill>
+            </a:ln>
+          </p:spPr>
+          <p:style>
+            <a:lnRef idx="2">
+              <a:schemeClr val="accent1">
+                <a:shade val="50000"/>
+              </a:schemeClr>
+            </a:lnRef>
+            <a:fillRef idx="1">
+              <a:schemeClr val="accent1"/>
+            </a:fillRef>
+            <a:effectRef idx="0">
+              <a:schemeClr val="accent1"/>
+            </a:effectRef>
+            <a:fontRef idx="minor">
+              <a:schemeClr val="lt1"/>
+            </a:fontRef>
+          </p:style>
+          <p:txBody>
+            <a:bodyPr rtlCol="0" anchor="ctr"/>
+            <a:lstStyle/>
+            <a:p>
+              <a:pPr algn="ctr"/>
+              <a:endParaRPr lang="ko-KR" altLang="en-US"/>
+            </a:p>
+          </p:txBody>
+        </p:sp>
+        <p:cxnSp>
+          <p:nvCxnSpPr>
+            <p:cNvPr id="143" name="직선 연결선 142"/>
+            <p:cNvCxnSpPr>
+              <a:endCxn id="142" idx="5"/>
+            </p:cNvCxnSpPr>
+            <p:nvPr/>
+          </p:nvCxnSpPr>
+          <p:spPr>
+            <a:xfrm flipH="1" flipV="1">
+              <a:off x="5982459" y="2299354"/>
+              <a:ext cx="247653" cy="212198"/>
+            </a:xfrm>
+            <a:prstGeom prst="line">
+              <a:avLst/>
+            </a:prstGeom>
+            <a:ln w="38100">
+              <a:headEnd type="stealth" w="lg" len="lg"/>
+            </a:ln>
+          </p:spPr>
+          <p:style>
+            <a:lnRef idx="1">
+              <a:schemeClr val="accent1"/>
+            </a:lnRef>
+            <a:fillRef idx="0">
+              <a:schemeClr val="accent1"/>
+            </a:fillRef>
+            <a:effectRef idx="0">
+              <a:schemeClr val="accent1"/>
+            </a:effectRef>
+            <a:fontRef idx="minor">
+              <a:schemeClr val="tx1"/>
+            </a:fontRef>
+          </p:style>
+        </p:cxnSp>
+      </p:grpSp>
+      <p:sp>
+        <p:nvSpPr>
+          <p:cNvPr id="144" name="TextBox 143"/>
+          <p:cNvSpPr txBox="1"/>
+          <p:nvPr/>
+        </p:nvSpPr>
+        <p:spPr>
+          <a:xfrm rot="1774582">
+            <a:off x="7636780" y="3565658"/>
+            <a:ext cx="1215277" cy="430887"/>
+          </a:xfrm>
+          <a:prstGeom prst="rect">
+            <a:avLst/>
+          </a:prstGeom>
+          <a:noFill/>
+        </p:spPr>
+        <p:txBody>
+          <a:bodyPr wrap="square" rtlCol="0">
+            <a:spAutoFit/>
+          </a:bodyPr>
+          <a:lstStyle/>
+          <a:p>
+            <a:pPr algn="ctr"/>
+            <a:r>
+              <a:rPr lang="ko-KR" altLang="en-US" sz="1100" dirty="0" smtClean="0"/>
+              <a:t>강의평가 질문</a:t>
+            </a:r>
+            <a:endParaRPr lang="en-US" altLang="ko-KR" sz="1100" dirty="0" smtClean="0"/>
+          </a:p>
+          <a:p>
+            <a:pPr algn="ctr"/>
+            <a:r>
+              <a:rPr lang="ko-KR" altLang="en-US" sz="1100" dirty="0" smtClean="0"/>
+              <a:t> 리스트 정보</a:t>
+            </a:r>
+            <a:endParaRPr lang="ko-KR" altLang="en-US" sz="1600" dirty="0"/>
+          </a:p>
+        </p:txBody>
+      </p:sp>
     </p:spTree>
     <p:extLst>
       <p:ext uri="{BB962C8B-B14F-4D97-AF65-F5344CB8AC3E}">
-        <p14:creationId xmlns:p14="http://schemas.microsoft.com/office/powerpoint/2010/main" val="2621486014"/>
+        <p14:creationId xmlns:p14="http://schemas.microsoft.com/office/powerpoint/2010/main" val="630437929"/>
       </p:ext>
     </p:extLst>
   </p:cSld>
   <p:clrMapOvr>
     <a:masterClrMapping/>
   </p:clrMapOvr>
-  <p:timing>
-    <p:tnLst>
-      <p:par>
-        <p:cTn id="1" dur="indefinite" restart="never" nodeType="tmRoot"/>
-      </p:par>
-    </p:tnLst>
-  </p:timing>
 </p:sld>
 </file>
 

--- a/SDD 관련 자료/작업 결과물/프로그램 구조도(트랜스폼, 트랜젝션)/강의평가 질문 삭제.pptx
+++ b/SDD 관련 자료/작업 결과물/프로그램 구조도(트랜스폼, 트랜젝션)/강의평가 질문 삭제.pptx
@@ -3066,15 +3066,7 @@
                   <a:schemeClr val="tx1"/>
                 </a:solidFill>
               </a:rPr>
-              <a:t>강의평가 질문 삭제 </a:t>
-            </a:r>
-            <a:r>
-              <a:rPr lang="ko-KR" altLang="en-US" sz="1100" dirty="0" smtClean="0">
-                <a:solidFill>
-                  <a:schemeClr val="tx1"/>
-                </a:solidFill>
-              </a:rPr>
-              <a:t>입력</a:t>
+              <a:t>강의평가 질문 삭제 입력</a:t>
             </a:r>
             <a:endParaRPr lang="en-US" altLang="ko-KR" sz="1100" dirty="0">
               <a:solidFill>
@@ -3142,15 +3134,7 @@
                   <a:schemeClr val="tx1"/>
                 </a:solidFill>
               </a:rPr>
-              <a:t>삭제 </a:t>
-            </a:r>
-            <a:r>
-              <a:rPr lang="ko-KR" altLang="en-US" sz="1100" dirty="0" smtClean="0">
-                <a:solidFill>
-                  <a:schemeClr val="tx1"/>
-                </a:solidFill>
-              </a:rPr>
-              <a:t>출력</a:t>
+              <a:t>삭제 출력</a:t>
             </a:r>
             <a:endParaRPr lang="en-US" altLang="ko-KR" sz="1100" dirty="0">
               <a:solidFill>
@@ -3749,7 +3733,7 @@
         </p:nvSpPr>
         <p:spPr>
           <a:xfrm>
-            <a:off x="124887" y="5003398"/>
+            <a:off x="58786" y="6247249"/>
             <a:ext cx="1556992" cy="726131"/>
           </a:xfrm>
           <a:prstGeom prst="rect">
@@ -3836,7 +3820,7 @@
         </p:nvSpPr>
         <p:spPr>
           <a:xfrm>
-            <a:off x="2148852" y="5003399"/>
+            <a:off x="2082751" y="6247250"/>
             <a:ext cx="1556992" cy="726131"/>
           </a:xfrm>
           <a:prstGeom prst="rect">
@@ -3920,7 +3904,7 @@
         </p:nvSpPr>
         <p:spPr>
           <a:xfrm>
-            <a:off x="4172817" y="5003397"/>
+            <a:off x="4106716" y="6247248"/>
             <a:ext cx="1556992" cy="726131"/>
           </a:xfrm>
           <a:prstGeom prst="rect">
@@ -3983,8 +3967,8 @@
         </p:nvCxnSpPr>
         <p:spPr>
           <a:xfrm flipH="1">
-            <a:off x="903383" y="3186172"/>
-            <a:ext cx="2023965" cy="1817226"/>
+            <a:off x="837282" y="3186172"/>
+            <a:ext cx="2090066" cy="3061077"/>
           </a:xfrm>
           <a:prstGeom prst="straightConnector1">
             <a:avLst/>
@@ -4020,8 +4004,8 @@
         </p:nvCxnSpPr>
         <p:spPr>
           <a:xfrm flipH="1">
-            <a:off x="2927348" y="3246766"/>
-            <a:ext cx="3293550" cy="1756633"/>
+            <a:off x="2861247" y="3246766"/>
+            <a:ext cx="3359651" cy="3000484"/>
           </a:xfrm>
           <a:prstGeom prst="straightConnector1">
             <a:avLst/>
@@ -4057,8 +4041,8 @@
         </p:nvCxnSpPr>
         <p:spPr>
           <a:xfrm flipH="1">
-            <a:off x="4951313" y="3246766"/>
-            <a:ext cx="1269585" cy="1756631"/>
+            <a:off x="4885212" y="3246766"/>
+            <a:ext cx="1335686" cy="3000482"/>
           </a:xfrm>
           <a:prstGeom prst="straightConnector1">
             <a:avLst/>
@@ -4091,7 +4075,7 @@
         </p:nvSpPr>
         <p:spPr>
           <a:xfrm>
-            <a:off x="6674820" y="5003396"/>
+            <a:off x="6608719" y="6247247"/>
             <a:ext cx="1556992" cy="726131"/>
           </a:xfrm>
           <a:prstGeom prst="rect">
@@ -4163,7 +4147,7 @@
         <p:spPr>
           <a:xfrm>
             <a:off x="6220898" y="3246766"/>
-            <a:ext cx="1232418" cy="1756630"/>
+            <a:ext cx="1166317" cy="3000481"/>
           </a:xfrm>
           <a:prstGeom prst="straightConnector1">
             <a:avLst/>
@@ -4196,7 +4180,7 @@
         </p:nvSpPr>
         <p:spPr>
           <a:xfrm>
-            <a:off x="10292944" y="5003396"/>
+            <a:off x="10226843" y="6247247"/>
             <a:ext cx="1556992" cy="726131"/>
           </a:xfrm>
           <a:prstGeom prst="rect">
@@ -4260,7 +4244,7 @@
         <p:spPr>
           <a:xfrm>
             <a:off x="9514448" y="3246765"/>
-            <a:ext cx="1556992" cy="1756631"/>
+            <a:ext cx="1490891" cy="3000482"/>
           </a:xfrm>
           <a:prstGeom prst="straightConnector1">
             <a:avLst/>
@@ -4292,8 +4276,8 @@
           <p:nvPr/>
         </p:nvGrpSpPr>
         <p:grpSpPr>
-          <a:xfrm rot="653509">
-            <a:off x="6499566" y="4085675"/>
+          <a:xfrm rot="1230109">
+            <a:off x="6751756" y="5626822"/>
             <a:ext cx="465295" cy="429840"/>
             <a:chOff x="5764817" y="2081712"/>
             <a:chExt cx="465295" cy="429840"/>
@@ -4388,8 +4372,8 @@
           <p:nvPr/>
         </p:nvSpPr>
         <p:spPr>
-          <a:xfrm rot="13966810">
-            <a:off x="5773139" y="4171163"/>
+          <a:xfrm rot="14426611">
+            <a:off x="5947363" y="5503640"/>
             <a:ext cx="1221809" cy="430887"/>
           </a:xfrm>
           <a:prstGeom prst="rect">
@@ -4428,7 +4412,7 @@
         </p:nvGrpSpPr>
         <p:grpSpPr>
           <a:xfrm rot="11419210">
-            <a:off x="7222584" y="4336775"/>
+            <a:off x="7070416" y="5202721"/>
             <a:ext cx="465295" cy="429840"/>
             <a:chOff x="5764817" y="2081712"/>
             <a:chExt cx="465295" cy="429840"/>
@@ -4526,7 +4510,7 @@
         </p:nvSpPr>
         <p:spPr>
           <a:xfrm rot="3166810">
-            <a:off x="7076169" y="4288608"/>
+            <a:off x="6924001" y="5154554"/>
             <a:ext cx="1180130" cy="430887"/>
           </a:xfrm>
           <a:prstGeom prst="rect">
@@ -4569,7 +4553,7 @@
         </p:nvGrpSpPr>
         <p:grpSpPr>
           <a:xfrm rot="5224410">
-            <a:off x="4896364" y="4108719"/>
+            <a:off x="3850201" y="5545382"/>
             <a:ext cx="465295" cy="429840"/>
             <a:chOff x="5764817" y="2081712"/>
             <a:chExt cx="465295" cy="429840"/>
@@ -4665,7 +4649,7 @@
         </p:nvSpPr>
         <p:spPr>
           <a:xfrm rot="18537711">
-            <a:off x="4524774" y="4031748"/>
+            <a:off x="3478611" y="5468411"/>
             <a:ext cx="798617" cy="261610"/>
           </a:xfrm>
           <a:prstGeom prst="rect">
@@ -4696,7 +4680,7 @@
         </p:nvGrpSpPr>
         <p:grpSpPr>
           <a:xfrm rot="15990111">
-            <a:off x="5402306" y="4231626"/>
+            <a:off x="4881279" y="5096007"/>
             <a:ext cx="465295" cy="429840"/>
             <a:chOff x="5764817" y="2081712"/>
             <a:chExt cx="465295" cy="429840"/>
@@ -4794,7 +4778,7 @@
         </p:nvSpPr>
         <p:spPr>
           <a:xfrm rot="18633785">
-            <a:off x="5335699" y="4446320"/>
+            <a:off x="4385380" y="4980226"/>
             <a:ext cx="848309" cy="430887"/>
           </a:xfrm>
           <a:prstGeom prst="rect">
@@ -5218,7 +5202,7 @@
         </p:nvSpPr>
         <p:spPr>
           <a:xfrm>
-            <a:off x="12029502" y="4994525"/>
+            <a:off x="11963401" y="6238376"/>
             <a:ext cx="1556992" cy="726131"/>
           </a:xfrm>
           <a:prstGeom prst="rect">
@@ -5282,7 +5266,7 @@
         <p:spPr>
           <a:xfrm>
             <a:off x="9514448" y="3246765"/>
-            <a:ext cx="3293550" cy="1747760"/>
+            <a:ext cx="3227449" cy="2991611"/>
           </a:xfrm>
           <a:prstGeom prst="straightConnector1">
             <a:avLst/>
@@ -5315,7 +5299,7 @@
         </p:nvGrpSpPr>
         <p:grpSpPr>
           <a:xfrm rot="21018302">
-            <a:off x="11266510" y="3819678"/>
+            <a:off x="10998737" y="4242140"/>
             <a:ext cx="465295" cy="429840"/>
             <a:chOff x="5764817" y="2081712"/>
             <a:chExt cx="465295" cy="429840"/>
@@ -5413,7 +5397,7 @@
         </p:nvSpPr>
         <p:spPr>
           <a:xfrm rot="1994022">
-            <a:off x="11174989" y="3744838"/>
+            <a:off x="10907216" y="4167300"/>
             <a:ext cx="1130439" cy="261610"/>
           </a:xfrm>
           <a:prstGeom prst="rect">
@@ -5444,7 +5428,7 @@
         </p:nvGrpSpPr>
         <p:grpSpPr>
           <a:xfrm rot="479651">
-            <a:off x="10662498" y="4340372"/>
+            <a:off x="10563167" y="5091235"/>
             <a:ext cx="465295" cy="429840"/>
             <a:chOff x="5764817" y="2081712"/>
             <a:chExt cx="465295" cy="429840"/>
@@ -5540,7 +5524,7 @@
         </p:nvSpPr>
         <p:spPr>
           <a:xfrm rot="2729697">
-            <a:off x="10682778" y="4197547"/>
+            <a:off x="10583447" y="4948410"/>
             <a:ext cx="798617" cy="261610"/>
           </a:xfrm>
           <a:prstGeom prst="rect">
@@ -5711,7 +5695,7 @@
         </p:nvGrpSpPr>
         <p:grpSpPr>
           <a:xfrm rot="16827953">
-            <a:off x="1304368" y="3970113"/>
+            <a:off x="1535743" y="4181774"/>
             <a:ext cx="465295" cy="429840"/>
             <a:chOff x="5764817" y="2081712"/>
             <a:chExt cx="465295" cy="429840"/>
@@ -5807,7 +5791,7 @@
         </p:nvSpPr>
         <p:spPr>
           <a:xfrm rot="19142948">
-            <a:off x="336061" y="3841948"/>
+            <a:off x="567436" y="4053609"/>
             <a:ext cx="2064041" cy="261610"/>
           </a:xfrm>
           <a:prstGeom prst="rect">
@@ -5837,7 +5821,7 @@
         </p:nvGrpSpPr>
         <p:grpSpPr>
           <a:xfrm rot="17411251">
-            <a:off x="3759862" y="3976332"/>
+            <a:off x="3727330" y="4757797"/>
             <a:ext cx="465295" cy="429840"/>
             <a:chOff x="5764817" y="2081712"/>
             <a:chExt cx="465295" cy="429840"/>
@@ -5933,7 +5917,7 @@
         </p:nvSpPr>
         <p:spPr>
           <a:xfrm rot="19681464">
-            <a:off x="2858335" y="3821073"/>
+            <a:off x="2825803" y="4602537"/>
             <a:ext cx="2064041" cy="261610"/>
           </a:xfrm>
           <a:prstGeom prst="rect">
@@ -5948,10 +5932,10 @@
           <a:lstStyle/>
           <a:p>
             <a:r>
-              <a:rPr lang="ko-KR" altLang="en-US" sz="1100" dirty="0" smtClean="0"/>
+              <a:rPr lang="ko-KR" altLang="en-US" sz="1100" dirty="0"/>
               <a:t>강의평가 질문 리스트 정보</a:t>
             </a:r>
-            <a:endParaRPr lang="ko-KR" altLang="en-US" sz="1600" dirty="0"/>
+            <a:endParaRPr lang="ko-KR" altLang="en-US" sz="1100" dirty="0"/>
           </a:p>
         </p:txBody>
       </p:sp>
@@ -5963,7 +5947,7 @@
         </p:nvSpPr>
         <p:spPr>
           <a:xfrm>
-            <a:off x="8556386" y="4994524"/>
+            <a:off x="8490285" y="6238375"/>
             <a:ext cx="1556992" cy="726131"/>
           </a:xfrm>
           <a:prstGeom prst="rect">
@@ -6029,7 +6013,7 @@
                   <a:sysClr val="windowText" lastClr="000000"/>
                 </a:solidFill>
               </a:rPr>
-              <a:t>정보 읽음</a:t>
+              <a:t>정보 저장</a:t>
             </a:r>
             <a:endParaRPr lang="ko-KR" altLang="en-US" sz="1100" dirty="0">
               <a:solidFill>
@@ -6051,7 +6035,7 @@
         <p:spPr>
           <a:xfrm>
             <a:off x="6220898" y="3246766"/>
-            <a:ext cx="3113984" cy="1747758"/>
+            <a:ext cx="3047883" cy="2991609"/>
           </a:xfrm>
           <a:prstGeom prst="straightConnector1">
             <a:avLst/>
@@ -6083,8 +6067,8 @@
           <p:nvPr/>
         </p:nvGrpSpPr>
         <p:grpSpPr>
-          <a:xfrm rot="10598248">
-            <a:off x="7847793" y="3853777"/>
+          <a:xfrm rot="11885135">
+            <a:off x="6732654" y="4538134"/>
             <a:ext cx="465295" cy="429840"/>
             <a:chOff x="5764817" y="2081712"/>
             <a:chExt cx="465295" cy="429840"/>
@@ -6179,8 +6163,281 @@
           <p:nvPr/>
         </p:nvSpPr>
         <p:spPr>
-          <a:xfrm rot="1774582">
-            <a:off x="7636780" y="3565658"/>
+          <a:xfrm rot="3061469">
+            <a:off x="6521641" y="4250015"/>
+            <a:ext cx="1215277" cy="430887"/>
+          </a:xfrm>
+          <a:prstGeom prst="rect">
+            <a:avLst/>
+          </a:prstGeom>
+          <a:noFill/>
+        </p:spPr>
+        <p:txBody>
+          <a:bodyPr wrap="square" rtlCol="0">
+            <a:spAutoFit/>
+          </a:bodyPr>
+          <a:lstStyle/>
+          <a:p>
+            <a:pPr algn="ctr"/>
+            <a:r>
+              <a:rPr lang="ko-KR" altLang="en-US" sz="1100" dirty="0" smtClean="0"/>
+              <a:t>강의평가 질문</a:t>
+            </a:r>
+            <a:endParaRPr lang="en-US" altLang="ko-KR" sz="1100" dirty="0" smtClean="0"/>
+          </a:p>
+          <a:p>
+            <a:pPr algn="ctr"/>
+            <a:r>
+              <a:rPr lang="ko-KR" altLang="en-US" sz="1100" dirty="0" smtClean="0"/>
+              <a:t> 리스트 정보</a:t>
+            </a:r>
+            <a:endParaRPr lang="ko-KR" altLang="en-US" sz="1600" dirty="0"/>
+          </a:p>
+        </p:txBody>
+      </p:sp>
+      <p:grpSp>
+        <p:nvGrpSpPr>
+          <p:cNvPr id="93" name="그룹 92"/>
+          <p:cNvGrpSpPr/>
+          <p:nvPr/>
+        </p:nvGrpSpPr>
+        <p:grpSpPr>
+          <a:xfrm rot="653509">
+            <a:off x="6386656" y="4500834"/>
+            <a:ext cx="465295" cy="429840"/>
+            <a:chOff x="5764817" y="2081712"/>
+            <a:chExt cx="465295" cy="429840"/>
+          </a:xfrm>
+        </p:grpSpPr>
+        <p:sp>
+          <p:nvSpPr>
+            <p:cNvPr id="94" name="타원 93"/>
+            <p:cNvSpPr/>
+            <p:nvPr/>
+          </p:nvSpPr>
+          <p:spPr>
+            <a:xfrm>
+              <a:off x="5764817" y="2081712"/>
+              <a:ext cx="254984" cy="254984"/>
+            </a:xfrm>
+            <a:prstGeom prst="ellipse">
+              <a:avLst/>
+            </a:prstGeom>
+            <a:noFill/>
+            <a:ln w="38100">
+              <a:solidFill>
+                <a:schemeClr val="accent1"/>
+              </a:solidFill>
+            </a:ln>
+          </p:spPr>
+          <p:style>
+            <a:lnRef idx="2">
+              <a:schemeClr val="accent1">
+                <a:shade val="50000"/>
+              </a:schemeClr>
+            </a:lnRef>
+            <a:fillRef idx="1">
+              <a:schemeClr val="accent1"/>
+            </a:fillRef>
+            <a:effectRef idx="0">
+              <a:schemeClr val="accent1"/>
+            </a:effectRef>
+            <a:fontRef idx="minor">
+              <a:schemeClr val="lt1"/>
+            </a:fontRef>
+          </p:style>
+          <p:txBody>
+            <a:bodyPr rtlCol="0" anchor="ctr"/>
+            <a:lstStyle/>
+            <a:p>
+              <a:pPr algn="ctr"/>
+              <a:endParaRPr lang="ko-KR" altLang="en-US"/>
+            </a:p>
+          </p:txBody>
+        </p:sp>
+        <p:cxnSp>
+          <p:nvCxnSpPr>
+            <p:cNvPr id="95" name="직선 연결선 94"/>
+            <p:cNvCxnSpPr>
+              <a:endCxn id="94" idx="5"/>
+            </p:cNvCxnSpPr>
+            <p:nvPr/>
+          </p:nvCxnSpPr>
+          <p:spPr>
+            <a:xfrm flipH="1" flipV="1">
+              <a:off x="5982459" y="2299354"/>
+              <a:ext cx="247653" cy="212198"/>
+            </a:xfrm>
+            <a:prstGeom prst="line">
+              <a:avLst/>
+            </a:prstGeom>
+            <a:ln w="38100">
+              <a:headEnd type="stealth" w="lg" len="lg"/>
+            </a:ln>
+          </p:spPr>
+          <p:style>
+            <a:lnRef idx="1">
+              <a:schemeClr val="accent1"/>
+            </a:lnRef>
+            <a:fillRef idx="0">
+              <a:schemeClr val="accent1"/>
+            </a:fillRef>
+            <a:effectRef idx="0">
+              <a:schemeClr val="accent1"/>
+            </a:effectRef>
+            <a:fontRef idx="minor">
+              <a:schemeClr val="tx1"/>
+            </a:fontRef>
+          </p:style>
+        </p:cxnSp>
+      </p:grpSp>
+      <p:sp>
+        <p:nvSpPr>
+          <p:cNvPr id="96" name="TextBox 95"/>
+          <p:cNvSpPr txBox="1"/>
+          <p:nvPr/>
+        </p:nvSpPr>
+        <p:spPr>
+          <a:xfrm rot="13966810">
+            <a:off x="5730762" y="4586322"/>
+            <a:ext cx="1080744" cy="430887"/>
+          </a:xfrm>
+          <a:prstGeom prst="rect">
+            <a:avLst/>
+          </a:prstGeom>
+          <a:noFill/>
+        </p:spPr>
+        <p:txBody>
+          <a:bodyPr wrap="none" rtlCol="0">
+            <a:spAutoFit/>
+          </a:bodyPr>
+          <a:lstStyle/>
+          <a:p>
+            <a:pPr algn="ctr"/>
+            <a:r>
+              <a:rPr lang="ko-KR" altLang="en-US" sz="1100" dirty="0" smtClean="0"/>
+              <a:t>강의평가 질문</a:t>
+            </a:r>
+            <a:r>
+              <a:rPr lang="en-US" altLang="ko-KR" sz="1100" dirty="0" smtClean="0"/>
+              <a:t/>
+            </a:r>
+            <a:br>
+              <a:rPr lang="en-US" altLang="ko-KR" sz="1100" dirty="0" smtClean="0"/>
+            </a:br>
+            <a:r>
+              <a:rPr lang="ko-KR" altLang="en-US" sz="1100" dirty="0" smtClean="0"/>
+              <a:t>리스트 정보</a:t>
+            </a:r>
+            <a:endParaRPr lang="ko-KR" altLang="en-US" sz="1600" dirty="0"/>
+          </a:p>
+        </p:txBody>
+      </p:sp>
+      <p:grpSp>
+        <p:nvGrpSpPr>
+          <p:cNvPr id="130" name="그룹 129"/>
+          <p:cNvGrpSpPr/>
+          <p:nvPr/>
+        </p:nvGrpSpPr>
+        <p:grpSpPr>
+          <a:xfrm rot="550323">
+            <a:off x="7731528" y="4435540"/>
+            <a:ext cx="465295" cy="429840"/>
+            <a:chOff x="5764817" y="2081712"/>
+            <a:chExt cx="465295" cy="429840"/>
+          </a:xfrm>
+        </p:grpSpPr>
+        <p:sp>
+          <p:nvSpPr>
+            <p:cNvPr id="131" name="타원 130"/>
+            <p:cNvSpPr/>
+            <p:nvPr/>
+          </p:nvSpPr>
+          <p:spPr>
+            <a:xfrm>
+              <a:off x="5764817" y="2081712"/>
+              <a:ext cx="254984" cy="254984"/>
+            </a:xfrm>
+            <a:prstGeom prst="ellipse">
+              <a:avLst/>
+            </a:prstGeom>
+            <a:noFill/>
+            <a:ln w="38100">
+              <a:solidFill>
+                <a:schemeClr val="accent1"/>
+              </a:solidFill>
+            </a:ln>
+          </p:spPr>
+          <p:style>
+            <a:lnRef idx="2">
+              <a:schemeClr val="accent1">
+                <a:shade val="50000"/>
+              </a:schemeClr>
+            </a:lnRef>
+            <a:fillRef idx="1">
+              <a:schemeClr val="accent1"/>
+            </a:fillRef>
+            <a:effectRef idx="0">
+              <a:schemeClr val="accent1"/>
+            </a:effectRef>
+            <a:fontRef idx="minor">
+              <a:schemeClr val="lt1"/>
+            </a:fontRef>
+          </p:style>
+          <p:txBody>
+            <a:bodyPr rtlCol="0" anchor="ctr"/>
+            <a:lstStyle/>
+            <a:p>
+              <a:pPr algn="ctr"/>
+              <a:endParaRPr lang="ko-KR" altLang="en-US"/>
+            </a:p>
+          </p:txBody>
+        </p:sp>
+        <p:cxnSp>
+          <p:nvCxnSpPr>
+            <p:cNvPr id="132" name="직선 연결선 131"/>
+            <p:cNvCxnSpPr>
+              <a:endCxn id="131" idx="5"/>
+            </p:cNvCxnSpPr>
+            <p:nvPr/>
+          </p:nvCxnSpPr>
+          <p:spPr>
+            <a:xfrm flipH="1" flipV="1">
+              <a:off x="5982459" y="2299354"/>
+              <a:ext cx="247653" cy="212198"/>
+            </a:xfrm>
+            <a:prstGeom prst="line">
+              <a:avLst/>
+            </a:prstGeom>
+            <a:ln w="38100">
+              <a:headEnd type="stealth" w="lg" len="lg"/>
+            </a:ln>
+          </p:spPr>
+          <p:style>
+            <a:lnRef idx="1">
+              <a:schemeClr val="accent1"/>
+            </a:lnRef>
+            <a:fillRef idx="0">
+              <a:schemeClr val="accent1"/>
+            </a:fillRef>
+            <a:effectRef idx="0">
+              <a:schemeClr val="accent1"/>
+            </a:effectRef>
+            <a:fontRef idx="minor">
+              <a:schemeClr val="tx1"/>
+            </a:fontRef>
+          </p:style>
+        </p:cxnSp>
+      </p:grpSp>
+      <p:sp>
+        <p:nvSpPr>
+          <p:cNvPr id="133" name="TextBox 132"/>
+          <p:cNvSpPr txBox="1"/>
+          <p:nvPr/>
+        </p:nvSpPr>
+        <p:spPr>
+          <a:xfrm rot="2277172">
+            <a:off x="7520515" y="4147421"/>
             <a:ext cx="1215277" cy="430887"/>
           </a:xfrm>
           <a:prstGeom prst="rect">

--- a/SDD 관련 자료/작업 결과물/프로그램 구조도(트랜스폼, 트랜젝션)/강의평가 질문 삭제.pptx
+++ b/SDD 관련 자료/작업 결과물/프로그램 구조도(트랜스폼, 트랜젝션)/강의평가 질문 삭제.pptx
@@ -241,7 +241,7 @@
           <a:p>
             <a:fld id="{AB5AEB98-3777-4085-A3C9-73A6E37CAD33}" type="datetimeFigureOut">
               <a:rPr lang="ko-KR" altLang="en-US" smtClean="0"/>
-              <a:t>2016-05-30</a:t>
+              <a:t>2016-05-31</a:t>
             </a:fld>
             <a:endParaRPr lang="ko-KR" altLang="en-US"/>
           </a:p>
@@ -409,7 +409,7 @@
           <a:p>
             <a:fld id="{AB5AEB98-3777-4085-A3C9-73A6E37CAD33}" type="datetimeFigureOut">
               <a:rPr lang="ko-KR" altLang="en-US" smtClean="0"/>
-              <a:t>2016-05-30</a:t>
+              <a:t>2016-05-31</a:t>
             </a:fld>
             <a:endParaRPr lang="ko-KR" altLang="en-US"/>
           </a:p>
@@ -587,7 +587,7 @@
           <a:p>
             <a:fld id="{AB5AEB98-3777-4085-A3C9-73A6E37CAD33}" type="datetimeFigureOut">
               <a:rPr lang="ko-KR" altLang="en-US" smtClean="0"/>
-              <a:t>2016-05-30</a:t>
+              <a:t>2016-05-31</a:t>
             </a:fld>
             <a:endParaRPr lang="ko-KR" altLang="en-US"/>
           </a:p>
@@ -755,7 +755,7 @@
           <a:p>
             <a:fld id="{AB5AEB98-3777-4085-A3C9-73A6E37CAD33}" type="datetimeFigureOut">
               <a:rPr lang="ko-KR" altLang="en-US" smtClean="0"/>
-              <a:t>2016-05-30</a:t>
+              <a:t>2016-05-31</a:t>
             </a:fld>
             <a:endParaRPr lang="ko-KR" altLang="en-US"/>
           </a:p>
@@ -1000,7 +1000,7 @@
           <a:p>
             <a:fld id="{AB5AEB98-3777-4085-A3C9-73A6E37CAD33}" type="datetimeFigureOut">
               <a:rPr lang="ko-KR" altLang="en-US" smtClean="0"/>
-              <a:t>2016-05-30</a:t>
+              <a:t>2016-05-31</a:t>
             </a:fld>
             <a:endParaRPr lang="ko-KR" altLang="en-US"/>
           </a:p>
@@ -1229,7 +1229,7 @@
           <a:p>
             <a:fld id="{AB5AEB98-3777-4085-A3C9-73A6E37CAD33}" type="datetimeFigureOut">
               <a:rPr lang="ko-KR" altLang="en-US" smtClean="0"/>
-              <a:t>2016-05-30</a:t>
+              <a:t>2016-05-31</a:t>
             </a:fld>
             <a:endParaRPr lang="ko-KR" altLang="en-US"/>
           </a:p>
@@ -1593,7 +1593,7 @@
           <a:p>
             <a:fld id="{AB5AEB98-3777-4085-A3C9-73A6E37CAD33}" type="datetimeFigureOut">
               <a:rPr lang="ko-KR" altLang="en-US" smtClean="0"/>
-              <a:t>2016-05-30</a:t>
+              <a:t>2016-05-31</a:t>
             </a:fld>
             <a:endParaRPr lang="ko-KR" altLang="en-US"/>
           </a:p>
@@ -1710,7 +1710,7 @@
           <a:p>
             <a:fld id="{AB5AEB98-3777-4085-A3C9-73A6E37CAD33}" type="datetimeFigureOut">
               <a:rPr lang="ko-KR" altLang="en-US" smtClean="0"/>
-              <a:t>2016-05-30</a:t>
+              <a:t>2016-05-31</a:t>
             </a:fld>
             <a:endParaRPr lang="ko-KR" altLang="en-US"/>
           </a:p>
@@ -1805,7 +1805,7 @@
           <a:p>
             <a:fld id="{AB5AEB98-3777-4085-A3C9-73A6E37CAD33}" type="datetimeFigureOut">
               <a:rPr lang="ko-KR" altLang="en-US" smtClean="0"/>
-              <a:t>2016-05-30</a:t>
+              <a:t>2016-05-31</a:t>
             </a:fld>
             <a:endParaRPr lang="ko-KR" altLang="en-US"/>
           </a:p>
@@ -2080,7 +2080,7 @@
           <a:p>
             <a:fld id="{AB5AEB98-3777-4085-A3C9-73A6E37CAD33}" type="datetimeFigureOut">
               <a:rPr lang="ko-KR" altLang="en-US" smtClean="0"/>
-              <a:t>2016-05-30</a:t>
+              <a:t>2016-05-31</a:t>
             </a:fld>
             <a:endParaRPr lang="ko-KR" altLang="en-US"/>
           </a:p>
@@ -2332,7 +2332,7 @@
           <a:p>
             <a:fld id="{AB5AEB98-3777-4085-A3C9-73A6E37CAD33}" type="datetimeFigureOut">
               <a:rPr lang="ko-KR" altLang="en-US" smtClean="0"/>
-              <a:t>2016-05-30</a:t>
+              <a:t>2016-05-31</a:t>
             </a:fld>
             <a:endParaRPr lang="ko-KR" altLang="en-US"/>
           </a:p>
@@ -2543,7 +2543,7 @@
           <a:p>
             <a:fld id="{AB5AEB98-3777-4085-A3C9-73A6E37CAD33}" type="datetimeFigureOut">
               <a:rPr lang="ko-KR" altLang="en-US" smtClean="0"/>
-              <a:t>2016-05-30</a:t>
+              <a:t>2016-05-31</a:t>
             </a:fld>
             <a:endParaRPr lang="ko-KR" altLang="en-US"/>
           </a:p>
@@ -5935,263 +5935,6 @@
               <a:rPr lang="ko-KR" altLang="en-US" sz="1100" dirty="0"/>
               <a:t>강의평가 질문 리스트 정보</a:t>
             </a:r>
-            <a:endParaRPr lang="ko-KR" altLang="en-US" sz="1100" dirty="0"/>
-          </a:p>
-        </p:txBody>
-      </p:sp>
-      <p:sp>
-        <p:nvSpPr>
-          <p:cNvPr id="139" name="직사각형 138"/>
-          <p:cNvSpPr/>
-          <p:nvPr/>
-        </p:nvSpPr>
-        <p:spPr>
-          <a:xfrm>
-            <a:off x="8490285" y="6238375"/>
-            <a:ext cx="1556992" cy="726131"/>
-          </a:xfrm>
-          <a:prstGeom prst="rect">
-            <a:avLst/>
-          </a:prstGeom>
-          <a:noFill/>
-          <a:ln w="31750">
-            <a:solidFill>
-              <a:schemeClr val="accent1">
-                <a:shade val="50000"/>
-              </a:schemeClr>
-            </a:solidFill>
-          </a:ln>
-        </p:spPr>
-        <p:style>
-          <a:lnRef idx="2">
-            <a:schemeClr val="accent1">
-              <a:shade val="50000"/>
-            </a:schemeClr>
-          </a:lnRef>
-          <a:fillRef idx="1">
-            <a:schemeClr val="accent1"/>
-          </a:fillRef>
-          <a:effectRef idx="0">
-            <a:schemeClr val="accent1"/>
-          </a:effectRef>
-          <a:fontRef idx="minor">
-            <a:schemeClr val="lt1"/>
-          </a:fontRef>
-        </p:style>
-        <p:txBody>
-          <a:bodyPr rtlCol="0" anchor="ctr"/>
-          <a:lstStyle/>
-          <a:p>
-            <a:pPr algn="ctr"/>
-            <a:r>
-              <a:rPr lang="ko-KR" altLang="en-US" sz="1100" dirty="0">
-                <a:solidFill>
-                  <a:sysClr val="windowText" lastClr="000000"/>
-                </a:solidFill>
-              </a:rPr>
-              <a:t>강의평가 </a:t>
-            </a:r>
-            <a:r>
-              <a:rPr lang="ko-KR" altLang="en-US" sz="1100" dirty="0" smtClean="0">
-                <a:solidFill>
-                  <a:sysClr val="windowText" lastClr="000000"/>
-                </a:solidFill>
-              </a:rPr>
-              <a:t>질문 리스트</a:t>
-            </a:r>
-            <a:r>
-              <a:rPr lang="en-US" altLang="ko-KR" sz="1100" dirty="0" smtClean="0">
-                <a:solidFill>
-                  <a:sysClr val="windowText" lastClr="000000"/>
-                </a:solidFill>
-              </a:rPr>
-              <a:t> </a:t>
-            </a:r>
-            <a:r>
-              <a:rPr lang="ko-KR" altLang="en-US" sz="1100" dirty="0" smtClean="0">
-                <a:solidFill>
-                  <a:sysClr val="windowText" lastClr="000000"/>
-                </a:solidFill>
-              </a:rPr>
-              <a:t>정보 저장</a:t>
-            </a:r>
-            <a:endParaRPr lang="ko-KR" altLang="en-US" sz="1100" dirty="0">
-              <a:solidFill>
-                <a:sysClr val="windowText" lastClr="000000"/>
-              </a:solidFill>
-            </a:endParaRPr>
-          </a:p>
-        </p:txBody>
-      </p:sp>
-      <p:cxnSp>
-        <p:nvCxnSpPr>
-          <p:cNvPr id="140" name="직선 화살표 연결선 139"/>
-          <p:cNvCxnSpPr>
-            <a:stCxn id="7" idx="2"/>
-            <a:endCxn id="139" idx="0"/>
-          </p:cNvCxnSpPr>
-          <p:nvPr/>
-        </p:nvCxnSpPr>
-        <p:spPr>
-          <a:xfrm>
-            <a:off x="6220898" y="3246766"/>
-            <a:ext cx="3047883" cy="2991609"/>
-          </a:xfrm>
-          <a:prstGeom prst="straightConnector1">
-            <a:avLst/>
-          </a:prstGeom>
-          <a:ln w="38100">
-            <a:headEnd w="lg" len="lg"/>
-            <a:tailEnd type="triangle"/>
-          </a:ln>
-        </p:spPr>
-        <p:style>
-          <a:lnRef idx="1">
-            <a:schemeClr val="accent1"/>
-          </a:lnRef>
-          <a:fillRef idx="0">
-            <a:schemeClr val="accent1"/>
-          </a:fillRef>
-          <a:effectRef idx="0">
-            <a:schemeClr val="accent1"/>
-          </a:effectRef>
-          <a:fontRef idx="minor">
-            <a:schemeClr val="tx1"/>
-          </a:fontRef>
-        </p:style>
-      </p:cxnSp>
-      <p:grpSp>
-        <p:nvGrpSpPr>
-          <p:cNvPr id="141" name="그룹 140"/>
-          <p:cNvGrpSpPr/>
-          <p:nvPr/>
-        </p:nvGrpSpPr>
-        <p:grpSpPr>
-          <a:xfrm rot="11885135">
-            <a:off x="6732654" y="4538134"/>
-            <a:ext cx="465295" cy="429840"/>
-            <a:chOff x="5764817" y="2081712"/>
-            <a:chExt cx="465295" cy="429840"/>
-          </a:xfrm>
-        </p:grpSpPr>
-        <p:sp>
-          <p:nvSpPr>
-            <p:cNvPr id="142" name="타원 141"/>
-            <p:cNvSpPr/>
-            <p:nvPr/>
-          </p:nvSpPr>
-          <p:spPr>
-            <a:xfrm>
-              <a:off x="5764817" y="2081712"/>
-              <a:ext cx="254984" cy="254984"/>
-            </a:xfrm>
-            <a:prstGeom prst="ellipse">
-              <a:avLst/>
-            </a:prstGeom>
-            <a:noFill/>
-            <a:ln w="38100">
-              <a:solidFill>
-                <a:schemeClr val="accent1"/>
-              </a:solidFill>
-            </a:ln>
-          </p:spPr>
-          <p:style>
-            <a:lnRef idx="2">
-              <a:schemeClr val="accent1">
-                <a:shade val="50000"/>
-              </a:schemeClr>
-            </a:lnRef>
-            <a:fillRef idx="1">
-              <a:schemeClr val="accent1"/>
-            </a:fillRef>
-            <a:effectRef idx="0">
-              <a:schemeClr val="accent1"/>
-            </a:effectRef>
-            <a:fontRef idx="minor">
-              <a:schemeClr val="lt1"/>
-            </a:fontRef>
-          </p:style>
-          <p:txBody>
-            <a:bodyPr rtlCol="0" anchor="ctr"/>
-            <a:lstStyle/>
-            <a:p>
-              <a:pPr algn="ctr"/>
-              <a:endParaRPr lang="ko-KR" altLang="en-US"/>
-            </a:p>
-          </p:txBody>
-        </p:sp>
-        <p:cxnSp>
-          <p:nvCxnSpPr>
-            <p:cNvPr id="143" name="직선 연결선 142"/>
-            <p:cNvCxnSpPr>
-              <a:endCxn id="142" idx="5"/>
-            </p:cNvCxnSpPr>
-            <p:nvPr/>
-          </p:nvCxnSpPr>
-          <p:spPr>
-            <a:xfrm flipH="1" flipV="1">
-              <a:off x="5982459" y="2299354"/>
-              <a:ext cx="247653" cy="212198"/>
-            </a:xfrm>
-            <a:prstGeom prst="line">
-              <a:avLst/>
-            </a:prstGeom>
-            <a:ln w="38100">
-              <a:headEnd type="stealth" w="lg" len="lg"/>
-            </a:ln>
-          </p:spPr>
-          <p:style>
-            <a:lnRef idx="1">
-              <a:schemeClr val="accent1"/>
-            </a:lnRef>
-            <a:fillRef idx="0">
-              <a:schemeClr val="accent1"/>
-            </a:fillRef>
-            <a:effectRef idx="0">
-              <a:schemeClr val="accent1"/>
-            </a:effectRef>
-            <a:fontRef idx="minor">
-              <a:schemeClr val="tx1"/>
-            </a:fontRef>
-          </p:style>
-        </p:cxnSp>
-      </p:grpSp>
-      <p:sp>
-        <p:nvSpPr>
-          <p:cNvPr id="144" name="TextBox 143"/>
-          <p:cNvSpPr txBox="1"/>
-          <p:nvPr/>
-        </p:nvSpPr>
-        <p:spPr>
-          <a:xfrm rot="3061469">
-            <a:off x="6521641" y="4250015"/>
-            <a:ext cx="1215277" cy="430887"/>
-          </a:xfrm>
-          <a:prstGeom prst="rect">
-            <a:avLst/>
-          </a:prstGeom>
-          <a:noFill/>
-        </p:spPr>
-        <p:txBody>
-          <a:bodyPr wrap="square" rtlCol="0">
-            <a:spAutoFit/>
-          </a:bodyPr>
-          <a:lstStyle/>
-          <a:p>
-            <a:pPr algn="ctr"/>
-            <a:r>
-              <a:rPr lang="ko-KR" altLang="en-US" sz="1100" dirty="0" smtClean="0"/>
-              <a:t>강의평가 질문</a:t>
-            </a:r>
-            <a:endParaRPr lang="en-US" altLang="ko-KR" sz="1100" dirty="0" smtClean="0"/>
-          </a:p>
-          <a:p>
-            <a:pPr algn="ctr"/>
-            <a:r>
-              <a:rPr lang="ko-KR" altLang="en-US" sz="1100" dirty="0" smtClean="0"/>
-              <a:t> 리스트 정보</a:t>
-            </a:r>
-            <a:endParaRPr lang="ko-KR" altLang="en-US" sz="1600" dirty="0"/>
           </a:p>
         </p:txBody>
       </p:sp>
@@ -6328,141 +6071,6 @@
             <a:r>
               <a:rPr lang="ko-KR" altLang="en-US" sz="1100" dirty="0" smtClean="0"/>
               <a:t>리스트 정보</a:t>
-            </a:r>
-            <a:endParaRPr lang="ko-KR" altLang="en-US" sz="1600" dirty="0"/>
-          </a:p>
-        </p:txBody>
-      </p:sp>
-      <p:grpSp>
-        <p:nvGrpSpPr>
-          <p:cNvPr id="130" name="그룹 129"/>
-          <p:cNvGrpSpPr/>
-          <p:nvPr/>
-        </p:nvGrpSpPr>
-        <p:grpSpPr>
-          <a:xfrm rot="550323">
-            <a:off x="7731528" y="4435540"/>
-            <a:ext cx="465295" cy="429840"/>
-            <a:chOff x="5764817" y="2081712"/>
-            <a:chExt cx="465295" cy="429840"/>
-          </a:xfrm>
-        </p:grpSpPr>
-        <p:sp>
-          <p:nvSpPr>
-            <p:cNvPr id="131" name="타원 130"/>
-            <p:cNvSpPr/>
-            <p:nvPr/>
-          </p:nvSpPr>
-          <p:spPr>
-            <a:xfrm>
-              <a:off x="5764817" y="2081712"/>
-              <a:ext cx="254984" cy="254984"/>
-            </a:xfrm>
-            <a:prstGeom prst="ellipse">
-              <a:avLst/>
-            </a:prstGeom>
-            <a:noFill/>
-            <a:ln w="38100">
-              <a:solidFill>
-                <a:schemeClr val="accent1"/>
-              </a:solidFill>
-            </a:ln>
-          </p:spPr>
-          <p:style>
-            <a:lnRef idx="2">
-              <a:schemeClr val="accent1">
-                <a:shade val="50000"/>
-              </a:schemeClr>
-            </a:lnRef>
-            <a:fillRef idx="1">
-              <a:schemeClr val="accent1"/>
-            </a:fillRef>
-            <a:effectRef idx="0">
-              <a:schemeClr val="accent1"/>
-            </a:effectRef>
-            <a:fontRef idx="minor">
-              <a:schemeClr val="lt1"/>
-            </a:fontRef>
-          </p:style>
-          <p:txBody>
-            <a:bodyPr rtlCol="0" anchor="ctr"/>
-            <a:lstStyle/>
-            <a:p>
-              <a:pPr algn="ctr"/>
-              <a:endParaRPr lang="ko-KR" altLang="en-US"/>
-            </a:p>
-          </p:txBody>
-        </p:sp>
-        <p:cxnSp>
-          <p:nvCxnSpPr>
-            <p:cNvPr id="132" name="직선 연결선 131"/>
-            <p:cNvCxnSpPr>
-              <a:endCxn id="131" idx="5"/>
-            </p:cNvCxnSpPr>
-            <p:nvPr/>
-          </p:nvCxnSpPr>
-          <p:spPr>
-            <a:xfrm flipH="1" flipV="1">
-              <a:off x="5982459" y="2299354"/>
-              <a:ext cx="247653" cy="212198"/>
-            </a:xfrm>
-            <a:prstGeom prst="line">
-              <a:avLst/>
-            </a:prstGeom>
-            <a:ln w="38100">
-              <a:headEnd type="stealth" w="lg" len="lg"/>
-            </a:ln>
-          </p:spPr>
-          <p:style>
-            <a:lnRef idx="1">
-              <a:schemeClr val="accent1"/>
-            </a:lnRef>
-            <a:fillRef idx="0">
-              <a:schemeClr val="accent1"/>
-            </a:fillRef>
-            <a:effectRef idx="0">
-              <a:schemeClr val="accent1"/>
-            </a:effectRef>
-            <a:fontRef idx="minor">
-              <a:schemeClr val="tx1"/>
-            </a:fontRef>
-          </p:style>
-        </p:cxnSp>
-      </p:grpSp>
-      <p:sp>
-        <p:nvSpPr>
-          <p:cNvPr id="133" name="TextBox 132"/>
-          <p:cNvSpPr txBox="1"/>
-          <p:nvPr/>
-        </p:nvSpPr>
-        <p:spPr>
-          <a:xfrm rot="2277172">
-            <a:off x="7520515" y="4147421"/>
-            <a:ext cx="1215277" cy="430887"/>
-          </a:xfrm>
-          <a:prstGeom prst="rect">
-            <a:avLst/>
-          </a:prstGeom>
-          <a:noFill/>
-        </p:spPr>
-        <p:txBody>
-          <a:bodyPr wrap="square" rtlCol="0">
-            <a:spAutoFit/>
-          </a:bodyPr>
-          <a:lstStyle/>
-          <a:p>
-            <a:pPr algn="ctr"/>
-            <a:r>
-              <a:rPr lang="ko-KR" altLang="en-US" sz="1100" dirty="0" smtClean="0"/>
-              <a:t>강의평가 질문</a:t>
-            </a:r>
-            <a:endParaRPr lang="en-US" altLang="ko-KR" sz="1100" dirty="0" smtClean="0"/>
-          </a:p>
-          <a:p>
-            <a:pPr algn="ctr"/>
-            <a:r>
-              <a:rPr lang="ko-KR" altLang="en-US" sz="1100" dirty="0" smtClean="0"/>
-              <a:t> 리스트 정보</a:t>
             </a:r>
             <a:endParaRPr lang="ko-KR" altLang="en-US" sz="1600" dirty="0"/>
           </a:p>

--- a/SDD 관련 자료/작업 결과물/프로그램 구조도(트랜스폼, 트랜젝션)/강의평가 질문 삭제.pptx
+++ b/SDD 관련 자료/작업 결과물/프로그램 구조도(트랜스폼, 트랜젝션)/강의평가 질문 삭제.pptx
@@ -241,7 +241,7 @@
           <a:p>
             <a:fld id="{AB5AEB98-3777-4085-A3C9-73A6E37CAD33}" type="datetimeFigureOut">
               <a:rPr lang="ko-KR" altLang="en-US" smtClean="0"/>
-              <a:t>2016-05-31</a:t>
+              <a:t>2016-06-01</a:t>
             </a:fld>
             <a:endParaRPr lang="ko-KR" altLang="en-US"/>
           </a:p>
@@ -409,7 +409,7 @@
           <a:p>
             <a:fld id="{AB5AEB98-3777-4085-A3C9-73A6E37CAD33}" type="datetimeFigureOut">
               <a:rPr lang="ko-KR" altLang="en-US" smtClean="0"/>
-              <a:t>2016-05-31</a:t>
+              <a:t>2016-06-01</a:t>
             </a:fld>
             <a:endParaRPr lang="ko-KR" altLang="en-US"/>
           </a:p>
@@ -587,7 +587,7 @@
           <a:p>
             <a:fld id="{AB5AEB98-3777-4085-A3C9-73A6E37CAD33}" type="datetimeFigureOut">
               <a:rPr lang="ko-KR" altLang="en-US" smtClean="0"/>
-              <a:t>2016-05-31</a:t>
+              <a:t>2016-06-01</a:t>
             </a:fld>
             <a:endParaRPr lang="ko-KR" altLang="en-US"/>
           </a:p>
@@ -755,7 +755,7 @@
           <a:p>
             <a:fld id="{AB5AEB98-3777-4085-A3C9-73A6E37CAD33}" type="datetimeFigureOut">
               <a:rPr lang="ko-KR" altLang="en-US" smtClean="0"/>
-              <a:t>2016-05-31</a:t>
+              <a:t>2016-06-01</a:t>
             </a:fld>
             <a:endParaRPr lang="ko-KR" altLang="en-US"/>
           </a:p>
@@ -1000,7 +1000,7 @@
           <a:p>
             <a:fld id="{AB5AEB98-3777-4085-A3C9-73A6E37CAD33}" type="datetimeFigureOut">
               <a:rPr lang="ko-KR" altLang="en-US" smtClean="0"/>
-              <a:t>2016-05-31</a:t>
+              <a:t>2016-06-01</a:t>
             </a:fld>
             <a:endParaRPr lang="ko-KR" altLang="en-US"/>
           </a:p>
@@ -1229,7 +1229,7 @@
           <a:p>
             <a:fld id="{AB5AEB98-3777-4085-A3C9-73A6E37CAD33}" type="datetimeFigureOut">
               <a:rPr lang="ko-KR" altLang="en-US" smtClean="0"/>
-              <a:t>2016-05-31</a:t>
+              <a:t>2016-06-01</a:t>
             </a:fld>
             <a:endParaRPr lang="ko-KR" altLang="en-US"/>
           </a:p>
@@ -1593,7 +1593,7 @@
           <a:p>
             <a:fld id="{AB5AEB98-3777-4085-A3C9-73A6E37CAD33}" type="datetimeFigureOut">
               <a:rPr lang="ko-KR" altLang="en-US" smtClean="0"/>
-              <a:t>2016-05-31</a:t>
+              <a:t>2016-06-01</a:t>
             </a:fld>
             <a:endParaRPr lang="ko-KR" altLang="en-US"/>
           </a:p>
@@ -1710,7 +1710,7 @@
           <a:p>
             <a:fld id="{AB5AEB98-3777-4085-A3C9-73A6E37CAD33}" type="datetimeFigureOut">
               <a:rPr lang="ko-KR" altLang="en-US" smtClean="0"/>
-              <a:t>2016-05-31</a:t>
+              <a:t>2016-06-01</a:t>
             </a:fld>
             <a:endParaRPr lang="ko-KR" altLang="en-US"/>
           </a:p>
@@ -1805,7 +1805,7 @@
           <a:p>
             <a:fld id="{AB5AEB98-3777-4085-A3C9-73A6E37CAD33}" type="datetimeFigureOut">
               <a:rPr lang="ko-KR" altLang="en-US" smtClean="0"/>
-              <a:t>2016-05-31</a:t>
+              <a:t>2016-06-01</a:t>
             </a:fld>
             <a:endParaRPr lang="ko-KR" altLang="en-US"/>
           </a:p>
@@ -2080,7 +2080,7 @@
           <a:p>
             <a:fld id="{AB5AEB98-3777-4085-A3C9-73A6E37CAD33}" type="datetimeFigureOut">
               <a:rPr lang="ko-KR" altLang="en-US" smtClean="0"/>
-              <a:t>2016-05-31</a:t>
+              <a:t>2016-06-01</a:t>
             </a:fld>
             <a:endParaRPr lang="ko-KR" altLang="en-US"/>
           </a:p>
@@ -2332,7 +2332,7 @@
           <a:p>
             <a:fld id="{AB5AEB98-3777-4085-A3C9-73A6E37CAD33}" type="datetimeFigureOut">
               <a:rPr lang="ko-KR" altLang="en-US" smtClean="0"/>
-              <a:t>2016-05-31</a:t>
+              <a:t>2016-06-01</a:t>
             </a:fld>
             <a:endParaRPr lang="ko-KR" altLang="en-US"/>
           </a:p>
@@ -2543,7 +2543,7 @@
           <a:p>
             <a:fld id="{AB5AEB98-3777-4085-A3C9-73A6E37CAD33}" type="datetimeFigureOut">
               <a:rPr lang="ko-KR" altLang="en-US" smtClean="0"/>
-              <a:t>2016-05-31</a:t>
+              <a:t>2016-06-01</a:t>
             </a:fld>
             <a:endParaRPr lang="ko-KR" altLang="en-US"/>
           </a:p>
@@ -3197,12 +3197,12 @@
               <a:t>강의 평가 질문 </a:t>
             </a:r>
             <a:r>
-              <a:rPr lang="ko-KR" altLang="en-US" sz="1100" dirty="0" smtClean="0">
+              <a:rPr lang="ko-KR" altLang="en-US" sz="1100" dirty="0" err="1" smtClean="0">
                 <a:solidFill>
                   <a:schemeClr val="tx1"/>
                 </a:solidFill>
               </a:rPr>
-              <a:t>삭제 처리</a:t>
+              <a:t>삭제변환</a:t>
             </a:r>
             <a:endParaRPr lang="en-US" altLang="ko-KR" sz="1100" dirty="0">
               <a:solidFill>
@@ -3946,7 +3946,15 @@
                   <a:sysClr val="windowText" lastClr="000000"/>
                 </a:solidFill>
               </a:rPr>
-              <a:t>권한 체크</a:t>
+              <a:t>권한 </a:t>
+            </a:r>
+            <a:r>
+              <a:rPr lang="ko-KR" altLang="en-US" sz="1100" dirty="0" smtClean="0">
+                <a:solidFill>
+                  <a:sysClr val="windowText" lastClr="000000"/>
+                </a:solidFill>
+              </a:rPr>
+              <a:t>확인</a:t>
             </a:r>
             <a:endParaRPr lang="ko-KR" altLang="en-US" sz="1100" dirty="0">
               <a:solidFill>
@@ -5244,7 +5252,23 @@
                   <a:sysClr val="windowText" lastClr="000000"/>
                 </a:solidFill>
               </a:rPr>
-              <a:t>권한 체크 결과 출력</a:t>
+              <a:t>권한 </a:t>
+            </a:r>
+            <a:r>
+              <a:rPr lang="ko-KR" altLang="en-US" sz="1100" dirty="0" smtClean="0">
+                <a:solidFill>
+                  <a:sysClr val="windowText" lastClr="000000"/>
+                </a:solidFill>
+              </a:rPr>
+              <a:t>확인 </a:t>
+            </a:r>
+            <a:r>
+              <a:rPr lang="ko-KR" altLang="en-US" sz="1100" dirty="0" smtClean="0">
+                <a:solidFill>
+                  <a:sysClr val="windowText" lastClr="000000"/>
+                </a:solidFill>
+              </a:rPr>
+              <a:t>결과 출력</a:t>
             </a:r>
             <a:endParaRPr lang="ko-KR" altLang="en-US" sz="1100" dirty="0">
               <a:solidFill>

--- a/SDD 관련 자료/작업 결과물/프로그램 구조도(트랜스폼, 트랜젝션)/강의평가 질문 삭제.pptx
+++ b/SDD 관련 자료/작업 결과물/프로그램 구조도(트랜스폼, 트랜젝션)/강의평가 질문 삭제.pptx
@@ -241,7 +241,7 @@
           <a:p>
             <a:fld id="{AB5AEB98-3777-4085-A3C9-73A6E37CAD33}" type="datetimeFigureOut">
               <a:rPr lang="ko-KR" altLang="en-US" smtClean="0"/>
-              <a:t>2016-05-31</a:t>
+              <a:t>2016-06-01</a:t>
             </a:fld>
             <a:endParaRPr lang="ko-KR" altLang="en-US"/>
           </a:p>
@@ -409,7 +409,7 @@
           <a:p>
             <a:fld id="{AB5AEB98-3777-4085-A3C9-73A6E37CAD33}" type="datetimeFigureOut">
               <a:rPr lang="ko-KR" altLang="en-US" smtClean="0"/>
-              <a:t>2016-05-31</a:t>
+              <a:t>2016-06-01</a:t>
             </a:fld>
             <a:endParaRPr lang="ko-KR" altLang="en-US"/>
           </a:p>
@@ -587,7 +587,7 @@
           <a:p>
             <a:fld id="{AB5AEB98-3777-4085-A3C9-73A6E37CAD33}" type="datetimeFigureOut">
               <a:rPr lang="ko-KR" altLang="en-US" smtClean="0"/>
-              <a:t>2016-05-31</a:t>
+              <a:t>2016-06-01</a:t>
             </a:fld>
             <a:endParaRPr lang="ko-KR" altLang="en-US"/>
           </a:p>
@@ -755,7 +755,7 @@
           <a:p>
             <a:fld id="{AB5AEB98-3777-4085-A3C9-73A6E37CAD33}" type="datetimeFigureOut">
               <a:rPr lang="ko-KR" altLang="en-US" smtClean="0"/>
-              <a:t>2016-05-31</a:t>
+              <a:t>2016-06-01</a:t>
             </a:fld>
             <a:endParaRPr lang="ko-KR" altLang="en-US"/>
           </a:p>
@@ -1000,7 +1000,7 @@
           <a:p>
             <a:fld id="{AB5AEB98-3777-4085-A3C9-73A6E37CAD33}" type="datetimeFigureOut">
               <a:rPr lang="ko-KR" altLang="en-US" smtClean="0"/>
-              <a:t>2016-05-31</a:t>
+              <a:t>2016-06-01</a:t>
             </a:fld>
             <a:endParaRPr lang="ko-KR" altLang="en-US"/>
           </a:p>
@@ -1229,7 +1229,7 @@
           <a:p>
             <a:fld id="{AB5AEB98-3777-4085-A3C9-73A6E37CAD33}" type="datetimeFigureOut">
               <a:rPr lang="ko-KR" altLang="en-US" smtClean="0"/>
-              <a:t>2016-05-31</a:t>
+              <a:t>2016-06-01</a:t>
             </a:fld>
             <a:endParaRPr lang="ko-KR" altLang="en-US"/>
           </a:p>
@@ -1593,7 +1593,7 @@
           <a:p>
             <a:fld id="{AB5AEB98-3777-4085-A3C9-73A6E37CAD33}" type="datetimeFigureOut">
               <a:rPr lang="ko-KR" altLang="en-US" smtClean="0"/>
-              <a:t>2016-05-31</a:t>
+              <a:t>2016-06-01</a:t>
             </a:fld>
             <a:endParaRPr lang="ko-KR" altLang="en-US"/>
           </a:p>
@@ -1710,7 +1710,7 @@
           <a:p>
             <a:fld id="{AB5AEB98-3777-4085-A3C9-73A6E37CAD33}" type="datetimeFigureOut">
               <a:rPr lang="ko-KR" altLang="en-US" smtClean="0"/>
-              <a:t>2016-05-31</a:t>
+              <a:t>2016-06-01</a:t>
             </a:fld>
             <a:endParaRPr lang="ko-KR" altLang="en-US"/>
           </a:p>
@@ -1805,7 +1805,7 @@
           <a:p>
             <a:fld id="{AB5AEB98-3777-4085-A3C9-73A6E37CAD33}" type="datetimeFigureOut">
               <a:rPr lang="ko-KR" altLang="en-US" smtClean="0"/>
-              <a:t>2016-05-31</a:t>
+              <a:t>2016-06-01</a:t>
             </a:fld>
             <a:endParaRPr lang="ko-KR" altLang="en-US"/>
           </a:p>
@@ -2080,7 +2080,7 @@
           <a:p>
             <a:fld id="{AB5AEB98-3777-4085-A3C9-73A6E37CAD33}" type="datetimeFigureOut">
               <a:rPr lang="ko-KR" altLang="en-US" smtClean="0"/>
-              <a:t>2016-05-31</a:t>
+              <a:t>2016-06-01</a:t>
             </a:fld>
             <a:endParaRPr lang="ko-KR" altLang="en-US"/>
           </a:p>
@@ -2332,7 +2332,7 @@
           <a:p>
             <a:fld id="{AB5AEB98-3777-4085-A3C9-73A6E37CAD33}" type="datetimeFigureOut">
               <a:rPr lang="ko-KR" altLang="en-US" smtClean="0"/>
-              <a:t>2016-05-31</a:t>
+              <a:t>2016-06-01</a:t>
             </a:fld>
             <a:endParaRPr lang="ko-KR" altLang="en-US"/>
           </a:p>
@@ -2543,7 +2543,7 @@
           <a:p>
             <a:fld id="{AB5AEB98-3777-4085-A3C9-73A6E37CAD33}" type="datetimeFigureOut">
               <a:rPr lang="ko-KR" altLang="en-US" smtClean="0"/>
-              <a:t>2016-05-31</a:t>
+              <a:t>2016-06-01</a:t>
             </a:fld>
             <a:endParaRPr lang="ko-KR" altLang="en-US"/>
           </a:p>
@@ -2998,15 +2998,7 @@
                   <a:schemeClr val="tx1"/>
                 </a:solidFill>
               </a:rPr>
-              <a:t>강의 평가 질문 </a:t>
-            </a:r>
-            <a:r>
-              <a:rPr lang="ko-KR" altLang="en-US" sz="1100" dirty="0" smtClean="0">
-                <a:solidFill>
-                  <a:schemeClr val="tx1"/>
-                </a:solidFill>
-              </a:rPr>
-              <a:t>삭제</a:t>
+              <a:t>강의 평가 질문 삭제</a:t>
             </a:r>
             <a:endParaRPr lang="en-US" altLang="ko-KR" sz="1100" dirty="0">
               <a:solidFill>
@@ -3061,7 +3053,7 @@
           <a:p>
             <a:pPr algn="ctr"/>
             <a:r>
-              <a:rPr lang="ko-KR" altLang="en-US" sz="1100" dirty="0" smtClean="0">
+              <a:rPr lang="ko-KR" altLang="en-US" sz="1100" dirty="0">
                 <a:solidFill>
                   <a:schemeClr val="tx1"/>
                 </a:solidFill>
@@ -3126,15 +3118,7 @@
                   <a:schemeClr val="tx1"/>
                 </a:solidFill>
               </a:rPr>
-              <a:t>강의 평가 질문 </a:t>
-            </a:r>
-            <a:r>
-              <a:rPr lang="ko-KR" altLang="en-US" sz="1100" dirty="0" smtClean="0">
-                <a:solidFill>
-                  <a:schemeClr val="tx1"/>
-                </a:solidFill>
-              </a:rPr>
-              <a:t>삭제 출력</a:t>
+              <a:t>강의 평가 질문 삭제 출력</a:t>
             </a:r>
             <a:endParaRPr lang="en-US" altLang="ko-KR" sz="1100" dirty="0">
               <a:solidFill>
@@ -3194,15 +3178,7 @@
                   <a:schemeClr val="tx1"/>
                 </a:solidFill>
               </a:rPr>
-              <a:t>강의 평가 질문 </a:t>
-            </a:r>
-            <a:r>
-              <a:rPr lang="ko-KR" altLang="en-US" sz="1100" dirty="0" smtClean="0">
-                <a:solidFill>
-                  <a:schemeClr val="tx1"/>
-                </a:solidFill>
-              </a:rPr>
-              <a:t>삭제 처리</a:t>
+              <a:t>강의 평가 질문 삭제 처리</a:t>
             </a:r>
             <a:endParaRPr lang="en-US" altLang="ko-KR" sz="1100" dirty="0">
               <a:solidFill>
@@ -3709,17 +3685,13 @@
               <a:rPr lang="ko-KR" altLang="en-US" sz="1100" dirty="0"/>
               <a:t>강의 평가 질문 </a:t>
             </a:r>
-            <a:endParaRPr lang="en-US" altLang="ko-KR" sz="1100" dirty="0" smtClean="0"/>
+            <a:endParaRPr lang="en-US" altLang="ko-KR" sz="1100" dirty="0"/>
           </a:p>
           <a:p>
             <a:pPr algn="ctr"/>
             <a:r>
-              <a:rPr lang="ko-KR" altLang="en-US" sz="1100" dirty="0" smtClean="0"/>
-              <a:t>삭제 </a:t>
-            </a:r>
-            <a:r>
               <a:rPr lang="ko-KR" altLang="en-US" sz="1100" dirty="0"/>
-              <a:t>성공 여부</a:t>
+              <a:t>삭제 성공 여부</a:t>
             </a:r>
             <a:endParaRPr lang="ko-KR" altLang="en-US" sz="1600" dirty="0"/>
           </a:p>
@@ -3775,15 +3747,7 @@
                   <a:sysClr val="windowText" lastClr="000000"/>
                 </a:solidFill>
               </a:rPr>
-              <a:t>강의평가 질문 </a:t>
-            </a:r>
-            <a:r>
-              <a:rPr lang="ko-KR" altLang="en-US" sz="1100" dirty="0" smtClean="0">
-                <a:solidFill>
-                  <a:sysClr val="windowText" lastClr="000000"/>
-                </a:solidFill>
-              </a:rPr>
-              <a:t>삭제 대상</a:t>
+              <a:t>강의평가 질문 삭제 대상</a:t>
             </a:r>
             <a:r>
               <a:rPr lang="en-US" altLang="ko-KR" sz="1100" dirty="0">
@@ -3794,20 +3758,12 @@
               <a:t> </a:t>
             </a:r>
             <a:r>
-              <a:rPr lang="ko-KR" altLang="en-US" sz="1100" dirty="0" smtClean="0">
-                <a:solidFill>
-                  <a:sysClr val="windowText" lastClr="000000"/>
-                </a:solidFill>
-              </a:rPr>
-              <a:t>정보 </a:t>
-            </a:r>
-            <a:r>
               <a:rPr lang="ko-KR" altLang="en-US" sz="1100" dirty="0">
                 <a:solidFill>
                   <a:sysClr val="windowText" lastClr="000000"/>
                 </a:solidFill>
               </a:rPr>
-              <a:t>입력</a:t>
+              <a:t>정보 입력</a:t>
             </a:r>
           </a:p>
         </p:txBody>
@@ -3862,18 +3818,10 @@
                   <a:sysClr val="windowText" lastClr="000000"/>
                 </a:solidFill>
               </a:rPr>
-              <a:t>강의평가 </a:t>
-            </a:r>
-            <a:r>
-              <a:rPr lang="ko-KR" altLang="en-US" sz="1100" dirty="0" smtClean="0">
-                <a:solidFill>
-                  <a:sysClr val="windowText" lastClr="000000"/>
-                </a:solidFill>
-              </a:rPr>
-              <a:t>질문 리스트</a:t>
-            </a:r>
-            <a:r>
-              <a:rPr lang="en-US" altLang="ko-KR" sz="1100" dirty="0" smtClean="0">
+              <a:t>강의평가 질문 리스트</a:t>
+            </a:r>
+            <a:r>
+              <a:rPr lang="en-US" altLang="ko-KR" sz="1100" dirty="0">
                 <a:solidFill>
                   <a:sysClr val="windowText" lastClr="000000"/>
                 </a:solidFill>
@@ -3881,18 +3829,13 @@
               <a:t> </a:t>
             </a:r>
             <a:r>
-              <a:rPr lang="ko-KR" altLang="en-US" sz="1100" dirty="0" smtClean="0">
+              <a:rPr lang="ko-KR" altLang="en-US" sz="1100" dirty="0">
                 <a:solidFill>
                   <a:sysClr val="windowText" lastClr="000000"/>
                 </a:solidFill>
               </a:rPr>
               <a:t>정보 읽음</a:t>
             </a:r>
-            <a:endParaRPr lang="ko-KR" altLang="en-US" sz="1100" dirty="0">
-              <a:solidFill>
-                <a:sysClr val="windowText" lastClr="000000"/>
-              </a:solidFill>
-            </a:endParaRPr>
           </a:p>
         </p:txBody>
       </p:sp>
@@ -3941,18 +3884,13 @@
           <a:p>
             <a:pPr algn="ctr"/>
             <a:r>
-              <a:rPr lang="ko-KR" altLang="en-US" sz="1100" dirty="0" smtClean="0">
+              <a:rPr lang="ko-KR" altLang="en-US" sz="1100" dirty="0">
                 <a:solidFill>
                   <a:sysClr val="windowText" lastClr="000000"/>
                 </a:solidFill>
               </a:rPr>
               <a:t>권한 체크</a:t>
             </a:r>
-            <a:endParaRPr lang="ko-KR" altLang="en-US" sz="1100" dirty="0">
-              <a:solidFill>
-                <a:sysClr val="windowText" lastClr="000000"/>
-              </a:solidFill>
-            </a:endParaRPr>
           </a:p>
         </p:txBody>
       </p:sp>
@@ -4117,21 +4055,8 @@
                   <a:sysClr val="windowText" lastClr="000000"/>
                 </a:solidFill>
               </a:rPr>
-              <a:t>삭제할 강의평가 질문  정보 </a:t>
-            </a:r>
-            <a:r>
-              <a:rPr lang="ko-KR" altLang="en-US" sz="1100" dirty="0" smtClean="0">
-                <a:solidFill>
-                  <a:sysClr val="windowText" lastClr="000000"/>
-                </a:solidFill>
-              </a:rPr>
-              <a:t>삭제</a:t>
-            </a:r>
-            <a:endParaRPr lang="ko-KR" altLang="en-US" sz="1100" dirty="0">
-              <a:solidFill>
-                <a:sysClr val="windowText" lastClr="000000"/>
-              </a:solidFill>
-            </a:endParaRPr>
+              <a:t>삭제할 강의평가 질문  정보 삭제</a:t>
+            </a:r>
           </a:p>
         </p:txBody>
       </p:sp>
@@ -4217,18 +4142,13 @@
           <a:p>
             <a:pPr algn="ctr"/>
             <a:r>
-              <a:rPr lang="ko-KR" altLang="en-US" sz="1100" dirty="0" smtClean="0">
+              <a:rPr lang="ko-KR" altLang="en-US" sz="1100" dirty="0">
                 <a:solidFill>
                   <a:sysClr val="windowText" lastClr="000000"/>
                 </a:solidFill>
               </a:rPr>
               <a:t>삭제 결과 출력</a:t>
             </a:r>
-            <a:endParaRPr lang="ko-KR" altLang="en-US" sz="1100" dirty="0">
-              <a:solidFill>
-                <a:sysClr val="windowText" lastClr="000000"/>
-              </a:solidFill>
-            </a:endParaRPr>
           </a:p>
         </p:txBody>
       </p:sp>
@@ -4529,17 +4449,13 @@
               <a:rPr lang="ko-KR" altLang="en-US" sz="1100" dirty="0"/>
               <a:t>강의 평가 질문 </a:t>
             </a:r>
-            <a:endParaRPr lang="en-US" altLang="ko-KR" sz="1100" dirty="0" smtClean="0"/>
+            <a:endParaRPr lang="en-US" altLang="ko-KR" sz="1100" dirty="0"/>
           </a:p>
           <a:p>
             <a:pPr algn="ctr"/>
             <a:r>
-              <a:rPr lang="ko-KR" altLang="en-US" sz="1100" dirty="0" smtClean="0"/>
-              <a:t>삭제 </a:t>
-            </a:r>
-            <a:r>
               <a:rPr lang="ko-KR" altLang="en-US" sz="1100" dirty="0"/>
-              <a:t>성공 여부</a:t>
+              <a:t>삭제 성공 여부</a:t>
             </a:r>
             <a:endParaRPr lang="ko-KR" altLang="en-US" sz="1600" dirty="0"/>
           </a:p>
@@ -4665,7 +4581,7 @@
           <a:p>
             <a:pPr algn="ctr"/>
             <a:r>
-              <a:rPr lang="ko-KR" altLang="en-US" sz="1100" smtClean="0"/>
+              <a:rPr lang="ko-KR" altLang="en-US" sz="1100"/>
               <a:t>권한 정보</a:t>
             </a:r>
             <a:endParaRPr lang="ko-KR" altLang="en-US" sz="1600" dirty="0"/>
@@ -4794,15 +4710,15 @@
           <a:p>
             <a:pPr algn="ctr"/>
             <a:r>
-              <a:rPr lang="ko-KR" altLang="en-US" sz="1100" dirty="0" smtClean="0"/>
+              <a:rPr lang="ko-KR" altLang="en-US" sz="1100" dirty="0"/>
               <a:t>권한 체크 </a:t>
             </a:r>
-            <a:endParaRPr lang="en-US" altLang="ko-KR" sz="1100" dirty="0" smtClean="0"/>
+            <a:endParaRPr lang="en-US" altLang="ko-KR" sz="1100" dirty="0"/>
           </a:p>
           <a:p>
             <a:pPr algn="ctr"/>
             <a:r>
-              <a:rPr lang="ko-KR" altLang="en-US" sz="1100" dirty="0" smtClean="0"/>
+              <a:rPr lang="ko-KR" altLang="en-US" sz="1100" dirty="0"/>
               <a:t>정보</a:t>
             </a:r>
             <a:endParaRPr lang="ko-KR" altLang="en-US" sz="1600" dirty="0"/>
@@ -4929,7 +4845,7 @@
           <a:p>
             <a:pPr algn="ctr"/>
             <a:r>
-              <a:rPr lang="ko-KR" altLang="en-US" sz="1100" dirty="0" smtClean="0"/>
+              <a:rPr lang="ko-KR" altLang="en-US" sz="1100" dirty="0"/>
               <a:t>권한 정보</a:t>
             </a:r>
             <a:endParaRPr lang="ko-KR" altLang="en-US" sz="1600" dirty="0"/>
@@ -5058,7 +4974,7 @@
           <a:p>
             <a:pPr algn="ctr"/>
             <a:r>
-              <a:rPr lang="ko-KR" altLang="en-US" sz="1100" dirty="0" smtClean="0"/>
+              <a:rPr lang="ko-KR" altLang="en-US" sz="1100" dirty="0"/>
               <a:t>권한 체크 정보</a:t>
             </a:r>
             <a:endParaRPr lang="ko-KR" altLang="en-US" sz="1600" dirty="0"/>
@@ -5187,7 +5103,7 @@
           <a:p>
             <a:pPr algn="ctr"/>
             <a:r>
-              <a:rPr lang="ko-KR" altLang="en-US" sz="1100" dirty="0" smtClean="0"/>
+              <a:rPr lang="ko-KR" altLang="en-US" sz="1100" dirty="0"/>
               <a:t>권한 체크 정보</a:t>
             </a:r>
             <a:endParaRPr lang="ko-KR" altLang="en-US" sz="1600" dirty="0"/>
@@ -5239,18 +5155,13 @@
           <a:p>
             <a:pPr algn="ctr"/>
             <a:r>
-              <a:rPr lang="ko-KR" altLang="en-US" sz="1100" dirty="0" smtClean="0">
+              <a:rPr lang="ko-KR" altLang="en-US" sz="1100" dirty="0">
                 <a:solidFill>
                   <a:sysClr val="windowText" lastClr="000000"/>
                 </a:solidFill>
               </a:rPr>
               <a:t>권한 체크 결과 출력</a:t>
             </a:r>
-            <a:endParaRPr lang="ko-KR" altLang="en-US" sz="1100" dirty="0">
-              <a:solidFill>
-                <a:sysClr val="windowText" lastClr="000000"/>
-              </a:solidFill>
-            </a:endParaRPr>
           </a:p>
         </p:txBody>
       </p:sp>
@@ -5413,7 +5324,7 @@
           <a:p>
             <a:pPr algn="ctr"/>
             <a:r>
-              <a:rPr lang="ko-KR" altLang="en-US" sz="1100" dirty="0" smtClean="0"/>
+              <a:rPr lang="ko-KR" altLang="en-US" sz="1100" dirty="0"/>
               <a:t>권한 체크 정보</a:t>
             </a:r>
             <a:endParaRPr lang="ko-KR" altLang="en-US" sz="1600" dirty="0"/>
@@ -5671,17 +5582,13 @@
               <a:rPr lang="ko-KR" altLang="en-US" sz="1100" dirty="0"/>
               <a:t>강의 평가 질문 </a:t>
             </a:r>
-            <a:endParaRPr lang="en-US" altLang="ko-KR" sz="1100" dirty="0" smtClean="0"/>
+            <a:endParaRPr lang="en-US" altLang="ko-KR" sz="1100" dirty="0"/>
           </a:p>
           <a:p>
             <a:pPr algn="ctr"/>
             <a:r>
-              <a:rPr lang="ko-KR" altLang="en-US" sz="1100" dirty="0" smtClean="0"/>
-              <a:t>삭제 </a:t>
-            </a:r>
-            <a:r>
               <a:rPr lang="ko-KR" altLang="en-US" sz="1100" dirty="0"/>
-              <a:t>성공 여부</a:t>
+              <a:t>삭제 성공 여부</a:t>
             </a:r>
             <a:endParaRPr lang="ko-KR" altLang="en-US" sz="1600" dirty="0"/>
           </a:p>
@@ -5806,7 +5713,7 @@
           <a:lstStyle/>
           <a:p>
             <a:r>
-              <a:rPr lang="ko-KR" altLang="en-US" sz="1100" dirty="0" smtClean="0"/>
+              <a:rPr lang="ko-KR" altLang="en-US" sz="1100" dirty="0"/>
               <a:t>강의평가 질문 삭제 대상 정보</a:t>
             </a:r>
             <a:endParaRPr lang="ko-KR" altLang="en-US" sz="1600" dirty="0"/>
@@ -6058,18 +5965,14 @@
           <a:p>
             <a:pPr algn="ctr"/>
             <a:r>
-              <a:rPr lang="ko-KR" altLang="en-US" sz="1100" dirty="0" smtClean="0"/>
+              <a:rPr lang="ko-KR" altLang="en-US" sz="1100" dirty="0"/>
               <a:t>강의평가 질문</a:t>
             </a:r>
-            <a:r>
-              <a:rPr lang="en-US" altLang="ko-KR" sz="1100" dirty="0" smtClean="0"/>
-              <a:t/>
-            </a:r>
             <a:br>
-              <a:rPr lang="en-US" altLang="ko-KR" sz="1100" dirty="0" smtClean="0"/>
+              <a:rPr lang="en-US" altLang="ko-KR" sz="1100" dirty="0"/>
             </a:br>
             <a:r>
-              <a:rPr lang="ko-KR" altLang="en-US" sz="1100" dirty="0" smtClean="0"/>
+              <a:rPr lang="ko-KR" altLang="en-US" sz="1100" dirty="0"/>
               <a:t>리스트 정보</a:t>
             </a:r>
             <a:endParaRPr lang="ko-KR" altLang="en-US" sz="1600" dirty="0"/>

--- a/SDD 관련 자료/작업 결과물/프로그램 구조도(트랜스폼, 트랜젝션)/강의평가 질문 삭제.pptx
+++ b/SDD 관련 자료/작업 결과물/프로그램 구조도(트랜스폼, 트랜젝션)/강의평가 질문 삭제.pptx
@@ -5333,132 +5333,6 @@
       </p:sp>
       <p:grpSp>
         <p:nvGrpSpPr>
-          <p:cNvPr id="112" name="그룹 111"/>
-          <p:cNvGrpSpPr/>
-          <p:nvPr/>
-        </p:nvGrpSpPr>
-        <p:grpSpPr>
-          <a:xfrm rot="479651">
-            <a:off x="10563167" y="5091235"/>
-            <a:ext cx="465295" cy="429840"/>
-            <a:chOff x="5764817" y="2081712"/>
-            <a:chExt cx="465295" cy="429840"/>
-          </a:xfrm>
-        </p:grpSpPr>
-        <p:sp>
-          <p:nvSpPr>
-            <p:cNvPr id="113" name="타원 112"/>
-            <p:cNvSpPr/>
-            <p:nvPr/>
-          </p:nvSpPr>
-          <p:spPr>
-            <a:xfrm>
-              <a:off x="5764817" y="2081712"/>
-              <a:ext cx="254984" cy="254984"/>
-            </a:xfrm>
-            <a:prstGeom prst="ellipse">
-              <a:avLst/>
-            </a:prstGeom>
-            <a:noFill/>
-            <a:ln w="38100">
-              <a:solidFill>
-                <a:schemeClr val="accent1"/>
-              </a:solidFill>
-            </a:ln>
-          </p:spPr>
-          <p:style>
-            <a:lnRef idx="2">
-              <a:schemeClr val="accent1">
-                <a:shade val="50000"/>
-              </a:schemeClr>
-            </a:lnRef>
-            <a:fillRef idx="1">
-              <a:schemeClr val="accent1"/>
-            </a:fillRef>
-            <a:effectRef idx="0">
-              <a:schemeClr val="accent1"/>
-            </a:effectRef>
-            <a:fontRef idx="minor">
-              <a:schemeClr val="lt1"/>
-            </a:fontRef>
-          </p:style>
-          <p:txBody>
-            <a:bodyPr rtlCol="0" anchor="ctr"/>
-            <a:lstStyle/>
-            <a:p>
-              <a:pPr algn="ctr"/>
-              <a:endParaRPr lang="ko-KR" altLang="en-US"/>
-            </a:p>
-          </p:txBody>
-        </p:sp>
-        <p:cxnSp>
-          <p:nvCxnSpPr>
-            <p:cNvPr id="114" name="직선 연결선 113"/>
-            <p:cNvCxnSpPr>
-              <a:endCxn id="113" idx="5"/>
-            </p:cNvCxnSpPr>
-            <p:nvPr/>
-          </p:nvCxnSpPr>
-          <p:spPr>
-            <a:xfrm flipH="1" flipV="1">
-              <a:off x="5982459" y="2299354"/>
-              <a:ext cx="247653" cy="212198"/>
-            </a:xfrm>
-            <a:prstGeom prst="line">
-              <a:avLst/>
-            </a:prstGeom>
-            <a:ln w="38100">
-              <a:headEnd type="stealth" w="lg" len="lg"/>
-            </a:ln>
-          </p:spPr>
-          <p:style>
-            <a:lnRef idx="1">
-              <a:schemeClr val="accent1"/>
-            </a:lnRef>
-            <a:fillRef idx="0">
-              <a:schemeClr val="accent1"/>
-            </a:fillRef>
-            <a:effectRef idx="0">
-              <a:schemeClr val="accent1"/>
-            </a:effectRef>
-            <a:fontRef idx="minor">
-              <a:schemeClr val="tx1"/>
-            </a:fontRef>
-          </p:style>
-        </p:cxnSp>
-      </p:grpSp>
-      <p:sp>
-        <p:nvSpPr>
-          <p:cNvPr id="115" name="TextBox 114"/>
-          <p:cNvSpPr txBox="1"/>
-          <p:nvPr/>
-        </p:nvSpPr>
-        <p:spPr>
-          <a:xfrm rot="2729697">
-            <a:off x="10583447" y="4948410"/>
-            <a:ext cx="798617" cy="261610"/>
-          </a:xfrm>
-          <a:prstGeom prst="rect">
-            <a:avLst/>
-          </a:prstGeom>
-          <a:noFill/>
-        </p:spPr>
-        <p:txBody>
-          <a:bodyPr wrap="none" rtlCol="0">
-            <a:spAutoFit/>
-          </a:bodyPr>
-          <a:lstStyle/>
-          <a:p>
-            <a:r>
-              <a:rPr lang="ko-KR" altLang="en-US" sz="1100" dirty="0"/>
-              <a:t>삭제 결과</a:t>
-            </a:r>
-            <a:endParaRPr lang="ko-KR" altLang="en-US" sz="1600" dirty="0"/>
-          </a:p>
-        </p:txBody>
-      </p:sp>
-      <p:grpSp>
-        <p:nvGrpSpPr>
           <p:cNvPr id="116" name="그룹 115"/>
           <p:cNvGrpSpPr/>
           <p:nvPr/>
@@ -5968,12 +5842,558 @@
               <a:rPr lang="ko-KR" altLang="en-US" sz="1100" dirty="0"/>
               <a:t>강의평가 질문</a:t>
             </a:r>
+            <a:r>
+              <a:rPr lang="en-US" altLang="ko-KR" sz="1100" dirty="0"/>
+              <a:t/>
+            </a:r>
             <a:br>
               <a:rPr lang="en-US" altLang="ko-KR" sz="1100" dirty="0"/>
             </a:br>
             <a:r>
               <a:rPr lang="ko-KR" altLang="en-US" sz="1100" dirty="0"/>
               <a:t>리스트 정보</a:t>
+            </a:r>
+            <a:endParaRPr lang="ko-KR" altLang="en-US" sz="1600" dirty="0"/>
+          </a:p>
+        </p:txBody>
+      </p:sp>
+      <p:grpSp>
+        <p:nvGrpSpPr>
+          <p:cNvPr id="103" name="그룹 102"/>
+          <p:cNvGrpSpPr/>
+          <p:nvPr/>
+        </p:nvGrpSpPr>
+        <p:grpSpPr>
+          <a:xfrm rot="1088199">
+            <a:off x="10797751" y="5475642"/>
+            <a:ext cx="465295" cy="429840"/>
+            <a:chOff x="5764817" y="2081712"/>
+            <a:chExt cx="465295" cy="429840"/>
+          </a:xfrm>
+        </p:grpSpPr>
+        <p:sp>
+          <p:nvSpPr>
+            <p:cNvPr id="104" name="타원 103"/>
+            <p:cNvSpPr/>
+            <p:nvPr/>
+          </p:nvSpPr>
+          <p:spPr>
+            <a:xfrm>
+              <a:off x="5764817" y="2081712"/>
+              <a:ext cx="254984" cy="254984"/>
+            </a:xfrm>
+            <a:prstGeom prst="ellipse">
+              <a:avLst/>
+            </a:prstGeom>
+            <a:solidFill>
+              <a:schemeClr val="accent1"/>
+            </a:solidFill>
+            <a:ln w="38100">
+              <a:solidFill>
+                <a:schemeClr val="accent1"/>
+              </a:solidFill>
+            </a:ln>
+          </p:spPr>
+          <p:style>
+            <a:lnRef idx="2">
+              <a:schemeClr val="accent1">
+                <a:shade val="50000"/>
+              </a:schemeClr>
+            </a:lnRef>
+            <a:fillRef idx="1">
+              <a:schemeClr val="accent1"/>
+            </a:fillRef>
+            <a:effectRef idx="0">
+              <a:schemeClr val="accent1"/>
+            </a:effectRef>
+            <a:fontRef idx="minor">
+              <a:schemeClr val="lt1"/>
+            </a:fontRef>
+          </p:style>
+          <p:txBody>
+            <a:bodyPr rtlCol="0" anchor="ctr"/>
+            <a:lstStyle/>
+            <a:p>
+              <a:pPr algn="ctr"/>
+              <a:endParaRPr lang="ko-KR" altLang="en-US"/>
+            </a:p>
+          </p:txBody>
+        </p:sp>
+        <p:cxnSp>
+          <p:nvCxnSpPr>
+            <p:cNvPr id="105" name="직선 연결선 104"/>
+            <p:cNvCxnSpPr>
+              <a:endCxn id="104" idx="5"/>
+            </p:cNvCxnSpPr>
+            <p:nvPr/>
+          </p:nvCxnSpPr>
+          <p:spPr>
+            <a:xfrm flipH="1" flipV="1">
+              <a:off x="5982459" y="2299354"/>
+              <a:ext cx="247653" cy="212198"/>
+            </a:xfrm>
+            <a:prstGeom prst="line">
+              <a:avLst/>
+            </a:prstGeom>
+            <a:ln w="38100">
+              <a:headEnd type="stealth" w="lg" len="lg"/>
+            </a:ln>
+          </p:spPr>
+          <p:style>
+            <a:lnRef idx="1">
+              <a:schemeClr val="accent1"/>
+            </a:lnRef>
+            <a:fillRef idx="0">
+              <a:schemeClr val="accent1"/>
+            </a:fillRef>
+            <a:effectRef idx="0">
+              <a:schemeClr val="accent1"/>
+            </a:effectRef>
+            <a:fontRef idx="minor">
+              <a:schemeClr val="tx1"/>
+            </a:fontRef>
+          </p:style>
+        </p:cxnSp>
+      </p:grpSp>
+      <p:sp>
+        <p:nvSpPr>
+          <p:cNvPr id="106" name="TextBox 105"/>
+          <p:cNvSpPr txBox="1"/>
+          <p:nvPr/>
+        </p:nvSpPr>
+        <p:spPr>
+          <a:xfrm rot="3826848">
+            <a:off x="10604681" y="5175468"/>
+            <a:ext cx="1180130" cy="430887"/>
+          </a:xfrm>
+          <a:prstGeom prst="rect">
+            <a:avLst/>
+          </a:prstGeom>
+          <a:noFill/>
+        </p:spPr>
+        <p:txBody>
+          <a:bodyPr wrap="none" rtlCol="0">
+            <a:spAutoFit/>
+          </a:bodyPr>
+          <a:lstStyle/>
+          <a:p>
+            <a:pPr algn="ctr"/>
+            <a:r>
+              <a:rPr lang="ko-KR" altLang="en-US" sz="1100" dirty="0"/>
+              <a:t>강의 평가 질문 </a:t>
+            </a:r>
+            <a:endParaRPr lang="en-US" altLang="ko-KR" sz="1100" dirty="0"/>
+          </a:p>
+          <a:p>
+            <a:pPr algn="ctr"/>
+            <a:r>
+              <a:rPr lang="ko-KR" altLang="en-US" sz="1100" dirty="0"/>
+              <a:t>삭제 성공 여부</a:t>
+            </a:r>
+            <a:endParaRPr lang="ko-KR" altLang="en-US" sz="1600" dirty="0"/>
+          </a:p>
+        </p:txBody>
+      </p:sp>
+      <p:grpSp>
+        <p:nvGrpSpPr>
+          <p:cNvPr id="107" name="그룹 106"/>
+          <p:cNvGrpSpPr/>
+          <p:nvPr/>
+        </p:nvGrpSpPr>
+        <p:grpSpPr>
+          <a:xfrm rot="12245695">
+            <a:off x="6759003" y="4040343"/>
+            <a:ext cx="465295" cy="429840"/>
+            <a:chOff x="5764817" y="2081712"/>
+            <a:chExt cx="465295" cy="429840"/>
+          </a:xfrm>
+        </p:grpSpPr>
+        <p:sp>
+          <p:nvSpPr>
+            <p:cNvPr id="128" name="타원 127"/>
+            <p:cNvSpPr/>
+            <p:nvPr/>
+          </p:nvSpPr>
+          <p:spPr>
+            <a:xfrm>
+              <a:off x="5764817" y="2081712"/>
+              <a:ext cx="254984" cy="254984"/>
+            </a:xfrm>
+            <a:prstGeom prst="ellipse">
+              <a:avLst/>
+            </a:prstGeom>
+            <a:noFill/>
+            <a:ln w="38100">
+              <a:solidFill>
+                <a:schemeClr val="accent1"/>
+              </a:solidFill>
+            </a:ln>
+          </p:spPr>
+          <p:style>
+            <a:lnRef idx="2">
+              <a:schemeClr val="accent1">
+                <a:shade val="50000"/>
+              </a:schemeClr>
+            </a:lnRef>
+            <a:fillRef idx="1">
+              <a:schemeClr val="accent1"/>
+            </a:fillRef>
+            <a:effectRef idx="0">
+              <a:schemeClr val="accent1"/>
+            </a:effectRef>
+            <a:fontRef idx="minor">
+              <a:schemeClr val="lt1"/>
+            </a:fontRef>
+          </p:style>
+          <p:txBody>
+            <a:bodyPr rtlCol="0" anchor="ctr"/>
+            <a:lstStyle/>
+            <a:p>
+              <a:pPr algn="ctr"/>
+              <a:endParaRPr lang="ko-KR" altLang="en-US"/>
+            </a:p>
+          </p:txBody>
+        </p:sp>
+        <p:cxnSp>
+          <p:nvCxnSpPr>
+            <p:cNvPr id="129" name="직선 연결선 128"/>
+            <p:cNvCxnSpPr>
+              <a:endCxn id="128" idx="5"/>
+            </p:cNvCxnSpPr>
+            <p:nvPr/>
+          </p:nvCxnSpPr>
+          <p:spPr>
+            <a:xfrm flipH="1" flipV="1">
+              <a:off x="5982459" y="2299354"/>
+              <a:ext cx="247653" cy="212198"/>
+            </a:xfrm>
+            <a:prstGeom prst="line">
+              <a:avLst/>
+            </a:prstGeom>
+            <a:ln w="38100">
+              <a:headEnd type="stealth" w="lg" len="lg"/>
+            </a:ln>
+          </p:spPr>
+          <p:style>
+            <a:lnRef idx="1">
+              <a:schemeClr val="accent1"/>
+            </a:lnRef>
+            <a:fillRef idx="0">
+              <a:schemeClr val="accent1"/>
+            </a:fillRef>
+            <a:effectRef idx="0">
+              <a:schemeClr val="accent1"/>
+            </a:effectRef>
+            <a:fontRef idx="minor">
+              <a:schemeClr val="tx1"/>
+            </a:fontRef>
+          </p:style>
+        </p:cxnSp>
+      </p:grpSp>
+      <p:sp>
+        <p:nvSpPr>
+          <p:cNvPr id="131" name="TextBox 130"/>
+          <p:cNvSpPr txBox="1"/>
+          <p:nvPr/>
+        </p:nvSpPr>
+        <p:spPr>
+          <a:xfrm rot="3562827">
+            <a:off x="6826674" y="4043365"/>
+            <a:ext cx="1130438" cy="430887"/>
+          </a:xfrm>
+          <a:prstGeom prst="rect">
+            <a:avLst/>
+          </a:prstGeom>
+          <a:noFill/>
+        </p:spPr>
+        <p:txBody>
+          <a:bodyPr wrap="none" rtlCol="0">
+            <a:spAutoFit/>
+          </a:bodyPr>
+          <a:lstStyle/>
+          <a:p>
+            <a:pPr algn="ctr"/>
+            <a:r>
+              <a:rPr lang="ko-KR" altLang="en-US" sz="1100" dirty="0" smtClean="0"/>
+              <a:t>강의평가 질문 </a:t>
+            </a:r>
+            <a:endParaRPr lang="en-US" altLang="ko-KR" sz="1100" dirty="0" smtClean="0"/>
+          </a:p>
+          <a:p>
+            <a:pPr algn="ctr"/>
+            <a:r>
+              <a:rPr lang="ko-KR" altLang="en-US" sz="1100" dirty="0" smtClean="0"/>
+              <a:t>삭제 결과 정보</a:t>
+            </a:r>
+            <a:endParaRPr lang="ko-KR" altLang="en-US" sz="1600" dirty="0"/>
+          </a:p>
+        </p:txBody>
+      </p:sp>
+      <p:grpSp>
+        <p:nvGrpSpPr>
+          <p:cNvPr id="132" name="그룹 131"/>
+          <p:cNvGrpSpPr/>
+          <p:nvPr/>
+        </p:nvGrpSpPr>
+        <p:grpSpPr>
+          <a:xfrm rot="20962934">
+            <a:off x="8212118" y="2102212"/>
+            <a:ext cx="465295" cy="429840"/>
+            <a:chOff x="5764817" y="2081712"/>
+            <a:chExt cx="465295" cy="429840"/>
+          </a:xfrm>
+        </p:grpSpPr>
+        <p:sp>
+          <p:nvSpPr>
+            <p:cNvPr id="133" name="타원 132"/>
+            <p:cNvSpPr/>
+            <p:nvPr/>
+          </p:nvSpPr>
+          <p:spPr>
+            <a:xfrm>
+              <a:off x="5764817" y="2081712"/>
+              <a:ext cx="254984" cy="254984"/>
+            </a:xfrm>
+            <a:prstGeom prst="ellipse">
+              <a:avLst/>
+            </a:prstGeom>
+            <a:noFill/>
+            <a:ln w="38100">
+              <a:solidFill>
+                <a:schemeClr val="accent1"/>
+              </a:solidFill>
+            </a:ln>
+          </p:spPr>
+          <p:style>
+            <a:lnRef idx="2">
+              <a:schemeClr val="accent1">
+                <a:shade val="50000"/>
+              </a:schemeClr>
+            </a:lnRef>
+            <a:fillRef idx="1">
+              <a:schemeClr val="accent1"/>
+            </a:fillRef>
+            <a:effectRef idx="0">
+              <a:schemeClr val="accent1"/>
+            </a:effectRef>
+            <a:fontRef idx="minor">
+              <a:schemeClr val="lt1"/>
+            </a:fontRef>
+          </p:style>
+          <p:txBody>
+            <a:bodyPr rtlCol="0" anchor="ctr"/>
+            <a:lstStyle/>
+            <a:p>
+              <a:pPr algn="ctr"/>
+              <a:endParaRPr lang="ko-KR" altLang="en-US"/>
+            </a:p>
+          </p:txBody>
+        </p:sp>
+        <p:cxnSp>
+          <p:nvCxnSpPr>
+            <p:cNvPr id="134" name="직선 연결선 133"/>
+            <p:cNvCxnSpPr>
+              <a:endCxn id="133" idx="5"/>
+            </p:cNvCxnSpPr>
+            <p:nvPr/>
+          </p:nvCxnSpPr>
+          <p:spPr>
+            <a:xfrm flipH="1" flipV="1">
+              <a:off x="5982459" y="2299354"/>
+              <a:ext cx="247653" cy="212198"/>
+            </a:xfrm>
+            <a:prstGeom prst="line">
+              <a:avLst/>
+            </a:prstGeom>
+            <a:ln w="38100">
+              <a:headEnd type="stealth" w="lg" len="lg"/>
+            </a:ln>
+          </p:spPr>
+          <p:style>
+            <a:lnRef idx="1">
+              <a:schemeClr val="accent1"/>
+            </a:lnRef>
+            <a:fillRef idx="0">
+              <a:schemeClr val="accent1"/>
+            </a:fillRef>
+            <a:effectRef idx="0">
+              <a:schemeClr val="accent1"/>
+            </a:effectRef>
+            <a:fontRef idx="minor">
+              <a:schemeClr val="tx1"/>
+            </a:fontRef>
+          </p:style>
+        </p:cxnSp>
+      </p:grpSp>
+      <p:sp>
+        <p:nvSpPr>
+          <p:cNvPr id="135" name="TextBox 134"/>
+          <p:cNvSpPr txBox="1"/>
+          <p:nvPr/>
+        </p:nvSpPr>
+        <p:spPr>
+          <a:xfrm rot="1767046">
+            <a:off x="7693685" y="2502123"/>
+            <a:ext cx="1130438" cy="430887"/>
+          </a:xfrm>
+          <a:prstGeom prst="rect">
+            <a:avLst/>
+          </a:prstGeom>
+          <a:noFill/>
+        </p:spPr>
+        <p:txBody>
+          <a:bodyPr wrap="none" rtlCol="0">
+            <a:spAutoFit/>
+          </a:bodyPr>
+          <a:lstStyle/>
+          <a:p>
+            <a:pPr algn="ctr"/>
+            <a:r>
+              <a:rPr lang="ko-KR" altLang="en-US" sz="1100" dirty="0" smtClean="0"/>
+              <a:t>강의평가 질문 </a:t>
+            </a:r>
+            <a:endParaRPr lang="en-US" altLang="ko-KR" sz="1100" dirty="0" smtClean="0"/>
+          </a:p>
+          <a:p>
+            <a:pPr algn="ctr"/>
+            <a:r>
+              <a:rPr lang="ko-KR" altLang="en-US" sz="1100" dirty="0" smtClean="0"/>
+              <a:t>삭제 결과 정보</a:t>
+            </a:r>
+            <a:endParaRPr lang="ko-KR" altLang="en-US" sz="1600" dirty="0"/>
+          </a:p>
+        </p:txBody>
+      </p:sp>
+      <p:grpSp>
+        <p:nvGrpSpPr>
+          <p:cNvPr id="136" name="그룹 135"/>
+          <p:cNvGrpSpPr/>
+          <p:nvPr/>
+        </p:nvGrpSpPr>
+        <p:grpSpPr>
+          <a:xfrm rot="1446898">
+            <a:off x="9960369" y="5029263"/>
+            <a:ext cx="465295" cy="429840"/>
+            <a:chOff x="5764817" y="2081712"/>
+            <a:chExt cx="465295" cy="429840"/>
+          </a:xfrm>
+        </p:grpSpPr>
+        <p:sp>
+          <p:nvSpPr>
+            <p:cNvPr id="137" name="타원 136"/>
+            <p:cNvSpPr/>
+            <p:nvPr/>
+          </p:nvSpPr>
+          <p:spPr>
+            <a:xfrm>
+              <a:off x="5764817" y="2081712"/>
+              <a:ext cx="254984" cy="254984"/>
+            </a:xfrm>
+            <a:prstGeom prst="ellipse">
+              <a:avLst/>
+            </a:prstGeom>
+            <a:noFill/>
+            <a:ln w="38100">
+              <a:solidFill>
+                <a:schemeClr val="accent1"/>
+              </a:solidFill>
+            </a:ln>
+          </p:spPr>
+          <p:style>
+            <a:lnRef idx="2">
+              <a:schemeClr val="accent1">
+                <a:shade val="50000"/>
+              </a:schemeClr>
+            </a:lnRef>
+            <a:fillRef idx="1">
+              <a:schemeClr val="accent1"/>
+            </a:fillRef>
+            <a:effectRef idx="0">
+              <a:schemeClr val="accent1"/>
+            </a:effectRef>
+            <a:fontRef idx="minor">
+              <a:schemeClr val="lt1"/>
+            </a:fontRef>
+          </p:style>
+          <p:txBody>
+            <a:bodyPr rtlCol="0" anchor="ctr"/>
+            <a:lstStyle/>
+            <a:p>
+              <a:pPr algn="ctr"/>
+              <a:endParaRPr lang="ko-KR" altLang="en-US"/>
+            </a:p>
+          </p:txBody>
+        </p:sp>
+        <p:cxnSp>
+          <p:nvCxnSpPr>
+            <p:cNvPr id="138" name="직선 연결선 137"/>
+            <p:cNvCxnSpPr>
+              <a:endCxn id="137" idx="5"/>
+            </p:cNvCxnSpPr>
+            <p:nvPr/>
+          </p:nvCxnSpPr>
+          <p:spPr>
+            <a:xfrm flipH="1" flipV="1">
+              <a:off x="5982459" y="2299354"/>
+              <a:ext cx="247653" cy="212198"/>
+            </a:xfrm>
+            <a:prstGeom prst="line">
+              <a:avLst/>
+            </a:prstGeom>
+            <a:ln w="38100">
+              <a:headEnd type="stealth" w="lg" len="lg"/>
+            </a:ln>
+          </p:spPr>
+          <p:style>
+            <a:lnRef idx="1">
+              <a:schemeClr val="accent1"/>
+            </a:lnRef>
+            <a:fillRef idx="0">
+              <a:schemeClr val="accent1"/>
+            </a:fillRef>
+            <a:effectRef idx="0">
+              <a:schemeClr val="accent1"/>
+            </a:effectRef>
+            <a:fontRef idx="minor">
+              <a:schemeClr val="tx1"/>
+            </a:fontRef>
+          </p:style>
+        </p:cxnSp>
+      </p:grpSp>
+      <p:sp>
+        <p:nvSpPr>
+          <p:cNvPr id="139" name="TextBox 138"/>
+          <p:cNvSpPr txBox="1"/>
+          <p:nvPr/>
+        </p:nvSpPr>
+        <p:spPr>
+          <a:xfrm rot="3851010">
+            <a:off x="9441936" y="5429174"/>
+            <a:ext cx="1130438" cy="430887"/>
+          </a:xfrm>
+          <a:prstGeom prst="rect">
+            <a:avLst/>
+          </a:prstGeom>
+          <a:noFill/>
+        </p:spPr>
+        <p:txBody>
+          <a:bodyPr wrap="none" rtlCol="0">
+            <a:spAutoFit/>
+          </a:bodyPr>
+          <a:lstStyle/>
+          <a:p>
+            <a:pPr algn="ctr"/>
+            <a:r>
+              <a:rPr lang="ko-KR" altLang="en-US" sz="1100" dirty="0" smtClean="0"/>
+              <a:t>강의평가 질문 </a:t>
+            </a:r>
+            <a:endParaRPr lang="en-US" altLang="ko-KR" sz="1100" dirty="0" smtClean="0"/>
+          </a:p>
+          <a:p>
+            <a:pPr algn="ctr"/>
+            <a:r>
+              <a:rPr lang="ko-KR" altLang="en-US" sz="1100" dirty="0" smtClean="0"/>
+              <a:t>삭제 결과 정보</a:t>
             </a:r>
             <a:endParaRPr lang="ko-KR" altLang="en-US" sz="1600" dirty="0"/>
           </a:p>
